--- a/notes.pptx
+++ b/notes.pptx
@@ -31,6 +31,15 @@
     <p:sldId id="279" r:id="rId25"/>
     <p:sldId id="280" r:id="rId26"/>
     <p:sldId id="281" r:id="rId27"/>
+    <p:sldId id="282" r:id="rId28"/>
+    <p:sldId id="283" r:id="rId29"/>
+    <p:sldId id="284" r:id="rId30"/>
+    <p:sldId id="285" r:id="rId31"/>
+    <p:sldId id="286" r:id="rId32"/>
+    <p:sldId id="287" r:id="rId33"/>
+    <p:sldId id="289" r:id="rId34"/>
+    <p:sldId id="288" r:id="rId35"/>
+    <p:sldId id="290" r:id="rId36"/>
   </p:sldIdLst>
   <p:sldSz cx="12192000" cy="6858000"/>
   <p:notesSz cx="6858000" cy="9144000"/>
@@ -286,7 +295,7 @@
           <a:p>
             <a:fld id="{535BF340-C2AE-4C44-9056-2A538A16EE4A}" type="datetimeFigureOut">
               <a:rPr lang="fr-FR" smtClean="0"/>
-              <a:t>08/12/2022</a:t>
+              <a:t>24/04/2024</a:t>
             </a:fld>
             <a:endParaRPr lang="fr-FR"/>
           </a:p>
@@ -486,7 +495,7 @@
           <a:p>
             <a:fld id="{535BF340-C2AE-4C44-9056-2A538A16EE4A}" type="datetimeFigureOut">
               <a:rPr lang="fr-FR" smtClean="0"/>
-              <a:t>08/12/2022</a:t>
+              <a:t>24/04/2024</a:t>
             </a:fld>
             <a:endParaRPr lang="fr-FR"/>
           </a:p>
@@ -696,7 +705,7 @@
           <a:p>
             <a:fld id="{535BF340-C2AE-4C44-9056-2A538A16EE4A}" type="datetimeFigureOut">
               <a:rPr lang="fr-FR" smtClean="0"/>
-              <a:t>08/12/2022</a:t>
+              <a:t>24/04/2024</a:t>
             </a:fld>
             <a:endParaRPr lang="fr-FR"/>
           </a:p>
@@ -896,7 +905,7 @@
           <a:p>
             <a:fld id="{535BF340-C2AE-4C44-9056-2A538A16EE4A}" type="datetimeFigureOut">
               <a:rPr lang="fr-FR" smtClean="0"/>
-              <a:t>08/12/2022</a:t>
+              <a:t>24/04/2024</a:t>
             </a:fld>
             <a:endParaRPr lang="fr-FR"/>
           </a:p>
@@ -1172,7 +1181,7 @@
           <a:p>
             <a:fld id="{535BF340-C2AE-4C44-9056-2A538A16EE4A}" type="datetimeFigureOut">
               <a:rPr lang="fr-FR" smtClean="0"/>
-              <a:t>08/12/2022</a:t>
+              <a:t>24/04/2024</a:t>
             </a:fld>
             <a:endParaRPr lang="fr-FR"/>
           </a:p>
@@ -1440,7 +1449,7 @@
           <a:p>
             <a:fld id="{535BF340-C2AE-4C44-9056-2A538A16EE4A}" type="datetimeFigureOut">
               <a:rPr lang="fr-FR" smtClean="0"/>
-              <a:t>08/12/2022</a:t>
+              <a:t>24/04/2024</a:t>
             </a:fld>
             <a:endParaRPr lang="fr-FR"/>
           </a:p>
@@ -1855,7 +1864,7 @@
           <a:p>
             <a:fld id="{535BF340-C2AE-4C44-9056-2A538A16EE4A}" type="datetimeFigureOut">
               <a:rPr lang="fr-FR" smtClean="0"/>
-              <a:t>08/12/2022</a:t>
+              <a:t>24/04/2024</a:t>
             </a:fld>
             <a:endParaRPr lang="fr-FR"/>
           </a:p>
@@ -1997,7 +2006,7 @@
           <a:p>
             <a:fld id="{535BF340-C2AE-4C44-9056-2A538A16EE4A}" type="datetimeFigureOut">
               <a:rPr lang="fr-FR" smtClean="0"/>
-              <a:t>08/12/2022</a:t>
+              <a:t>24/04/2024</a:t>
             </a:fld>
             <a:endParaRPr lang="fr-FR"/>
           </a:p>
@@ -2110,7 +2119,7 @@
           <a:p>
             <a:fld id="{535BF340-C2AE-4C44-9056-2A538A16EE4A}" type="datetimeFigureOut">
               <a:rPr lang="fr-FR" smtClean="0"/>
-              <a:t>08/12/2022</a:t>
+              <a:t>24/04/2024</a:t>
             </a:fld>
             <a:endParaRPr lang="fr-FR"/>
           </a:p>
@@ -2423,7 +2432,7 @@
           <a:p>
             <a:fld id="{535BF340-C2AE-4C44-9056-2A538A16EE4A}" type="datetimeFigureOut">
               <a:rPr lang="fr-FR" smtClean="0"/>
-              <a:t>08/12/2022</a:t>
+              <a:t>24/04/2024</a:t>
             </a:fld>
             <a:endParaRPr lang="fr-FR"/>
           </a:p>
@@ -2712,7 +2721,7 @@
           <a:p>
             <a:fld id="{535BF340-C2AE-4C44-9056-2A538A16EE4A}" type="datetimeFigureOut">
               <a:rPr lang="fr-FR" smtClean="0"/>
-              <a:t>08/12/2022</a:t>
+              <a:t>24/04/2024</a:t>
             </a:fld>
             <a:endParaRPr lang="fr-FR"/>
           </a:p>
@@ -2955,7 +2964,7 @@
           <a:p>
             <a:fld id="{535BF340-C2AE-4C44-9056-2A538A16EE4A}" type="datetimeFigureOut">
               <a:rPr lang="fr-FR" smtClean="0"/>
-              <a:t>08/12/2022</a:t>
+              <a:t>24/04/2024</a:t>
             </a:fld>
             <a:endParaRPr lang="fr-FR"/>
           </a:p>
@@ -15647,6 +15656,3048 @@
 </p:sld>
 </file>
 
+<file path=ppt/slides/slide27.xml><?xml version="1.0" encoding="utf-8"?>
+<p:sld xmlns:a="http://schemas.openxmlformats.org/drawingml/2006/main" xmlns:r="http://schemas.openxmlformats.org/officeDocument/2006/relationships" xmlns:p="http://schemas.openxmlformats.org/presentationml/2006/main">
+  <p:cSld>
+    <p:spTree>
+      <p:nvGrpSpPr>
+        <p:cNvPr id="1" name=""/>
+        <p:cNvGrpSpPr/>
+        <p:nvPr/>
+      </p:nvGrpSpPr>
+      <p:grpSpPr>
+        <a:xfrm>
+          <a:off x="0" y="0"/>
+          <a:ext cx="0" cy="0"/>
+          <a:chOff x="0" y="0"/>
+          <a:chExt cx="0" cy="0"/>
+        </a:xfrm>
+      </p:grpSpPr>
+      <p:cxnSp>
+        <p:nvCxnSpPr>
+          <p:cNvPr id="5" name="Straight Arrow Connector 4">
+            <a:extLst>
+              <a:ext uri="{FF2B5EF4-FFF2-40B4-BE49-F238E27FC236}">
+                <a16:creationId xmlns:a16="http://schemas.microsoft.com/office/drawing/2014/main" id="{838C1224-5181-4C56-A26F-482AE2E6D673}"/>
+              </a:ext>
+            </a:extLst>
+          </p:cNvPr>
+          <p:cNvCxnSpPr/>
+          <p:nvPr/>
+        </p:nvCxnSpPr>
+        <p:spPr>
+          <a:xfrm>
+            <a:off x="399763" y="1029274"/>
+            <a:ext cx="11441487" cy="0"/>
+          </a:xfrm>
+          <a:prstGeom prst="straightConnector1">
+            <a:avLst/>
+          </a:prstGeom>
+          <a:ln w="76200">
+            <a:tailEnd type="triangle"/>
+          </a:ln>
+        </p:spPr>
+        <p:style>
+          <a:lnRef idx="1">
+            <a:schemeClr val="accent1"/>
+          </a:lnRef>
+          <a:fillRef idx="0">
+            <a:schemeClr val="accent1"/>
+          </a:fillRef>
+          <a:effectRef idx="0">
+            <a:schemeClr val="accent1"/>
+          </a:effectRef>
+          <a:fontRef idx="minor">
+            <a:schemeClr val="tx1"/>
+          </a:fontRef>
+        </p:style>
+      </p:cxnSp>
+      <p:cxnSp>
+        <p:nvCxnSpPr>
+          <p:cNvPr id="7" name="Straight Connector 6">
+            <a:extLst>
+              <a:ext uri="{FF2B5EF4-FFF2-40B4-BE49-F238E27FC236}">
+                <a16:creationId xmlns:a16="http://schemas.microsoft.com/office/drawing/2014/main" id="{FF21C521-F5B0-43A8-9DC5-C42678E842A1}"/>
+              </a:ext>
+            </a:extLst>
+          </p:cNvPr>
+          <p:cNvCxnSpPr/>
+          <p:nvPr/>
+        </p:nvCxnSpPr>
+        <p:spPr>
+          <a:xfrm>
+            <a:off x="909805" y="758171"/>
+            <a:ext cx="0" cy="643296"/>
+          </a:xfrm>
+          <a:prstGeom prst="line">
+            <a:avLst/>
+          </a:prstGeom>
+          <a:ln w="76200"/>
+        </p:spPr>
+        <p:style>
+          <a:lnRef idx="1">
+            <a:schemeClr val="accent1"/>
+          </a:lnRef>
+          <a:fillRef idx="0">
+            <a:schemeClr val="accent1"/>
+          </a:fillRef>
+          <a:effectRef idx="0">
+            <a:schemeClr val="accent1"/>
+          </a:effectRef>
+          <a:fontRef idx="minor">
+            <a:schemeClr val="tx1"/>
+          </a:fontRef>
+        </p:style>
+      </p:cxnSp>
+      <p:sp>
+        <p:nvSpPr>
+          <p:cNvPr id="8" name="Oval 7">
+            <a:extLst>
+              <a:ext uri="{FF2B5EF4-FFF2-40B4-BE49-F238E27FC236}">
+                <a16:creationId xmlns:a16="http://schemas.microsoft.com/office/drawing/2014/main" id="{243BBEF2-E57B-4313-995A-A21F9FC790F9}"/>
+              </a:ext>
+            </a:extLst>
+          </p:cNvPr>
+          <p:cNvSpPr/>
+          <p:nvPr/>
+        </p:nvSpPr>
+        <p:spPr>
+          <a:xfrm>
+            <a:off x="2612244" y="723710"/>
+            <a:ext cx="652485" cy="675445"/>
+          </a:xfrm>
+          <a:prstGeom prst="ellipse">
+            <a:avLst/>
+          </a:prstGeom>
+        </p:spPr>
+        <p:style>
+          <a:lnRef idx="2">
+            <a:schemeClr val="accent1">
+              <a:shade val="50000"/>
+            </a:schemeClr>
+          </a:lnRef>
+          <a:fillRef idx="1">
+            <a:schemeClr val="accent1"/>
+          </a:fillRef>
+          <a:effectRef idx="0">
+            <a:schemeClr val="accent1"/>
+          </a:effectRef>
+          <a:fontRef idx="minor">
+            <a:schemeClr val="lt1"/>
+          </a:fontRef>
+        </p:style>
+        <p:txBody>
+          <a:bodyPr rtlCol="0" anchor="ctr"/>
+          <a:lstStyle/>
+          <a:p>
+            <a:pPr algn="ctr"/>
+            <a:endParaRPr lang="fr-FR"/>
+          </a:p>
+        </p:txBody>
+      </p:sp>
+      <p:sp>
+        <p:nvSpPr>
+          <p:cNvPr id="9" name="Oval 8">
+            <a:extLst>
+              <a:ext uri="{FF2B5EF4-FFF2-40B4-BE49-F238E27FC236}">
+                <a16:creationId xmlns:a16="http://schemas.microsoft.com/office/drawing/2014/main" id="{8F91E4F8-F1CA-4244-9D05-3669D9B3E469}"/>
+              </a:ext>
+            </a:extLst>
+          </p:cNvPr>
+          <p:cNvSpPr/>
+          <p:nvPr/>
+        </p:nvSpPr>
+        <p:spPr>
+          <a:xfrm>
+            <a:off x="4967168" y="723710"/>
+            <a:ext cx="652485" cy="675445"/>
+          </a:xfrm>
+          <a:prstGeom prst="ellipse">
+            <a:avLst/>
+          </a:prstGeom>
+        </p:spPr>
+        <p:style>
+          <a:lnRef idx="2">
+            <a:schemeClr val="accent1">
+              <a:shade val="50000"/>
+            </a:schemeClr>
+          </a:lnRef>
+          <a:fillRef idx="1">
+            <a:schemeClr val="accent1"/>
+          </a:fillRef>
+          <a:effectRef idx="0">
+            <a:schemeClr val="accent1"/>
+          </a:effectRef>
+          <a:fontRef idx="minor">
+            <a:schemeClr val="lt1"/>
+          </a:fontRef>
+        </p:style>
+        <p:txBody>
+          <a:bodyPr rtlCol="0" anchor="ctr"/>
+          <a:lstStyle/>
+          <a:p>
+            <a:pPr algn="ctr"/>
+            <a:endParaRPr lang="fr-FR"/>
+          </a:p>
+        </p:txBody>
+      </p:sp>
+      <p:sp>
+        <p:nvSpPr>
+          <p:cNvPr id="10" name="Oval 9">
+            <a:extLst>
+              <a:ext uri="{FF2B5EF4-FFF2-40B4-BE49-F238E27FC236}">
+                <a16:creationId xmlns:a16="http://schemas.microsoft.com/office/drawing/2014/main" id="{2AD398DE-44FC-4342-A637-E93E1860F796}"/>
+              </a:ext>
+            </a:extLst>
+          </p:cNvPr>
+          <p:cNvSpPr/>
+          <p:nvPr/>
+        </p:nvSpPr>
+        <p:spPr>
+          <a:xfrm>
+            <a:off x="6096000" y="723710"/>
+            <a:ext cx="652485" cy="675445"/>
+          </a:xfrm>
+          <a:prstGeom prst="ellipse">
+            <a:avLst/>
+          </a:prstGeom>
+        </p:spPr>
+        <p:style>
+          <a:lnRef idx="2">
+            <a:schemeClr val="accent1">
+              <a:shade val="50000"/>
+            </a:schemeClr>
+          </a:lnRef>
+          <a:fillRef idx="1">
+            <a:schemeClr val="accent1"/>
+          </a:fillRef>
+          <a:effectRef idx="0">
+            <a:schemeClr val="accent1"/>
+          </a:effectRef>
+          <a:fontRef idx="minor">
+            <a:schemeClr val="lt1"/>
+          </a:fontRef>
+        </p:style>
+        <p:txBody>
+          <a:bodyPr rtlCol="0" anchor="ctr"/>
+          <a:lstStyle/>
+          <a:p>
+            <a:pPr algn="ctr"/>
+            <a:endParaRPr lang="fr-FR"/>
+          </a:p>
+        </p:txBody>
+      </p:sp>
+      <p:cxnSp>
+        <p:nvCxnSpPr>
+          <p:cNvPr id="12" name="Straight Connector 11">
+            <a:extLst>
+              <a:ext uri="{FF2B5EF4-FFF2-40B4-BE49-F238E27FC236}">
+                <a16:creationId xmlns:a16="http://schemas.microsoft.com/office/drawing/2014/main" id="{E555D2BF-DF59-470E-A7CB-C5C233E95DB9}"/>
+              </a:ext>
+            </a:extLst>
+          </p:cNvPr>
+          <p:cNvCxnSpPr/>
+          <p:nvPr/>
+        </p:nvCxnSpPr>
+        <p:spPr>
+          <a:xfrm>
+            <a:off x="7976876" y="684651"/>
+            <a:ext cx="0" cy="817906"/>
+          </a:xfrm>
+          <a:prstGeom prst="line">
+            <a:avLst/>
+          </a:prstGeom>
+          <a:ln w="76200"/>
+        </p:spPr>
+        <p:style>
+          <a:lnRef idx="1">
+            <a:schemeClr val="accent1"/>
+          </a:lnRef>
+          <a:fillRef idx="0">
+            <a:schemeClr val="accent1"/>
+          </a:fillRef>
+          <a:effectRef idx="0">
+            <a:schemeClr val="accent1"/>
+          </a:effectRef>
+          <a:fontRef idx="minor">
+            <a:schemeClr val="tx1"/>
+          </a:fontRef>
+        </p:style>
+      </p:cxnSp>
+      <p:sp>
+        <p:nvSpPr>
+          <p:cNvPr id="13" name="TextBox 12">
+            <a:extLst>
+              <a:ext uri="{FF2B5EF4-FFF2-40B4-BE49-F238E27FC236}">
+                <a16:creationId xmlns:a16="http://schemas.microsoft.com/office/drawing/2014/main" id="{2B243800-9786-493A-B336-7B74E2EC122C}"/>
+              </a:ext>
+            </a:extLst>
+          </p:cNvPr>
+          <p:cNvSpPr txBox="1"/>
+          <p:nvPr/>
+        </p:nvSpPr>
+        <p:spPr>
+          <a:xfrm>
+            <a:off x="7544949" y="1617431"/>
+            <a:ext cx="1065484" cy="369332"/>
+          </a:xfrm>
+          <a:prstGeom prst="rect">
+            <a:avLst/>
+          </a:prstGeom>
+          <a:noFill/>
+        </p:spPr>
+        <p:txBody>
+          <a:bodyPr wrap="none" rtlCol="0">
+            <a:spAutoFit/>
+          </a:bodyPr>
+          <a:lstStyle/>
+          <a:p>
+            <a:r>
+              <a:rPr lang="fr-FR" dirty="0" err="1"/>
+              <a:t>complete</a:t>
+            </a:r>
+            <a:endParaRPr lang="fr-FR" dirty="0"/>
+          </a:p>
+        </p:txBody>
+      </p:sp>
+      <p:sp>
+        <p:nvSpPr>
+          <p:cNvPr id="14" name="TextBox 13">
+            <a:extLst>
+              <a:ext uri="{FF2B5EF4-FFF2-40B4-BE49-F238E27FC236}">
+                <a16:creationId xmlns:a16="http://schemas.microsoft.com/office/drawing/2014/main" id="{C204F9BB-17DF-4B15-8C98-62EE3B53364D}"/>
+              </a:ext>
+            </a:extLst>
+          </p:cNvPr>
+          <p:cNvSpPr txBox="1"/>
+          <p:nvPr/>
+        </p:nvSpPr>
+        <p:spPr>
+          <a:xfrm>
+            <a:off x="6046987" y="1617431"/>
+            <a:ext cx="595484" cy="369332"/>
+          </a:xfrm>
+          <a:prstGeom prst="rect">
+            <a:avLst/>
+          </a:prstGeom>
+          <a:noFill/>
+        </p:spPr>
+        <p:txBody>
+          <a:bodyPr wrap="none" rtlCol="0">
+            <a:spAutoFit/>
+          </a:bodyPr>
+          <a:lstStyle/>
+          <a:p>
+            <a:r>
+              <a:rPr lang="fr-FR" dirty="0" err="1"/>
+              <a:t>next</a:t>
+            </a:r>
+            <a:endParaRPr lang="fr-FR" dirty="0"/>
+          </a:p>
+        </p:txBody>
+      </p:sp>
+      <p:sp>
+        <p:nvSpPr>
+          <p:cNvPr id="15" name="TextBox 14">
+            <a:extLst>
+              <a:ext uri="{FF2B5EF4-FFF2-40B4-BE49-F238E27FC236}">
+                <a16:creationId xmlns:a16="http://schemas.microsoft.com/office/drawing/2014/main" id="{2AFE2837-8A51-4601-87A4-03A97195061E}"/>
+              </a:ext>
+            </a:extLst>
+          </p:cNvPr>
+          <p:cNvSpPr txBox="1"/>
+          <p:nvPr/>
+        </p:nvSpPr>
+        <p:spPr>
+          <a:xfrm>
+            <a:off x="5024169" y="1617431"/>
+            <a:ext cx="595484" cy="369332"/>
+          </a:xfrm>
+          <a:prstGeom prst="rect">
+            <a:avLst/>
+          </a:prstGeom>
+          <a:noFill/>
+        </p:spPr>
+        <p:txBody>
+          <a:bodyPr wrap="none" rtlCol="0">
+            <a:spAutoFit/>
+          </a:bodyPr>
+          <a:lstStyle/>
+          <a:p>
+            <a:r>
+              <a:rPr lang="fr-FR" dirty="0" err="1"/>
+              <a:t>next</a:t>
+            </a:r>
+            <a:endParaRPr lang="fr-FR" dirty="0"/>
+          </a:p>
+        </p:txBody>
+      </p:sp>
+      <p:sp>
+        <p:nvSpPr>
+          <p:cNvPr id="16" name="TextBox 15">
+            <a:extLst>
+              <a:ext uri="{FF2B5EF4-FFF2-40B4-BE49-F238E27FC236}">
+                <a16:creationId xmlns:a16="http://schemas.microsoft.com/office/drawing/2014/main" id="{BBD45EE2-566D-4164-8500-28C1297AFDCB}"/>
+              </a:ext>
+            </a:extLst>
+          </p:cNvPr>
+          <p:cNvSpPr txBox="1"/>
+          <p:nvPr/>
+        </p:nvSpPr>
+        <p:spPr>
+          <a:xfrm>
+            <a:off x="2640744" y="1599918"/>
+            <a:ext cx="595484" cy="369332"/>
+          </a:xfrm>
+          <a:prstGeom prst="rect">
+            <a:avLst/>
+          </a:prstGeom>
+          <a:noFill/>
+        </p:spPr>
+        <p:txBody>
+          <a:bodyPr wrap="none" rtlCol="0">
+            <a:spAutoFit/>
+          </a:bodyPr>
+          <a:lstStyle/>
+          <a:p>
+            <a:r>
+              <a:rPr lang="fr-FR" dirty="0" err="1"/>
+              <a:t>next</a:t>
+            </a:r>
+            <a:endParaRPr lang="fr-FR" dirty="0"/>
+          </a:p>
+        </p:txBody>
+      </p:sp>
+      <p:cxnSp>
+        <p:nvCxnSpPr>
+          <p:cNvPr id="17" name="Straight Arrow Connector 16">
+            <a:extLst>
+              <a:ext uri="{FF2B5EF4-FFF2-40B4-BE49-F238E27FC236}">
+                <a16:creationId xmlns:a16="http://schemas.microsoft.com/office/drawing/2014/main" id="{8DDC5F50-1EBC-47E3-9072-ACABAF5FCEAA}"/>
+              </a:ext>
+            </a:extLst>
+          </p:cNvPr>
+          <p:cNvCxnSpPr/>
+          <p:nvPr/>
+        </p:nvCxnSpPr>
+        <p:spPr>
+          <a:xfrm>
+            <a:off x="370636" y="2675041"/>
+            <a:ext cx="11441487" cy="0"/>
+          </a:xfrm>
+          <a:prstGeom prst="straightConnector1">
+            <a:avLst/>
+          </a:prstGeom>
+          <a:ln w="76200">
+            <a:tailEnd type="triangle"/>
+          </a:ln>
+        </p:spPr>
+        <p:style>
+          <a:lnRef idx="1">
+            <a:schemeClr val="accent1"/>
+          </a:lnRef>
+          <a:fillRef idx="0">
+            <a:schemeClr val="accent1"/>
+          </a:fillRef>
+          <a:effectRef idx="0">
+            <a:schemeClr val="accent1"/>
+          </a:effectRef>
+          <a:fontRef idx="minor">
+            <a:schemeClr val="tx1"/>
+          </a:fontRef>
+        </p:style>
+      </p:cxnSp>
+      <p:cxnSp>
+        <p:nvCxnSpPr>
+          <p:cNvPr id="18" name="Straight Connector 17">
+            <a:extLst>
+              <a:ext uri="{FF2B5EF4-FFF2-40B4-BE49-F238E27FC236}">
+                <a16:creationId xmlns:a16="http://schemas.microsoft.com/office/drawing/2014/main" id="{EC22E6E0-6778-4752-9DB5-7ECF0BF45523}"/>
+              </a:ext>
+            </a:extLst>
+          </p:cNvPr>
+          <p:cNvCxnSpPr/>
+          <p:nvPr/>
+        </p:nvCxnSpPr>
+        <p:spPr>
+          <a:xfrm>
+            <a:off x="880678" y="2403938"/>
+            <a:ext cx="0" cy="643296"/>
+          </a:xfrm>
+          <a:prstGeom prst="line">
+            <a:avLst/>
+          </a:prstGeom>
+          <a:ln w="76200"/>
+        </p:spPr>
+        <p:style>
+          <a:lnRef idx="1">
+            <a:schemeClr val="accent1"/>
+          </a:lnRef>
+          <a:fillRef idx="0">
+            <a:schemeClr val="accent1"/>
+          </a:fillRef>
+          <a:effectRef idx="0">
+            <a:schemeClr val="accent1"/>
+          </a:effectRef>
+          <a:fontRef idx="minor">
+            <a:schemeClr val="tx1"/>
+          </a:fontRef>
+        </p:style>
+      </p:cxnSp>
+      <p:sp>
+        <p:nvSpPr>
+          <p:cNvPr id="19" name="Oval 18">
+            <a:extLst>
+              <a:ext uri="{FF2B5EF4-FFF2-40B4-BE49-F238E27FC236}">
+                <a16:creationId xmlns:a16="http://schemas.microsoft.com/office/drawing/2014/main" id="{035FADA8-E8B1-4227-B687-431DDDD367D1}"/>
+              </a:ext>
+            </a:extLst>
+          </p:cNvPr>
+          <p:cNvSpPr/>
+          <p:nvPr/>
+        </p:nvSpPr>
+        <p:spPr>
+          <a:xfrm>
+            <a:off x="2583117" y="2369477"/>
+            <a:ext cx="652485" cy="675445"/>
+          </a:xfrm>
+          <a:prstGeom prst="ellipse">
+            <a:avLst/>
+          </a:prstGeom>
+        </p:spPr>
+        <p:style>
+          <a:lnRef idx="2">
+            <a:schemeClr val="accent1">
+              <a:shade val="50000"/>
+            </a:schemeClr>
+          </a:lnRef>
+          <a:fillRef idx="1">
+            <a:schemeClr val="accent1"/>
+          </a:fillRef>
+          <a:effectRef idx="0">
+            <a:schemeClr val="accent1"/>
+          </a:effectRef>
+          <a:fontRef idx="minor">
+            <a:schemeClr val="lt1"/>
+          </a:fontRef>
+        </p:style>
+        <p:txBody>
+          <a:bodyPr rtlCol="0" anchor="ctr"/>
+          <a:lstStyle/>
+          <a:p>
+            <a:pPr algn="ctr"/>
+            <a:endParaRPr lang="fr-FR"/>
+          </a:p>
+        </p:txBody>
+      </p:sp>
+      <p:sp>
+        <p:nvSpPr>
+          <p:cNvPr id="20" name="Oval 19">
+            <a:extLst>
+              <a:ext uri="{FF2B5EF4-FFF2-40B4-BE49-F238E27FC236}">
+                <a16:creationId xmlns:a16="http://schemas.microsoft.com/office/drawing/2014/main" id="{EDA5F15D-162A-44D6-A9B6-BAFFF84FD02F}"/>
+              </a:ext>
+            </a:extLst>
+          </p:cNvPr>
+          <p:cNvSpPr/>
+          <p:nvPr/>
+        </p:nvSpPr>
+        <p:spPr>
+          <a:xfrm>
+            <a:off x="4938041" y="2369477"/>
+            <a:ext cx="652485" cy="675445"/>
+          </a:xfrm>
+          <a:prstGeom prst="ellipse">
+            <a:avLst/>
+          </a:prstGeom>
+        </p:spPr>
+        <p:style>
+          <a:lnRef idx="2">
+            <a:schemeClr val="accent1">
+              <a:shade val="50000"/>
+            </a:schemeClr>
+          </a:lnRef>
+          <a:fillRef idx="1">
+            <a:schemeClr val="accent1"/>
+          </a:fillRef>
+          <a:effectRef idx="0">
+            <a:schemeClr val="accent1"/>
+          </a:effectRef>
+          <a:fontRef idx="minor">
+            <a:schemeClr val="lt1"/>
+          </a:fontRef>
+        </p:style>
+        <p:txBody>
+          <a:bodyPr rtlCol="0" anchor="ctr"/>
+          <a:lstStyle/>
+          <a:p>
+            <a:pPr algn="ctr"/>
+            <a:endParaRPr lang="fr-FR"/>
+          </a:p>
+        </p:txBody>
+      </p:sp>
+      <p:sp>
+        <p:nvSpPr>
+          <p:cNvPr id="21" name="Oval 20">
+            <a:extLst>
+              <a:ext uri="{FF2B5EF4-FFF2-40B4-BE49-F238E27FC236}">
+                <a16:creationId xmlns:a16="http://schemas.microsoft.com/office/drawing/2014/main" id="{40A634E7-A0BD-4804-8889-7E5CC34E0C9C}"/>
+              </a:ext>
+            </a:extLst>
+          </p:cNvPr>
+          <p:cNvSpPr/>
+          <p:nvPr/>
+        </p:nvSpPr>
+        <p:spPr>
+          <a:xfrm>
+            <a:off x="6066873" y="2369477"/>
+            <a:ext cx="652485" cy="675445"/>
+          </a:xfrm>
+          <a:prstGeom prst="ellipse">
+            <a:avLst/>
+          </a:prstGeom>
+        </p:spPr>
+        <p:style>
+          <a:lnRef idx="2">
+            <a:schemeClr val="accent1">
+              <a:shade val="50000"/>
+            </a:schemeClr>
+          </a:lnRef>
+          <a:fillRef idx="1">
+            <a:schemeClr val="accent1"/>
+          </a:fillRef>
+          <a:effectRef idx="0">
+            <a:schemeClr val="accent1"/>
+          </a:effectRef>
+          <a:fontRef idx="minor">
+            <a:schemeClr val="lt1"/>
+          </a:fontRef>
+        </p:style>
+        <p:txBody>
+          <a:bodyPr rtlCol="0" anchor="ctr"/>
+          <a:lstStyle/>
+          <a:p>
+            <a:pPr algn="ctr"/>
+            <a:endParaRPr lang="fr-FR"/>
+          </a:p>
+        </p:txBody>
+      </p:sp>
+      <p:sp>
+        <p:nvSpPr>
+          <p:cNvPr id="24" name="TextBox 23">
+            <a:extLst>
+              <a:ext uri="{FF2B5EF4-FFF2-40B4-BE49-F238E27FC236}">
+                <a16:creationId xmlns:a16="http://schemas.microsoft.com/office/drawing/2014/main" id="{09E6EB7B-A393-4E8C-9A9B-A37813F17A8C}"/>
+              </a:ext>
+            </a:extLst>
+          </p:cNvPr>
+          <p:cNvSpPr txBox="1"/>
+          <p:nvPr/>
+        </p:nvSpPr>
+        <p:spPr>
+          <a:xfrm>
+            <a:off x="6017860" y="3263198"/>
+            <a:ext cx="595484" cy="369332"/>
+          </a:xfrm>
+          <a:prstGeom prst="rect">
+            <a:avLst/>
+          </a:prstGeom>
+          <a:noFill/>
+        </p:spPr>
+        <p:txBody>
+          <a:bodyPr wrap="none" rtlCol="0">
+            <a:spAutoFit/>
+          </a:bodyPr>
+          <a:lstStyle/>
+          <a:p>
+            <a:r>
+              <a:rPr lang="fr-FR" dirty="0" err="1"/>
+              <a:t>next</a:t>
+            </a:r>
+            <a:endParaRPr lang="fr-FR" dirty="0"/>
+          </a:p>
+        </p:txBody>
+      </p:sp>
+      <p:sp>
+        <p:nvSpPr>
+          <p:cNvPr id="25" name="TextBox 24">
+            <a:extLst>
+              <a:ext uri="{FF2B5EF4-FFF2-40B4-BE49-F238E27FC236}">
+                <a16:creationId xmlns:a16="http://schemas.microsoft.com/office/drawing/2014/main" id="{39744A98-ED76-4D8F-967C-62526FFDDA1F}"/>
+              </a:ext>
+            </a:extLst>
+          </p:cNvPr>
+          <p:cNvSpPr txBox="1"/>
+          <p:nvPr/>
+        </p:nvSpPr>
+        <p:spPr>
+          <a:xfrm>
+            <a:off x="4995042" y="3263198"/>
+            <a:ext cx="595484" cy="369332"/>
+          </a:xfrm>
+          <a:prstGeom prst="rect">
+            <a:avLst/>
+          </a:prstGeom>
+          <a:noFill/>
+        </p:spPr>
+        <p:txBody>
+          <a:bodyPr wrap="none" rtlCol="0">
+            <a:spAutoFit/>
+          </a:bodyPr>
+          <a:lstStyle/>
+          <a:p>
+            <a:r>
+              <a:rPr lang="fr-FR" dirty="0" err="1"/>
+              <a:t>next</a:t>
+            </a:r>
+            <a:endParaRPr lang="fr-FR" dirty="0"/>
+          </a:p>
+        </p:txBody>
+      </p:sp>
+      <p:sp>
+        <p:nvSpPr>
+          <p:cNvPr id="26" name="TextBox 25">
+            <a:extLst>
+              <a:ext uri="{FF2B5EF4-FFF2-40B4-BE49-F238E27FC236}">
+                <a16:creationId xmlns:a16="http://schemas.microsoft.com/office/drawing/2014/main" id="{2B204687-526A-4324-B10F-4474574D5FB5}"/>
+              </a:ext>
+            </a:extLst>
+          </p:cNvPr>
+          <p:cNvSpPr txBox="1"/>
+          <p:nvPr/>
+        </p:nvSpPr>
+        <p:spPr>
+          <a:xfrm>
+            <a:off x="2611617" y="3245685"/>
+            <a:ext cx="595484" cy="369332"/>
+          </a:xfrm>
+          <a:prstGeom prst="rect">
+            <a:avLst/>
+          </a:prstGeom>
+          <a:noFill/>
+        </p:spPr>
+        <p:txBody>
+          <a:bodyPr wrap="none" rtlCol="0">
+            <a:spAutoFit/>
+          </a:bodyPr>
+          <a:lstStyle/>
+          <a:p>
+            <a:r>
+              <a:rPr lang="fr-FR" dirty="0" err="1"/>
+              <a:t>next</a:t>
+            </a:r>
+            <a:endParaRPr lang="fr-FR" dirty="0"/>
+          </a:p>
+        </p:txBody>
+      </p:sp>
+      <p:cxnSp>
+        <p:nvCxnSpPr>
+          <p:cNvPr id="28" name="Straight Connector 27">
+            <a:extLst>
+              <a:ext uri="{FF2B5EF4-FFF2-40B4-BE49-F238E27FC236}">
+                <a16:creationId xmlns:a16="http://schemas.microsoft.com/office/drawing/2014/main" id="{F3BE9777-D2FE-458C-A641-101D4B7BFA1B}"/>
+              </a:ext>
+            </a:extLst>
+          </p:cNvPr>
+          <p:cNvCxnSpPr/>
+          <p:nvPr/>
+        </p:nvCxnSpPr>
+        <p:spPr>
+          <a:xfrm>
+            <a:off x="9157785" y="2403938"/>
+            <a:ext cx="335433" cy="591986"/>
+          </a:xfrm>
+          <a:prstGeom prst="line">
+            <a:avLst/>
+          </a:prstGeom>
+          <a:ln w="76200"/>
+        </p:spPr>
+        <p:style>
+          <a:lnRef idx="1">
+            <a:schemeClr val="accent1"/>
+          </a:lnRef>
+          <a:fillRef idx="0">
+            <a:schemeClr val="accent1"/>
+          </a:fillRef>
+          <a:effectRef idx="0">
+            <a:schemeClr val="accent1"/>
+          </a:effectRef>
+          <a:fontRef idx="minor">
+            <a:schemeClr val="tx1"/>
+          </a:fontRef>
+        </p:style>
+      </p:cxnSp>
+      <p:cxnSp>
+        <p:nvCxnSpPr>
+          <p:cNvPr id="30" name="Straight Connector 29">
+            <a:extLst>
+              <a:ext uri="{FF2B5EF4-FFF2-40B4-BE49-F238E27FC236}">
+                <a16:creationId xmlns:a16="http://schemas.microsoft.com/office/drawing/2014/main" id="{7344A171-15E2-45C8-977D-8423BCA2E198}"/>
+              </a:ext>
+            </a:extLst>
+          </p:cNvPr>
+          <p:cNvCxnSpPr/>
+          <p:nvPr/>
+        </p:nvCxnSpPr>
+        <p:spPr>
+          <a:xfrm flipH="1">
+            <a:off x="9171569" y="2382495"/>
+            <a:ext cx="307863" cy="585092"/>
+          </a:xfrm>
+          <a:prstGeom prst="line">
+            <a:avLst/>
+          </a:prstGeom>
+          <a:ln w="76200"/>
+        </p:spPr>
+        <p:style>
+          <a:lnRef idx="1">
+            <a:schemeClr val="accent1"/>
+          </a:lnRef>
+          <a:fillRef idx="0">
+            <a:schemeClr val="accent1"/>
+          </a:fillRef>
+          <a:effectRef idx="0">
+            <a:schemeClr val="accent1"/>
+          </a:effectRef>
+          <a:fontRef idx="minor">
+            <a:schemeClr val="tx1"/>
+          </a:fontRef>
+        </p:style>
+      </p:cxnSp>
+      <p:sp>
+        <p:nvSpPr>
+          <p:cNvPr id="31" name="TextBox 30">
+            <a:extLst>
+              <a:ext uri="{FF2B5EF4-FFF2-40B4-BE49-F238E27FC236}">
+                <a16:creationId xmlns:a16="http://schemas.microsoft.com/office/drawing/2014/main" id="{BE5E022B-5689-4DBF-BAEB-B364E3EE918B}"/>
+              </a:ext>
+            </a:extLst>
+          </p:cNvPr>
+          <p:cNvSpPr txBox="1"/>
+          <p:nvPr/>
+        </p:nvSpPr>
+        <p:spPr>
+          <a:xfrm>
+            <a:off x="8984901" y="3288166"/>
+            <a:ext cx="658642" cy="369332"/>
+          </a:xfrm>
+          <a:prstGeom prst="rect">
+            <a:avLst/>
+          </a:prstGeom>
+          <a:noFill/>
+        </p:spPr>
+        <p:txBody>
+          <a:bodyPr wrap="none" rtlCol="0">
+            <a:spAutoFit/>
+          </a:bodyPr>
+          <a:lstStyle/>
+          <a:p>
+            <a:r>
+              <a:rPr lang="fr-FR" dirty="0" err="1"/>
+              <a:t>error</a:t>
+            </a:r>
+            <a:endParaRPr lang="fr-FR" dirty="0"/>
+          </a:p>
+        </p:txBody>
+      </p:sp>
+      <p:cxnSp>
+        <p:nvCxnSpPr>
+          <p:cNvPr id="32" name="Straight Arrow Connector 31">
+            <a:extLst>
+              <a:ext uri="{FF2B5EF4-FFF2-40B4-BE49-F238E27FC236}">
+                <a16:creationId xmlns:a16="http://schemas.microsoft.com/office/drawing/2014/main" id="{142F41DF-63D3-46D1-A9CB-2FCDD2A3564E}"/>
+              </a:ext>
+            </a:extLst>
+          </p:cNvPr>
+          <p:cNvCxnSpPr/>
+          <p:nvPr/>
+        </p:nvCxnSpPr>
+        <p:spPr>
+          <a:xfrm>
+            <a:off x="467896" y="4370587"/>
+            <a:ext cx="11441487" cy="0"/>
+          </a:xfrm>
+          <a:prstGeom prst="straightConnector1">
+            <a:avLst/>
+          </a:prstGeom>
+          <a:ln w="76200">
+            <a:tailEnd type="triangle"/>
+          </a:ln>
+        </p:spPr>
+        <p:style>
+          <a:lnRef idx="1">
+            <a:schemeClr val="accent1"/>
+          </a:lnRef>
+          <a:fillRef idx="0">
+            <a:schemeClr val="accent1"/>
+          </a:fillRef>
+          <a:effectRef idx="0">
+            <a:schemeClr val="accent1"/>
+          </a:effectRef>
+          <a:fontRef idx="minor">
+            <a:schemeClr val="tx1"/>
+          </a:fontRef>
+        </p:style>
+      </p:cxnSp>
+      <p:cxnSp>
+        <p:nvCxnSpPr>
+          <p:cNvPr id="33" name="Straight Connector 32">
+            <a:extLst>
+              <a:ext uri="{FF2B5EF4-FFF2-40B4-BE49-F238E27FC236}">
+                <a16:creationId xmlns:a16="http://schemas.microsoft.com/office/drawing/2014/main" id="{94CF1E93-ADC9-4C97-9C71-FFEE2482ACAC}"/>
+              </a:ext>
+            </a:extLst>
+          </p:cNvPr>
+          <p:cNvCxnSpPr/>
+          <p:nvPr/>
+        </p:nvCxnSpPr>
+        <p:spPr>
+          <a:xfrm>
+            <a:off x="977938" y="4099484"/>
+            <a:ext cx="0" cy="643296"/>
+          </a:xfrm>
+          <a:prstGeom prst="line">
+            <a:avLst/>
+          </a:prstGeom>
+          <a:ln w="76200"/>
+        </p:spPr>
+        <p:style>
+          <a:lnRef idx="1">
+            <a:schemeClr val="accent1"/>
+          </a:lnRef>
+          <a:fillRef idx="0">
+            <a:schemeClr val="accent1"/>
+          </a:fillRef>
+          <a:effectRef idx="0">
+            <a:schemeClr val="accent1"/>
+          </a:effectRef>
+          <a:fontRef idx="minor">
+            <a:schemeClr val="tx1"/>
+          </a:fontRef>
+        </p:style>
+      </p:cxnSp>
+      <p:sp>
+        <p:nvSpPr>
+          <p:cNvPr id="34" name="Oval 33">
+            <a:extLst>
+              <a:ext uri="{FF2B5EF4-FFF2-40B4-BE49-F238E27FC236}">
+                <a16:creationId xmlns:a16="http://schemas.microsoft.com/office/drawing/2014/main" id="{0FF9A655-307A-4E56-B723-6AA28953A8EC}"/>
+              </a:ext>
+            </a:extLst>
+          </p:cNvPr>
+          <p:cNvSpPr/>
+          <p:nvPr/>
+        </p:nvSpPr>
+        <p:spPr>
+          <a:xfrm>
+            <a:off x="2680377" y="4065023"/>
+            <a:ext cx="652485" cy="675445"/>
+          </a:xfrm>
+          <a:prstGeom prst="ellipse">
+            <a:avLst/>
+          </a:prstGeom>
+        </p:spPr>
+        <p:style>
+          <a:lnRef idx="2">
+            <a:schemeClr val="accent1">
+              <a:shade val="50000"/>
+            </a:schemeClr>
+          </a:lnRef>
+          <a:fillRef idx="1">
+            <a:schemeClr val="accent1"/>
+          </a:fillRef>
+          <a:effectRef idx="0">
+            <a:schemeClr val="accent1"/>
+          </a:effectRef>
+          <a:fontRef idx="minor">
+            <a:schemeClr val="lt1"/>
+          </a:fontRef>
+        </p:style>
+        <p:txBody>
+          <a:bodyPr rtlCol="0" anchor="ctr"/>
+          <a:lstStyle/>
+          <a:p>
+            <a:pPr algn="ctr"/>
+            <a:endParaRPr lang="fr-FR"/>
+          </a:p>
+        </p:txBody>
+      </p:sp>
+      <p:sp>
+        <p:nvSpPr>
+          <p:cNvPr id="35" name="Oval 34">
+            <a:extLst>
+              <a:ext uri="{FF2B5EF4-FFF2-40B4-BE49-F238E27FC236}">
+                <a16:creationId xmlns:a16="http://schemas.microsoft.com/office/drawing/2014/main" id="{77CEB27C-87D7-465F-8A0A-133CB82B0FCC}"/>
+              </a:ext>
+            </a:extLst>
+          </p:cNvPr>
+          <p:cNvSpPr/>
+          <p:nvPr/>
+        </p:nvSpPr>
+        <p:spPr>
+          <a:xfrm>
+            <a:off x="5035301" y="4065023"/>
+            <a:ext cx="652485" cy="675445"/>
+          </a:xfrm>
+          <a:prstGeom prst="ellipse">
+            <a:avLst/>
+          </a:prstGeom>
+        </p:spPr>
+        <p:style>
+          <a:lnRef idx="2">
+            <a:schemeClr val="accent1">
+              <a:shade val="50000"/>
+            </a:schemeClr>
+          </a:lnRef>
+          <a:fillRef idx="1">
+            <a:schemeClr val="accent1"/>
+          </a:fillRef>
+          <a:effectRef idx="0">
+            <a:schemeClr val="accent1"/>
+          </a:effectRef>
+          <a:fontRef idx="minor">
+            <a:schemeClr val="lt1"/>
+          </a:fontRef>
+        </p:style>
+        <p:txBody>
+          <a:bodyPr rtlCol="0" anchor="ctr"/>
+          <a:lstStyle/>
+          <a:p>
+            <a:pPr algn="ctr"/>
+            <a:endParaRPr lang="fr-FR"/>
+          </a:p>
+        </p:txBody>
+      </p:sp>
+      <p:sp>
+        <p:nvSpPr>
+          <p:cNvPr id="36" name="Oval 35">
+            <a:extLst>
+              <a:ext uri="{FF2B5EF4-FFF2-40B4-BE49-F238E27FC236}">
+                <a16:creationId xmlns:a16="http://schemas.microsoft.com/office/drawing/2014/main" id="{EAB203D8-C374-4CD6-9EF8-237310EB9653}"/>
+              </a:ext>
+            </a:extLst>
+          </p:cNvPr>
+          <p:cNvSpPr/>
+          <p:nvPr/>
+        </p:nvSpPr>
+        <p:spPr>
+          <a:xfrm>
+            <a:off x="6164133" y="4065023"/>
+            <a:ext cx="652485" cy="675445"/>
+          </a:xfrm>
+          <a:prstGeom prst="ellipse">
+            <a:avLst/>
+          </a:prstGeom>
+        </p:spPr>
+        <p:style>
+          <a:lnRef idx="2">
+            <a:schemeClr val="accent1">
+              <a:shade val="50000"/>
+            </a:schemeClr>
+          </a:lnRef>
+          <a:fillRef idx="1">
+            <a:schemeClr val="accent1"/>
+          </a:fillRef>
+          <a:effectRef idx="0">
+            <a:schemeClr val="accent1"/>
+          </a:effectRef>
+          <a:fontRef idx="minor">
+            <a:schemeClr val="lt1"/>
+          </a:fontRef>
+        </p:style>
+        <p:txBody>
+          <a:bodyPr rtlCol="0" anchor="ctr"/>
+          <a:lstStyle/>
+          <a:p>
+            <a:pPr algn="ctr"/>
+            <a:endParaRPr lang="fr-FR"/>
+          </a:p>
+        </p:txBody>
+      </p:sp>
+      <p:sp>
+        <p:nvSpPr>
+          <p:cNvPr id="37" name="TextBox 36">
+            <a:extLst>
+              <a:ext uri="{FF2B5EF4-FFF2-40B4-BE49-F238E27FC236}">
+                <a16:creationId xmlns:a16="http://schemas.microsoft.com/office/drawing/2014/main" id="{B5DDA88C-B224-47EC-8A07-C08481E0774B}"/>
+              </a:ext>
+            </a:extLst>
+          </p:cNvPr>
+          <p:cNvSpPr txBox="1"/>
+          <p:nvPr/>
+        </p:nvSpPr>
+        <p:spPr>
+          <a:xfrm>
+            <a:off x="6115120" y="4958744"/>
+            <a:ext cx="595484" cy="369332"/>
+          </a:xfrm>
+          <a:prstGeom prst="rect">
+            <a:avLst/>
+          </a:prstGeom>
+          <a:noFill/>
+        </p:spPr>
+        <p:txBody>
+          <a:bodyPr wrap="none" rtlCol="0">
+            <a:spAutoFit/>
+          </a:bodyPr>
+          <a:lstStyle/>
+          <a:p>
+            <a:r>
+              <a:rPr lang="fr-FR" dirty="0" err="1"/>
+              <a:t>next</a:t>
+            </a:r>
+            <a:endParaRPr lang="fr-FR" dirty="0"/>
+          </a:p>
+        </p:txBody>
+      </p:sp>
+      <p:sp>
+        <p:nvSpPr>
+          <p:cNvPr id="38" name="TextBox 37">
+            <a:extLst>
+              <a:ext uri="{FF2B5EF4-FFF2-40B4-BE49-F238E27FC236}">
+                <a16:creationId xmlns:a16="http://schemas.microsoft.com/office/drawing/2014/main" id="{66F394C9-AD37-4FB8-B7C6-6066CD81872B}"/>
+              </a:ext>
+            </a:extLst>
+          </p:cNvPr>
+          <p:cNvSpPr txBox="1"/>
+          <p:nvPr/>
+        </p:nvSpPr>
+        <p:spPr>
+          <a:xfrm>
+            <a:off x="5092302" y="4958744"/>
+            <a:ext cx="595484" cy="369332"/>
+          </a:xfrm>
+          <a:prstGeom prst="rect">
+            <a:avLst/>
+          </a:prstGeom>
+          <a:noFill/>
+        </p:spPr>
+        <p:txBody>
+          <a:bodyPr wrap="none" rtlCol="0">
+            <a:spAutoFit/>
+          </a:bodyPr>
+          <a:lstStyle/>
+          <a:p>
+            <a:r>
+              <a:rPr lang="fr-FR" dirty="0" err="1"/>
+              <a:t>next</a:t>
+            </a:r>
+            <a:endParaRPr lang="fr-FR" dirty="0"/>
+          </a:p>
+        </p:txBody>
+      </p:sp>
+      <p:sp>
+        <p:nvSpPr>
+          <p:cNvPr id="39" name="TextBox 38">
+            <a:extLst>
+              <a:ext uri="{FF2B5EF4-FFF2-40B4-BE49-F238E27FC236}">
+                <a16:creationId xmlns:a16="http://schemas.microsoft.com/office/drawing/2014/main" id="{8D9528DA-13E0-49E2-AC76-311D7B9222EB}"/>
+              </a:ext>
+            </a:extLst>
+          </p:cNvPr>
+          <p:cNvSpPr txBox="1"/>
+          <p:nvPr/>
+        </p:nvSpPr>
+        <p:spPr>
+          <a:xfrm>
+            <a:off x="2708877" y="4941231"/>
+            <a:ext cx="595484" cy="369332"/>
+          </a:xfrm>
+          <a:prstGeom prst="rect">
+            <a:avLst/>
+          </a:prstGeom>
+          <a:noFill/>
+        </p:spPr>
+        <p:txBody>
+          <a:bodyPr wrap="none" rtlCol="0">
+            <a:spAutoFit/>
+          </a:bodyPr>
+          <a:lstStyle/>
+          <a:p>
+            <a:r>
+              <a:rPr lang="fr-FR" dirty="0" err="1"/>
+              <a:t>next</a:t>
+            </a:r>
+            <a:endParaRPr lang="fr-FR" dirty="0"/>
+          </a:p>
+        </p:txBody>
+      </p:sp>
+      <p:sp>
+        <p:nvSpPr>
+          <p:cNvPr id="43" name="Oval 42">
+            <a:extLst>
+              <a:ext uri="{FF2B5EF4-FFF2-40B4-BE49-F238E27FC236}">
+                <a16:creationId xmlns:a16="http://schemas.microsoft.com/office/drawing/2014/main" id="{50C33D6C-C572-4F27-948F-CF7F895C139B}"/>
+              </a:ext>
+            </a:extLst>
+          </p:cNvPr>
+          <p:cNvSpPr/>
+          <p:nvPr/>
+        </p:nvSpPr>
+        <p:spPr>
+          <a:xfrm>
+            <a:off x="10171717" y="4032864"/>
+            <a:ext cx="652485" cy="675445"/>
+          </a:xfrm>
+          <a:prstGeom prst="ellipse">
+            <a:avLst/>
+          </a:prstGeom>
+        </p:spPr>
+        <p:style>
+          <a:lnRef idx="2">
+            <a:schemeClr val="accent1">
+              <a:shade val="50000"/>
+            </a:schemeClr>
+          </a:lnRef>
+          <a:fillRef idx="1">
+            <a:schemeClr val="accent1"/>
+          </a:fillRef>
+          <a:effectRef idx="0">
+            <a:schemeClr val="accent1"/>
+          </a:effectRef>
+          <a:fontRef idx="minor">
+            <a:schemeClr val="lt1"/>
+          </a:fontRef>
+        </p:style>
+        <p:txBody>
+          <a:bodyPr rtlCol="0" anchor="ctr"/>
+          <a:lstStyle/>
+          <a:p>
+            <a:pPr algn="ctr"/>
+            <a:endParaRPr lang="fr-FR"/>
+          </a:p>
+        </p:txBody>
+      </p:sp>
+      <p:sp>
+        <p:nvSpPr>
+          <p:cNvPr id="44" name="TextBox 43">
+            <a:extLst>
+              <a:ext uri="{FF2B5EF4-FFF2-40B4-BE49-F238E27FC236}">
+                <a16:creationId xmlns:a16="http://schemas.microsoft.com/office/drawing/2014/main" id="{9BE877C4-FCD4-40F5-BD14-9FB40508DB11}"/>
+              </a:ext>
+            </a:extLst>
+          </p:cNvPr>
+          <p:cNvSpPr txBox="1"/>
+          <p:nvPr/>
+        </p:nvSpPr>
+        <p:spPr>
+          <a:xfrm>
+            <a:off x="10217665" y="4923979"/>
+            <a:ext cx="595484" cy="369332"/>
+          </a:xfrm>
+          <a:prstGeom prst="rect">
+            <a:avLst/>
+          </a:prstGeom>
+          <a:noFill/>
+        </p:spPr>
+        <p:txBody>
+          <a:bodyPr wrap="none" rtlCol="0">
+            <a:spAutoFit/>
+          </a:bodyPr>
+          <a:lstStyle/>
+          <a:p>
+            <a:r>
+              <a:rPr lang="fr-FR" dirty="0" err="1"/>
+              <a:t>next</a:t>
+            </a:r>
+            <a:endParaRPr lang="fr-FR" dirty="0"/>
+          </a:p>
+        </p:txBody>
+      </p:sp>
+      <p:cxnSp>
+        <p:nvCxnSpPr>
+          <p:cNvPr id="45" name="Straight Arrow Connector 44">
+            <a:extLst>
+              <a:ext uri="{FF2B5EF4-FFF2-40B4-BE49-F238E27FC236}">
+                <a16:creationId xmlns:a16="http://schemas.microsoft.com/office/drawing/2014/main" id="{92BB03FA-526B-4052-9DAA-2B549793ED66}"/>
+              </a:ext>
+            </a:extLst>
+          </p:cNvPr>
+          <p:cNvCxnSpPr/>
+          <p:nvPr/>
+        </p:nvCxnSpPr>
+        <p:spPr>
+          <a:xfrm>
+            <a:off x="551372" y="5881467"/>
+            <a:ext cx="11441487" cy="0"/>
+          </a:xfrm>
+          <a:prstGeom prst="straightConnector1">
+            <a:avLst/>
+          </a:prstGeom>
+          <a:ln w="76200">
+            <a:tailEnd type="triangle"/>
+          </a:ln>
+        </p:spPr>
+        <p:style>
+          <a:lnRef idx="1">
+            <a:schemeClr val="accent1"/>
+          </a:lnRef>
+          <a:fillRef idx="0">
+            <a:schemeClr val="accent1"/>
+          </a:fillRef>
+          <a:effectRef idx="0">
+            <a:schemeClr val="accent1"/>
+          </a:effectRef>
+          <a:fontRef idx="minor">
+            <a:schemeClr val="tx1"/>
+          </a:fontRef>
+        </p:style>
+      </p:cxnSp>
+      <p:cxnSp>
+        <p:nvCxnSpPr>
+          <p:cNvPr id="46" name="Straight Connector 45">
+            <a:extLst>
+              <a:ext uri="{FF2B5EF4-FFF2-40B4-BE49-F238E27FC236}">
+                <a16:creationId xmlns:a16="http://schemas.microsoft.com/office/drawing/2014/main" id="{787D1D4E-3CBC-488F-8B79-9C74F352B689}"/>
+              </a:ext>
+            </a:extLst>
+          </p:cNvPr>
+          <p:cNvCxnSpPr/>
+          <p:nvPr/>
+        </p:nvCxnSpPr>
+        <p:spPr>
+          <a:xfrm>
+            <a:off x="1061414" y="5610364"/>
+            <a:ext cx="0" cy="643296"/>
+          </a:xfrm>
+          <a:prstGeom prst="line">
+            <a:avLst/>
+          </a:prstGeom>
+          <a:ln w="76200"/>
+        </p:spPr>
+        <p:style>
+          <a:lnRef idx="1">
+            <a:schemeClr val="accent1"/>
+          </a:lnRef>
+          <a:fillRef idx="0">
+            <a:schemeClr val="accent1"/>
+          </a:fillRef>
+          <a:effectRef idx="0">
+            <a:schemeClr val="accent1"/>
+          </a:effectRef>
+          <a:fontRef idx="minor">
+            <a:schemeClr val="tx1"/>
+          </a:fontRef>
+        </p:style>
+      </p:cxnSp>
+      <p:sp>
+        <p:nvSpPr>
+          <p:cNvPr id="47" name="Oval 46">
+            <a:extLst>
+              <a:ext uri="{FF2B5EF4-FFF2-40B4-BE49-F238E27FC236}">
+                <a16:creationId xmlns:a16="http://schemas.microsoft.com/office/drawing/2014/main" id="{6D47CCFF-80D2-4D25-852A-AB23FE575FA0}"/>
+              </a:ext>
+            </a:extLst>
+          </p:cNvPr>
+          <p:cNvSpPr/>
+          <p:nvPr/>
+        </p:nvSpPr>
+        <p:spPr>
+          <a:xfrm>
+            <a:off x="2763853" y="5575903"/>
+            <a:ext cx="652485" cy="675445"/>
+          </a:xfrm>
+          <a:prstGeom prst="ellipse">
+            <a:avLst/>
+          </a:prstGeom>
+        </p:spPr>
+        <p:style>
+          <a:lnRef idx="2">
+            <a:schemeClr val="accent1">
+              <a:shade val="50000"/>
+            </a:schemeClr>
+          </a:lnRef>
+          <a:fillRef idx="1">
+            <a:schemeClr val="accent1"/>
+          </a:fillRef>
+          <a:effectRef idx="0">
+            <a:schemeClr val="accent1"/>
+          </a:effectRef>
+          <a:fontRef idx="minor">
+            <a:schemeClr val="lt1"/>
+          </a:fontRef>
+        </p:style>
+        <p:txBody>
+          <a:bodyPr rtlCol="0" anchor="ctr"/>
+          <a:lstStyle/>
+          <a:p>
+            <a:pPr algn="ctr"/>
+            <a:endParaRPr lang="fr-FR"/>
+          </a:p>
+        </p:txBody>
+      </p:sp>
+      <p:sp>
+        <p:nvSpPr>
+          <p:cNvPr id="52" name="TextBox 51">
+            <a:extLst>
+              <a:ext uri="{FF2B5EF4-FFF2-40B4-BE49-F238E27FC236}">
+                <a16:creationId xmlns:a16="http://schemas.microsoft.com/office/drawing/2014/main" id="{14518FEE-E2BC-4D48-B1C0-630F252595BB}"/>
+              </a:ext>
+            </a:extLst>
+          </p:cNvPr>
+          <p:cNvSpPr txBox="1"/>
+          <p:nvPr/>
+        </p:nvSpPr>
+        <p:spPr>
+          <a:xfrm>
+            <a:off x="2792353" y="6452111"/>
+            <a:ext cx="595484" cy="369332"/>
+          </a:xfrm>
+          <a:prstGeom prst="rect">
+            <a:avLst/>
+          </a:prstGeom>
+          <a:noFill/>
+        </p:spPr>
+        <p:txBody>
+          <a:bodyPr wrap="none" rtlCol="0">
+            <a:spAutoFit/>
+          </a:bodyPr>
+          <a:lstStyle/>
+          <a:p>
+            <a:r>
+              <a:rPr lang="fr-FR" dirty="0" err="1"/>
+              <a:t>next</a:t>
+            </a:r>
+            <a:endParaRPr lang="fr-FR" dirty="0"/>
+          </a:p>
+        </p:txBody>
+      </p:sp>
+      <p:cxnSp>
+        <p:nvCxnSpPr>
+          <p:cNvPr id="56" name="Straight Connector 55">
+            <a:extLst>
+              <a:ext uri="{FF2B5EF4-FFF2-40B4-BE49-F238E27FC236}">
+                <a16:creationId xmlns:a16="http://schemas.microsoft.com/office/drawing/2014/main" id="{61FA1F5E-7BA7-455B-BE18-939D98C8FE06}"/>
+              </a:ext>
+            </a:extLst>
+          </p:cNvPr>
+          <p:cNvCxnSpPr/>
+          <p:nvPr/>
+        </p:nvCxnSpPr>
+        <p:spPr>
+          <a:xfrm>
+            <a:off x="4245757" y="5610364"/>
+            <a:ext cx="271103" cy="675562"/>
+          </a:xfrm>
+          <a:prstGeom prst="line">
+            <a:avLst/>
+          </a:prstGeom>
+          <a:ln w="76200"/>
+        </p:spPr>
+        <p:style>
+          <a:lnRef idx="1">
+            <a:schemeClr val="accent1"/>
+          </a:lnRef>
+          <a:fillRef idx="0">
+            <a:schemeClr val="accent1"/>
+          </a:fillRef>
+          <a:effectRef idx="0">
+            <a:schemeClr val="accent1"/>
+          </a:effectRef>
+          <a:fontRef idx="minor">
+            <a:schemeClr val="tx1"/>
+          </a:fontRef>
+        </p:style>
+      </p:cxnSp>
+      <p:sp>
+        <p:nvSpPr>
+          <p:cNvPr id="57" name="TextBox 56">
+            <a:extLst>
+              <a:ext uri="{FF2B5EF4-FFF2-40B4-BE49-F238E27FC236}">
+                <a16:creationId xmlns:a16="http://schemas.microsoft.com/office/drawing/2014/main" id="{A13147BE-8256-4A75-892B-25C767007064}"/>
+              </a:ext>
+            </a:extLst>
+          </p:cNvPr>
+          <p:cNvSpPr txBox="1"/>
+          <p:nvPr/>
+        </p:nvSpPr>
+        <p:spPr>
+          <a:xfrm>
+            <a:off x="3974346" y="6266664"/>
+            <a:ext cx="1606978" cy="369332"/>
+          </a:xfrm>
+          <a:prstGeom prst="rect">
+            <a:avLst/>
+          </a:prstGeom>
+          <a:noFill/>
+        </p:spPr>
+        <p:txBody>
+          <a:bodyPr wrap="none" rtlCol="0">
+            <a:spAutoFit/>
+          </a:bodyPr>
+          <a:lstStyle/>
+          <a:p>
+            <a:r>
+              <a:rPr lang="fr-FR" dirty="0" err="1"/>
+              <a:t>s.unsubscribe</a:t>
+            </a:r>
+            <a:r>
+              <a:rPr lang="fr-FR" dirty="0"/>
+              <a:t>()</a:t>
+            </a:r>
+          </a:p>
+        </p:txBody>
+      </p:sp>
+      <p:sp>
+        <p:nvSpPr>
+          <p:cNvPr id="58" name="TextBox 57">
+            <a:extLst>
+              <a:ext uri="{FF2B5EF4-FFF2-40B4-BE49-F238E27FC236}">
+                <a16:creationId xmlns:a16="http://schemas.microsoft.com/office/drawing/2014/main" id="{D14AE247-A358-4CB0-B58C-1CF9D21E393F}"/>
+              </a:ext>
+            </a:extLst>
+          </p:cNvPr>
+          <p:cNvSpPr txBox="1"/>
+          <p:nvPr/>
+        </p:nvSpPr>
+        <p:spPr>
+          <a:xfrm>
+            <a:off x="280247" y="1458211"/>
+            <a:ext cx="2262927" cy="369332"/>
+          </a:xfrm>
+          <a:prstGeom prst="rect">
+            <a:avLst/>
+          </a:prstGeom>
+          <a:noFill/>
+        </p:spPr>
+        <p:txBody>
+          <a:bodyPr wrap="none" rtlCol="0">
+            <a:spAutoFit/>
+          </a:bodyPr>
+          <a:lstStyle/>
+          <a:p>
+            <a:r>
+              <a:rPr lang="fr-FR" dirty="0" err="1"/>
+              <a:t>const</a:t>
+            </a:r>
+            <a:r>
+              <a:rPr lang="fr-FR" dirty="0"/>
+              <a:t> s = </a:t>
+            </a:r>
+            <a:r>
+              <a:rPr lang="fr-FR" dirty="0" err="1"/>
+              <a:t>o.subscribe</a:t>
+            </a:r>
+            <a:r>
+              <a:rPr lang="fr-FR" dirty="0"/>
+              <a:t>()</a:t>
+            </a:r>
+          </a:p>
+        </p:txBody>
+      </p:sp>
+    </p:spTree>
+    <p:extLst>
+      <p:ext uri="{BB962C8B-B14F-4D97-AF65-F5344CB8AC3E}">
+        <p14:creationId xmlns:p14="http://schemas.microsoft.com/office/powerpoint/2010/main" val="2459936156"/>
+      </p:ext>
+    </p:extLst>
+  </p:cSld>
+  <p:clrMapOvr>
+    <a:masterClrMapping/>
+  </p:clrMapOvr>
+</p:sld>
+</file>
+
+<file path=ppt/slides/slide28.xml><?xml version="1.0" encoding="utf-8"?>
+<p:sld xmlns:a="http://schemas.openxmlformats.org/drawingml/2006/main" xmlns:r="http://schemas.openxmlformats.org/officeDocument/2006/relationships" xmlns:p="http://schemas.openxmlformats.org/presentationml/2006/main">
+  <p:cSld>
+    <p:spTree>
+      <p:nvGrpSpPr>
+        <p:cNvPr id="1" name=""/>
+        <p:cNvGrpSpPr/>
+        <p:nvPr/>
+      </p:nvGrpSpPr>
+      <p:grpSpPr>
+        <a:xfrm>
+          <a:off x="0" y="0"/>
+          <a:ext cx="0" cy="0"/>
+          <a:chOff x="0" y="0"/>
+          <a:chExt cx="0" cy="0"/>
+        </a:xfrm>
+      </p:grpSpPr>
+      <p:cxnSp>
+        <p:nvCxnSpPr>
+          <p:cNvPr id="5" name="Straight Arrow Connector 4">
+            <a:extLst>
+              <a:ext uri="{FF2B5EF4-FFF2-40B4-BE49-F238E27FC236}">
+                <a16:creationId xmlns:a16="http://schemas.microsoft.com/office/drawing/2014/main" id="{A660F67A-3EF3-4033-A781-EFA7FE615A0E}"/>
+              </a:ext>
+            </a:extLst>
+          </p:cNvPr>
+          <p:cNvCxnSpPr/>
+          <p:nvPr/>
+        </p:nvCxnSpPr>
+        <p:spPr>
+          <a:xfrm>
+            <a:off x="289483" y="941970"/>
+            <a:ext cx="11721781" cy="0"/>
+          </a:xfrm>
+          <a:prstGeom prst="straightConnector1">
+            <a:avLst/>
+          </a:prstGeom>
+          <a:ln w="76200">
+            <a:tailEnd type="triangle"/>
+          </a:ln>
+        </p:spPr>
+        <p:style>
+          <a:lnRef idx="1">
+            <a:schemeClr val="accent1"/>
+          </a:lnRef>
+          <a:fillRef idx="0">
+            <a:schemeClr val="accent1"/>
+          </a:fillRef>
+          <a:effectRef idx="0">
+            <a:schemeClr val="accent1"/>
+          </a:effectRef>
+          <a:fontRef idx="minor">
+            <a:schemeClr val="tx1"/>
+          </a:fontRef>
+        </p:style>
+      </p:cxnSp>
+      <p:cxnSp>
+        <p:nvCxnSpPr>
+          <p:cNvPr id="7" name="Straight Connector 6">
+            <a:extLst>
+              <a:ext uri="{FF2B5EF4-FFF2-40B4-BE49-F238E27FC236}">
+                <a16:creationId xmlns:a16="http://schemas.microsoft.com/office/drawing/2014/main" id="{738C6E4C-2C42-4A2E-96D5-F20B5CAB050A}"/>
+              </a:ext>
+            </a:extLst>
+          </p:cNvPr>
+          <p:cNvCxnSpPr/>
+          <p:nvPr/>
+        </p:nvCxnSpPr>
+        <p:spPr>
+          <a:xfrm>
+            <a:off x="643296" y="684651"/>
+            <a:ext cx="0" cy="624917"/>
+          </a:xfrm>
+          <a:prstGeom prst="line">
+            <a:avLst/>
+          </a:prstGeom>
+          <a:ln w="76200"/>
+        </p:spPr>
+        <p:style>
+          <a:lnRef idx="1">
+            <a:schemeClr val="accent1"/>
+          </a:lnRef>
+          <a:fillRef idx="0">
+            <a:schemeClr val="accent1"/>
+          </a:fillRef>
+          <a:effectRef idx="0">
+            <a:schemeClr val="accent1"/>
+          </a:effectRef>
+          <a:fontRef idx="minor">
+            <a:schemeClr val="tx1"/>
+          </a:fontRef>
+        </p:style>
+      </p:cxnSp>
+      <p:sp>
+        <p:nvSpPr>
+          <p:cNvPr id="8" name="Oval 7">
+            <a:extLst>
+              <a:ext uri="{FF2B5EF4-FFF2-40B4-BE49-F238E27FC236}">
+                <a16:creationId xmlns:a16="http://schemas.microsoft.com/office/drawing/2014/main" id="{5E65DC94-09F4-498D-A47B-97301A3AF943}"/>
+              </a:ext>
+            </a:extLst>
+          </p:cNvPr>
+          <p:cNvSpPr/>
+          <p:nvPr/>
+        </p:nvSpPr>
+        <p:spPr>
+          <a:xfrm>
+            <a:off x="1828800" y="629512"/>
+            <a:ext cx="569774" cy="624916"/>
+          </a:xfrm>
+          <a:prstGeom prst="ellipse">
+            <a:avLst/>
+          </a:prstGeom>
+        </p:spPr>
+        <p:style>
+          <a:lnRef idx="2">
+            <a:schemeClr val="accent1">
+              <a:shade val="50000"/>
+            </a:schemeClr>
+          </a:lnRef>
+          <a:fillRef idx="1">
+            <a:schemeClr val="accent1"/>
+          </a:fillRef>
+          <a:effectRef idx="0">
+            <a:schemeClr val="accent1"/>
+          </a:effectRef>
+          <a:fontRef idx="minor">
+            <a:schemeClr val="lt1"/>
+          </a:fontRef>
+        </p:style>
+        <p:txBody>
+          <a:bodyPr rtlCol="0" anchor="ctr"/>
+          <a:lstStyle/>
+          <a:p>
+            <a:pPr algn="ctr"/>
+            <a:r>
+              <a:rPr lang="fr-FR" dirty="0"/>
+              <a:t>0</a:t>
+            </a:r>
+          </a:p>
+        </p:txBody>
+      </p:sp>
+      <p:sp>
+        <p:nvSpPr>
+          <p:cNvPr id="9" name="Oval 8">
+            <a:extLst>
+              <a:ext uri="{FF2B5EF4-FFF2-40B4-BE49-F238E27FC236}">
+                <a16:creationId xmlns:a16="http://schemas.microsoft.com/office/drawing/2014/main" id="{9C96F870-84CA-4C8E-9BC7-EA8C6D498AD7}"/>
+              </a:ext>
+            </a:extLst>
+          </p:cNvPr>
+          <p:cNvSpPr/>
+          <p:nvPr/>
+        </p:nvSpPr>
+        <p:spPr>
+          <a:xfrm>
+            <a:off x="3419427" y="629512"/>
+            <a:ext cx="569774" cy="624916"/>
+          </a:xfrm>
+          <a:prstGeom prst="ellipse">
+            <a:avLst/>
+          </a:prstGeom>
+        </p:spPr>
+        <p:style>
+          <a:lnRef idx="2">
+            <a:schemeClr val="accent1">
+              <a:shade val="50000"/>
+            </a:schemeClr>
+          </a:lnRef>
+          <a:fillRef idx="1">
+            <a:schemeClr val="accent1"/>
+          </a:fillRef>
+          <a:effectRef idx="0">
+            <a:schemeClr val="accent1"/>
+          </a:effectRef>
+          <a:fontRef idx="minor">
+            <a:schemeClr val="lt1"/>
+          </a:fontRef>
+        </p:style>
+        <p:txBody>
+          <a:bodyPr rtlCol="0" anchor="ctr"/>
+          <a:lstStyle/>
+          <a:p>
+            <a:pPr algn="ctr"/>
+            <a:r>
+              <a:rPr lang="fr-FR" dirty="0"/>
+              <a:t>1</a:t>
+            </a:r>
+          </a:p>
+        </p:txBody>
+      </p:sp>
+      <p:sp>
+        <p:nvSpPr>
+          <p:cNvPr id="10" name="Oval 9">
+            <a:extLst>
+              <a:ext uri="{FF2B5EF4-FFF2-40B4-BE49-F238E27FC236}">
+                <a16:creationId xmlns:a16="http://schemas.microsoft.com/office/drawing/2014/main" id="{FBB881A8-A903-4BA1-B8D3-3ABCB4CC3CA5}"/>
+              </a:ext>
+            </a:extLst>
+          </p:cNvPr>
+          <p:cNvSpPr/>
+          <p:nvPr/>
+        </p:nvSpPr>
+        <p:spPr>
+          <a:xfrm>
+            <a:off x="4945725" y="629512"/>
+            <a:ext cx="569774" cy="624916"/>
+          </a:xfrm>
+          <a:prstGeom prst="ellipse">
+            <a:avLst/>
+          </a:prstGeom>
+        </p:spPr>
+        <p:style>
+          <a:lnRef idx="2">
+            <a:schemeClr val="accent1">
+              <a:shade val="50000"/>
+            </a:schemeClr>
+          </a:lnRef>
+          <a:fillRef idx="1">
+            <a:schemeClr val="accent1"/>
+          </a:fillRef>
+          <a:effectRef idx="0">
+            <a:schemeClr val="accent1"/>
+          </a:effectRef>
+          <a:fontRef idx="minor">
+            <a:schemeClr val="lt1"/>
+          </a:fontRef>
+        </p:style>
+        <p:txBody>
+          <a:bodyPr rtlCol="0" anchor="ctr"/>
+          <a:lstStyle/>
+          <a:p>
+            <a:pPr algn="ctr"/>
+            <a:r>
+              <a:rPr lang="fr-FR" dirty="0"/>
+              <a:t>2</a:t>
+            </a:r>
+          </a:p>
+        </p:txBody>
+      </p:sp>
+      <p:sp>
+        <p:nvSpPr>
+          <p:cNvPr id="11" name="TextBox 10">
+            <a:extLst>
+              <a:ext uri="{FF2B5EF4-FFF2-40B4-BE49-F238E27FC236}">
+                <a16:creationId xmlns:a16="http://schemas.microsoft.com/office/drawing/2014/main" id="{97BA092D-0BAB-49F5-97C5-18E17857054C}"/>
+              </a:ext>
+            </a:extLst>
+          </p:cNvPr>
+          <p:cNvSpPr txBox="1"/>
+          <p:nvPr/>
+        </p:nvSpPr>
+        <p:spPr>
+          <a:xfrm>
+            <a:off x="6497294" y="441118"/>
+            <a:ext cx="343364" cy="369332"/>
+          </a:xfrm>
+          <a:prstGeom prst="rect">
+            <a:avLst/>
+          </a:prstGeom>
+          <a:noFill/>
+        </p:spPr>
+        <p:txBody>
+          <a:bodyPr wrap="none" rtlCol="0">
+            <a:spAutoFit/>
+          </a:bodyPr>
+          <a:lstStyle/>
+          <a:p>
+            <a:r>
+              <a:rPr lang="fr-FR" dirty="0"/>
+              <a:t>…</a:t>
+            </a:r>
+          </a:p>
+        </p:txBody>
+      </p:sp>
+      <p:cxnSp>
+        <p:nvCxnSpPr>
+          <p:cNvPr id="12" name="Straight Arrow Connector 11">
+            <a:extLst>
+              <a:ext uri="{FF2B5EF4-FFF2-40B4-BE49-F238E27FC236}">
+                <a16:creationId xmlns:a16="http://schemas.microsoft.com/office/drawing/2014/main" id="{F6AD982C-3411-4A8E-AC99-4384190D7209}"/>
+              </a:ext>
+            </a:extLst>
+          </p:cNvPr>
+          <p:cNvCxnSpPr/>
+          <p:nvPr/>
+        </p:nvCxnSpPr>
+        <p:spPr>
+          <a:xfrm>
+            <a:off x="166185" y="6153437"/>
+            <a:ext cx="11721781" cy="0"/>
+          </a:xfrm>
+          <a:prstGeom prst="straightConnector1">
+            <a:avLst/>
+          </a:prstGeom>
+          <a:ln w="76200">
+            <a:tailEnd type="triangle"/>
+          </a:ln>
+        </p:spPr>
+        <p:style>
+          <a:lnRef idx="1">
+            <a:schemeClr val="accent1"/>
+          </a:lnRef>
+          <a:fillRef idx="0">
+            <a:schemeClr val="accent1"/>
+          </a:fillRef>
+          <a:effectRef idx="0">
+            <a:schemeClr val="accent1"/>
+          </a:effectRef>
+          <a:fontRef idx="minor">
+            <a:schemeClr val="tx1"/>
+          </a:fontRef>
+        </p:style>
+      </p:cxnSp>
+      <p:cxnSp>
+        <p:nvCxnSpPr>
+          <p:cNvPr id="13" name="Straight Connector 12">
+            <a:extLst>
+              <a:ext uri="{FF2B5EF4-FFF2-40B4-BE49-F238E27FC236}">
+                <a16:creationId xmlns:a16="http://schemas.microsoft.com/office/drawing/2014/main" id="{6596F6C5-8309-4051-AEE0-7534C9273FAA}"/>
+              </a:ext>
+            </a:extLst>
+          </p:cNvPr>
+          <p:cNvCxnSpPr/>
+          <p:nvPr/>
+        </p:nvCxnSpPr>
+        <p:spPr>
+          <a:xfrm>
+            <a:off x="519998" y="5896118"/>
+            <a:ext cx="0" cy="624917"/>
+          </a:xfrm>
+          <a:prstGeom prst="line">
+            <a:avLst/>
+          </a:prstGeom>
+          <a:ln w="76200"/>
+        </p:spPr>
+        <p:style>
+          <a:lnRef idx="1">
+            <a:schemeClr val="accent1"/>
+          </a:lnRef>
+          <a:fillRef idx="0">
+            <a:schemeClr val="accent1"/>
+          </a:fillRef>
+          <a:effectRef idx="0">
+            <a:schemeClr val="accent1"/>
+          </a:effectRef>
+          <a:fontRef idx="minor">
+            <a:schemeClr val="tx1"/>
+          </a:fontRef>
+        </p:style>
+      </p:cxnSp>
+      <p:sp>
+        <p:nvSpPr>
+          <p:cNvPr id="14" name="Oval 13">
+            <a:extLst>
+              <a:ext uri="{FF2B5EF4-FFF2-40B4-BE49-F238E27FC236}">
+                <a16:creationId xmlns:a16="http://schemas.microsoft.com/office/drawing/2014/main" id="{8D36B570-834C-432B-8278-BAA4989D7399}"/>
+              </a:ext>
+            </a:extLst>
+          </p:cNvPr>
+          <p:cNvSpPr/>
+          <p:nvPr/>
+        </p:nvSpPr>
+        <p:spPr>
+          <a:xfrm>
+            <a:off x="235111" y="5840979"/>
+            <a:ext cx="569774" cy="624916"/>
+          </a:xfrm>
+          <a:prstGeom prst="ellipse">
+            <a:avLst/>
+          </a:prstGeom>
+        </p:spPr>
+        <p:style>
+          <a:lnRef idx="2">
+            <a:schemeClr val="accent1">
+              <a:shade val="50000"/>
+            </a:schemeClr>
+          </a:lnRef>
+          <a:fillRef idx="1">
+            <a:schemeClr val="accent1"/>
+          </a:fillRef>
+          <a:effectRef idx="0">
+            <a:schemeClr val="accent1"/>
+          </a:effectRef>
+          <a:fontRef idx="minor">
+            <a:schemeClr val="lt1"/>
+          </a:fontRef>
+        </p:style>
+        <p:txBody>
+          <a:bodyPr rtlCol="0" anchor="ctr"/>
+          <a:lstStyle/>
+          <a:p>
+            <a:pPr algn="ctr"/>
+            <a:r>
+              <a:rPr lang="fr-FR" dirty="0"/>
+              <a:t>0</a:t>
+            </a:r>
+          </a:p>
+        </p:txBody>
+      </p:sp>
+      <p:sp>
+        <p:nvSpPr>
+          <p:cNvPr id="15" name="Oval 14">
+            <a:extLst>
+              <a:ext uri="{FF2B5EF4-FFF2-40B4-BE49-F238E27FC236}">
+                <a16:creationId xmlns:a16="http://schemas.microsoft.com/office/drawing/2014/main" id="{8D3AAA06-B243-4D29-82ED-86955EA1B49E}"/>
+              </a:ext>
+            </a:extLst>
+          </p:cNvPr>
+          <p:cNvSpPr/>
+          <p:nvPr/>
+        </p:nvSpPr>
+        <p:spPr>
+          <a:xfrm>
+            <a:off x="1618963" y="5840979"/>
+            <a:ext cx="569774" cy="624916"/>
+          </a:xfrm>
+          <a:prstGeom prst="ellipse">
+            <a:avLst/>
+          </a:prstGeom>
+        </p:spPr>
+        <p:style>
+          <a:lnRef idx="2">
+            <a:schemeClr val="accent1">
+              <a:shade val="50000"/>
+            </a:schemeClr>
+          </a:lnRef>
+          <a:fillRef idx="1">
+            <a:schemeClr val="accent1"/>
+          </a:fillRef>
+          <a:effectRef idx="0">
+            <a:schemeClr val="accent1"/>
+          </a:effectRef>
+          <a:fontRef idx="minor">
+            <a:schemeClr val="lt1"/>
+          </a:fontRef>
+        </p:style>
+        <p:txBody>
+          <a:bodyPr rtlCol="0" anchor="ctr"/>
+          <a:lstStyle/>
+          <a:p>
+            <a:pPr algn="ctr"/>
+            <a:r>
+              <a:rPr lang="fr-FR" dirty="0"/>
+              <a:t>1</a:t>
+            </a:r>
+          </a:p>
+        </p:txBody>
+      </p:sp>
+      <p:sp>
+        <p:nvSpPr>
+          <p:cNvPr id="16" name="Oval 15">
+            <a:extLst>
+              <a:ext uri="{FF2B5EF4-FFF2-40B4-BE49-F238E27FC236}">
+                <a16:creationId xmlns:a16="http://schemas.microsoft.com/office/drawing/2014/main" id="{8C747226-05C4-4716-B647-6FDD4762A017}"/>
+              </a:ext>
+            </a:extLst>
+          </p:cNvPr>
+          <p:cNvSpPr/>
+          <p:nvPr/>
+        </p:nvSpPr>
+        <p:spPr>
+          <a:xfrm>
+            <a:off x="3237160" y="5840979"/>
+            <a:ext cx="569774" cy="624916"/>
+          </a:xfrm>
+          <a:prstGeom prst="ellipse">
+            <a:avLst/>
+          </a:prstGeom>
+        </p:spPr>
+        <p:style>
+          <a:lnRef idx="2">
+            <a:schemeClr val="accent1">
+              <a:shade val="50000"/>
+            </a:schemeClr>
+          </a:lnRef>
+          <a:fillRef idx="1">
+            <a:schemeClr val="accent1"/>
+          </a:fillRef>
+          <a:effectRef idx="0">
+            <a:schemeClr val="accent1"/>
+          </a:effectRef>
+          <a:fontRef idx="minor">
+            <a:schemeClr val="lt1"/>
+          </a:fontRef>
+        </p:style>
+        <p:txBody>
+          <a:bodyPr rtlCol="0" anchor="ctr"/>
+          <a:lstStyle/>
+          <a:p>
+            <a:pPr algn="ctr"/>
+            <a:r>
+              <a:rPr lang="fr-FR" dirty="0"/>
+              <a:t>2</a:t>
+            </a:r>
+          </a:p>
+        </p:txBody>
+      </p:sp>
+      <p:sp>
+        <p:nvSpPr>
+          <p:cNvPr id="17" name="Oval 16">
+            <a:extLst>
+              <a:ext uri="{FF2B5EF4-FFF2-40B4-BE49-F238E27FC236}">
+                <a16:creationId xmlns:a16="http://schemas.microsoft.com/office/drawing/2014/main" id="{3773AB1B-8706-46BC-9E07-D36D135763B8}"/>
+              </a:ext>
+            </a:extLst>
+          </p:cNvPr>
+          <p:cNvSpPr/>
+          <p:nvPr/>
+        </p:nvSpPr>
+        <p:spPr>
+          <a:xfrm>
+            <a:off x="4945725" y="5840979"/>
+            <a:ext cx="569774" cy="624916"/>
+          </a:xfrm>
+          <a:prstGeom prst="ellipse">
+            <a:avLst/>
+          </a:prstGeom>
+        </p:spPr>
+        <p:style>
+          <a:lnRef idx="2">
+            <a:schemeClr val="accent1">
+              <a:shade val="50000"/>
+            </a:schemeClr>
+          </a:lnRef>
+          <a:fillRef idx="1">
+            <a:schemeClr val="accent1"/>
+          </a:fillRef>
+          <a:effectRef idx="0">
+            <a:schemeClr val="accent1"/>
+          </a:effectRef>
+          <a:fontRef idx="minor">
+            <a:schemeClr val="lt1"/>
+          </a:fontRef>
+        </p:style>
+        <p:txBody>
+          <a:bodyPr rtlCol="0" anchor="ctr"/>
+          <a:lstStyle/>
+          <a:p>
+            <a:pPr algn="ctr"/>
+            <a:r>
+              <a:rPr lang="fr-FR" dirty="0"/>
+              <a:t>3</a:t>
+            </a:r>
+          </a:p>
+        </p:txBody>
+      </p:sp>
+      <p:cxnSp>
+        <p:nvCxnSpPr>
+          <p:cNvPr id="19" name="Straight Connector 18">
+            <a:extLst>
+              <a:ext uri="{FF2B5EF4-FFF2-40B4-BE49-F238E27FC236}">
+                <a16:creationId xmlns:a16="http://schemas.microsoft.com/office/drawing/2014/main" id="{3A9DFCC4-30A7-4C47-9F05-09EC4E2BA462}"/>
+              </a:ext>
+            </a:extLst>
+          </p:cNvPr>
+          <p:cNvCxnSpPr/>
+          <p:nvPr/>
+        </p:nvCxnSpPr>
+        <p:spPr>
+          <a:xfrm>
+            <a:off x="5515499" y="5601274"/>
+            <a:ext cx="0" cy="1043060"/>
+          </a:xfrm>
+          <a:prstGeom prst="line">
+            <a:avLst/>
+          </a:prstGeom>
+          <a:ln w="76200"/>
+        </p:spPr>
+        <p:style>
+          <a:lnRef idx="1">
+            <a:schemeClr val="accent1"/>
+          </a:lnRef>
+          <a:fillRef idx="0">
+            <a:schemeClr val="accent1"/>
+          </a:fillRef>
+          <a:effectRef idx="0">
+            <a:schemeClr val="accent1"/>
+          </a:effectRef>
+          <a:fontRef idx="minor">
+            <a:schemeClr val="tx1"/>
+          </a:fontRef>
+        </p:style>
+      </p:cxnSp>
+      <p:cxnSp>
+        <p:nvCxnSpPr>
+          <p:cNvPr id="20" name="Straight Arrow Connector 19">
+            <a:extLst>
+              <a:ext uri="{FF2B5EF4-FFF2-40B4-BE49-F238E27FC236}">
+                <a16:creationId xmlns:a16="http://schemas.microsoft.com/office/drawing/2014/main" id="{70B19492-749C-40C4-A3B0-D266C82D022E}"/>
+              </a:ext>
+            </a:extLst>
+          </p:cNvPr>
+          <p:cNvCxnSpPr/>
+          <p:nvPr/>
+        </p:nvCxnSpPr>
+        <p:spPr>
+          <a:xfrm>
+            <a:off x="275699" y="2420988"/>
+            <a:ext cx="11721781" cy="0"/>
+          </a:xfrm>
+          <a:prstGeom prst="straightConnector1">
+            <a:avLst/>
+          </a:prstGeom>
+          <a:ln w="76200">
+            <a:tailEnd type="triangle"/>
+          </a:ln>
+        </p:spPr>
+        <p:style>
+          <a:lnRef idx="1">
+            <a:schemeClr val="accent1"/>
+          </a:lnRef>
+          <a:fillRef idx="0">
+            <a:schemeClr val="accent1"/>
+          </a:fillRef>
+          <a:effectRef idx="0">
+            <a:schemeClr val="accent1"/>
+          </a:effectRef>
+          <a:fontRef idx="minor">
+            <a:schemeClr val="tx1"/>
+          </a:fontRef>
+        </p:style>
+      </p:cxnSp>
+      <p:cxnSp>
+        <p:nvCxnSpPr>
+          <p:cNvPr id="21" name="Straight Connector 20">
+            <a:extLst>
+              <a:ext uri="{FF2B5EF4-FFF2-40B4-BE49-F238E27FC236}">
+                <a16:creationId xmlns:a16="http://schemas.microsoft.com/office/drawing/2014/main" id="{E009B211-786B-4A04-9482-80593D8083AD}"/>
+              </a:ext>
+            </a:extLst>
+          </p:cNvPr>
+          <p:cNvCxnSpPr/>
+          <p:nvPr/>
+        </p:nvCxnSpPr>
+        <p:spPr>
+          <a:xfrm>
+            <a:off x="629512" y="2163669"/>
+            <a:ext cx="0" cy="624917"/>
+          </a:xfrm>
+          <a:prstGeom prst="line">
+            <a:avLst/>
+          </a:prstGeom>
+          <a:ln w="76200"/>
+        </p:spPr>
+        <p:style>
+          <a:lnRef idx="1">
+            <a:schemeClr val="accent1"/>
+          </a:lnRef>
+          <a:fillRef idx="0">
+            <a:schemeClr val="accent1"/>
+          </a:fillRef>
+          <a:effectRef idx="0">
+            <a:schemeClr val="accent1"/>
+          </a:effectRef>
+          <a:fontRef idx="minor">
+            <a:schemeClr val="tx1"/>
+          </a:fontRef>
+        </p:style>
+      </p:cxnSp>
+      <p:sp>
+        <p:nvSpPr>
+          <p:cNvPr id="22" name="Oval 21">
+            <a:extLst>
+              <a:ext uri="{FF2B5EF4-FFF2-40B4-BE49-F238E27FC236}">
+                <a16:creationId xmlns:a16="http://schemas.microsoft.com/office/drawing/2014/main" id="{7A38C51F-E345-4545-865E-44E74E17509F}"/>
+              </a:ext>
+            </a:extLst>
+          </p:cNvPr>
+          <p:cNvSpPr/>
+          <p:nvPr/>
+        </p:nvSpPr>
+        <p:spPr>
+          <a:xfrm>
+            <a:off x="1815016" y="2108530"/>
+            <a:ext cx="569774" cy="624916"/>
+          </a:xfrm>
+          <a:prstGeom prst="ellipse">
+            <a:avLst/>
+          </a:prstGeom>
+        </p:spPr>
+        <p:style>
+          <a:lnRef idx="2">
+            <a:schemeClr val="accent1">
+              <a:shade val="50000"/>
+            </a:schemeClr>
+          </a:lnRef>
+          <a:fillRef idx="1">
+            <a:schemeClr val="accent1"/>
+          </a:fillRef>
+          <a:effectRef idx="0">
+            <a:schemeClr val="accent1"/>
+          </a:effectRef>
+          <a:fontRef idx="minor">
+            <a:schemeClr val="lt1"/>
+          </a:fontRef>
+        </p:style>
+        <p:txBody>
+          <a:bodyPr rtlCol="0" anchor="ctr"/>
+          <a:lstStyle/>
+          <a:p>
+            <a:pPr algn="ctr"/>
+            <a:r>
+              <a:rPr lang="fr-FR" dirty="0"/>
+              <a:t>0</a:t>
+            </a:r>
+          </a:p>
+        </p:txBody>
+      </p:sp>
+      <p:sp>
+        <p:nvSpPr>
+          <p:cNvPr id="23" name="Oval 22">
+            <a:extLst>
+              <a:ext uri="{FF2B5EF4-FFF2-40B4-BE49-F238E27FC236}">
+                <a16:creationId xmlns:a16="http://schemas.microsoft.com/office/drawing/2014/main" id="{A882F164-4D19-48BE-BA56-568600B23821}"/>
+              </a:ext>
+            </a:extLst>
+          </p:cNvPr>
+          <p:cNvSpPr/>
+          <p:nvPr/>
+        </p:nvSpPr>
+        <p:spPr>
+          <a:xfrm>
+            <a:off x="3405643" y="2108530"/>
+            <a:ext cx="569774" cy="624916"/>
+          </a:xfrm>
+          <a:prstGeom prst="ellipse">
+            <a:avLst/>
+          </a:prstGeom>
+        </p:spPr>
+        <p:style>
+          <a:lnRef idx="2">
+            <a:schemeClr val="accent1">
+              <a:shade val="50000"/>
+            </a:schemeClr>
+          </a:lnRef>
+          <a:fillRef idx="1">
+            <a:schemeClr val="accent1"/>
+          </a:fillRef>
+          <a:effectRef idx="0">
+            <a:schemeClr val="accent1"/>
+          </a:effectRef>
+          <a:fontRef idx="minor">
+            <a:schemeClr val="lt1"/>
+          </a:fontRef>
+        </p:style>
+        <p:txBody>
+          <a:bodyPr rtlCol="0" anchor="ctr"/>
+          <a:lstStyle/>
+          <a:p>
+            <a:pPr algn="ctr"/>
+            <a:r>
+              <a:rPr lang="fr-FR" dirty="0"/>
+              <a:t>1</a:t>
+            </a:r>
+          </a:p>
+        </p:txBody>
+      </p:sp>
+      <p:sp>
+        <p:nvSpPr>
+          <p:cNvPr id="24" name="Oval 23">
+            <a:extLst>
+              <a:ext uri="{FF2B5EF4-FFF2-40B4-BE49-F238E27FC236}">
+                <a16:creationId xmlns:a16="http://schemas.microsoft.com/office/drawing/2014/main" id="{0613C185-8C78-4E01-A532-E0FDC08C1322}"/>
+              </a:ext>
+            </a:extLst>
+          </p:cNvPr>
+          <p:cNvSpPr/>
+          <p:nvPr/>
+        </p:nvSpPr>
+        <p:spPr>
+          <a:xfrm>
+            <a:off x="4931941" y="2108530"/>
+            <a:ext cx="569774" cy="624916"/>
+          </a:xfrm>
+          <a:prstGeom prst="ellipse">
+            <a:avLst/>
+          </a:prstGeom>
+        </p:spPr>
+        <p:style>
+          <a:lnRef idx="2">
+            <a:schemeClr val="accent1">
+              <a:shade val="50000"/>
+            </a:schemeClr>
+          </a:lnRef>
+          <a:fillRef idx="1">
+            <a:schemeClr val="accent1"/>
+          </a:fillRef>
+          <a:effectRef idx="0">
+            <a:schemeClr val="accent1"/>
+          </a:effectRef>
+          <a:fontRef idx="minor">
+            <a:schemeClr val="lt1"/>
+          </a:fontRef>
+        </p:style>
+        <p:txBody>
+          <a:bodyPr rtlCol="0" anchor="ctr"/>
+          <a:lstStyle/>
+          <a:p>
+            <a:pPr algn="ctr"/>
+            <a:r>
+              <a:rPr lang="fr-FR" dirty="0"/>
+              <a:t>2</a:t>
+            </a:r>
+          </a:p>
+        </p:txBody>
+      </p:sp>
+      <p:sp>
+        <p:nvSpPr>
+          <p:cNvPr id="25" name="TextBox 24">
+            <a:extLst>
+              <a:ext uri="{FF2B5EF4-FFF2-40B4-BE49-F238E27FC236}">
+                <a16:creationId xmlns:a16="http://schemas.microsoft.com/office/drawing/2014/main" id="{4DA53148-449B-45E2-917E-319CA6B29171}"/>
+              </a:ext>
+            </a:extLst>
+          </p:cNvPr>
+          <p:cNvSpPr txBox="1"/>
+          <p:nvPr/>
+        </p:nvSpPr>
+        <p:spPr>
+          <a:xfrm>
+            <a:off x="6483510" y="1920136"/>
+            <a:ext cx="343364" cy="369332"/>
+          </a:xfrm>
+          <a:prstGeom prst="rect">
+            <a:avLst/>
+          </a:prstGeom>
+          <a:noFill/>
+        </p:spPr>
+        <p:txBody>
+          <a:bodyPr wrap="none" rtlCol="0">
+            <a:spAutoFit/>
+          </a:bodyPr>
+          <a:lstStyle/>
+          <a:p>
+            <a:r>
+              <a:rPr lang="fr-FR" dirty="0"/>
+              <a:t>…</a:t>
+            </a:r>
+          </a:p>
+        </p:txBody>
+      </p:sp>
+      <p:sp>
+        <p:nvSpPr>
+          <p:cNvPr id="26" name="Oval 25">
+            <a:extLst>
+              <a:ext uri="{FF2B5EF4-FFF2-40B4-BE49-F238E27FC236}">
+                <a16:creationId xmlns:a16="http://schemas.microsoft.com/office/drawing/2014/main" id="{E17DAB2A-2275-4AC3-8F90-77B97DAB406C}"/>
+              </a:ext>
+            </a:extLst>
+          </p:cNvPr>
+          <p:cNvSpPr/>
+          <p:nvPr/>
+        </p:nvSpPr>
+        <p:spPr>
+          <a:xfrm>
+            <a:off x="367604" y="2108530"/>
+            <a:ext cx="569774" cy="624916"/>
+          </a:xfrm>
+          <a:prstGeom prst="ellipse">
+            <a:avLst/>
+          </a:prstGeom>
+        </p:spPr>
+        <p:style>
+          <a:lnRef idx="2">
+            <a:schemeClr val="accent1">
+              <a:shade val="50000"/>
+            </a:schemeClr>
+          </a:lnRef>
+          <a:fillRef idx="1">
+            <a:schemeClr val="accent1"/>
+          </a:fillRef>
+          <a:effectRef idx="0">
+            <a:schemeClr val="accent1"/>
+          </a:effectRef>
+          <a:fontRef idx="minor">
+            <a:schemeClr val="lt1"/>
+          </a:fontRef>
+        </p:style>
+        <p:txBody>
+          <a:bodyPr rtlCol="0" anchor="ctr"/>
+          <a:lstStyle/>
+          <a:p>
+            <a:pPr algn="ctr"/>
+            <a:r>
+              <a:rPr lang="fr-FR" dirty="0"/>
+              <a:t>-1</a:t>
+            </a:r>
+          </a:p>
+        </p:txBody>
+      </p:sp>
+      <p:cxnSp>
+        <p:nvCxnSpPr>
+          <p:cNvPr id="27" name="Straight Arrow Connector 26">
+            <a:extLst>
+              <a:ext uri="{FF2B5EF4-FFF2-40B4-BE49-F238E27FC236}">
+                <a16:creationId xmlns:a16="http://schemas.microsoft.com/office/drawing/2014/main" id="{2BDE2BDE-60FB-4134-B23F-006E6D0F3103}"/>
+              </a:ext>
+            </a:extLst>
+          </p:cNvPr>
+          <p:cNvCxnSpPr/>
+          <p:nvPr/>
+        </p:nvCxnSpPr>
+        <p:spPr>
+          <a:xfrm>
+            <a:off x="183794" y="3834710"/>
+            <a:ext cx="11721781" cy="0"/>
+          </a:xfrm>
+          <a:prstGeom prst="straightConnector1">
+            <a:avLst/>
+          </a:prstGeom>
+          <a:ln w="76200">
+            <a:tailEnd type="triangle"/>
+          </a:ln>
+        </p:spPr>
+        <p:style>
+          <a:lnRef idx="1">
+            <a:schemeClr val="accent1"/>
+          </a:lnRef>
+          <a:fillRef idx="0">
+            <a:schemeClr val="accent1"/>
+          </a:fillRef>
+          <a:effectRef idx="0">
+            <a:schemeClr val="accent1"/>
+          </a:effectRef>
+          <a:fontRef idx="minor">
+            <a:schemeClr val="tx1"/>
+          </a:fontRef>
+        </p:style>
+      </p:cxnSp>
+      <p:cxnSp>
+        <p:nvCxnSpPr>
+          <p:cNvPr id="28" name="Straight Connector 27">
+            <a:extLst>
+              <a:ext uri="{FF2B5EF4-FFF2-40B4-BE49-F238E27FC236}">
+                <a16:creationId xmlns:a16="http://schemas.microsoft.com/office/drawing/2014/main" id="{8B554E8D-C236-4C68-9A8D-20A44F83C067}"/>
+              </a:ext>
+            </a:extLst>
+          </p:cNvPr>
+          <p:cNvCxnSpPr/>
+          <p:nvPr/>
+        </p:nvCxnSpPr>
+        <p:spPr>
+          <a:xfrm>
+            <a:off x="537607" y="3577391"/>
+            <a:ext cx="0" cy="624917"/>
+          </a:xfrm>
+          <a:prstGeom prst="line">
+            <a:avLst/>
+          </a:prstGeom>
+          <a:ln w="76200"/>
+        </p:spPr>
+        <p:style>
+          <a:lnRef idx="1">
+            <a:schemeClr val="accent1"/>
+          </a:lnRef>
+          <a:fillRef idx="0">
+            <a:schemeClr val="accent1"/>
+          </a:fillRef>
+          <a:effectRef idx="0">
+            <a:schemeClr val="accent1"/>
+          </a:effectRef>
+          <a:fontRef idx="minor">
+            <a:schemeClr val="tx1"/>
+          </a:fontRef>
+        </p:style>
+      </p:cxnSp>
+      <p:sp>
+        <p:nvSpPr>
+          <p:cNvPr id="29" name="Oval 28">
+            <a:extLst>
+              <a:ext uri="{FF2B5EF4-FFF2-40B4-BE49-F238E27FC236}">
+                <a16:creationId xmlns:a16="http://schemas.microsoft.com/office/drawing/2014/main" id="{EDD4C350-7E47-4F15-887A-E5292EE21FA1}"/>
+              </a:ext>
+            </a:extLst>
+          </p:cNvPr>
+          <p:cNvSpPr/>
+          <p:nvPr/>
+        </p:nvSpPr>
+        <p:spPr>
+          <a:xfrm>
+            <a:off x="1723111" y="3522252"/>
+            <a:ext cx="569774" cy="624916"/>
+          </a:xfrm>
+          <a:prstGeom prst="ellipse">
+            <a:avLst/>
+          </a:prstGeom>
+        </p:spPr>
+        <p:style>
+          <a:lnRef idx="2">
+            <a:schemeClr val="accent1">
+              <a:shade val="50000"/>
+            </a:schemeClr>
+          </a:lnRef>
+          <a:fillRef idx="1">
+            <a:schemeClr val="accent1"/>
+          </a:fillRef>
+          <a:effectRef idx="0">
+            <a:schemeClr val="accent1"/>
+          </a:effectRef>
+          <a:fontRef idx="minor">
+            <a:schemeClr val="lt1"/>
+          </a:fontRef>
+        </p:style>
+        <p:txBody>
+          <a:bodyPr rtlCol="0" anchor="ctr"/>
+          <a:lstStyle/>
+          <a:p>
+            <a:pPr algn="ctr"/>
+            <a:r>
+              <a:rPr lang="fr-FR" dirty="0"/>
+              <a:t>1</a:t>
+            </a:r>
+          </a:p>
+        </p:txBody>
+      </p:sp>
+      <p:sp>
+        <p:nvSpPr>
+          <p:cNvPr id="30" name="Oval 29">
+            <a:extLst>
+              <a:ext uri="{FF2B5EF4-FFF2-40B4-BE49-F238E27FC236}">
+                <a16:creationId xmlns:a16="http://schemas.microsoft.com/office/drawing/2014/main" id="{5679B867-1AC5-4D3E-80B0-4D2879871FEC}"/>
+              </a:ext>
+            </a:extLst>
+          </p:cNvPr>
+          <p:cNvSpPr/>
+          <p:nvPr/>
+        </p:nvSpPr>
+        <p:spPr>
+          <a:xfrm>
+            <a:off x="3313738" y="3522252"/>
+            <a:ext cx="569774" cy="624916"/>
+          </a:xfrm>
+          <a:prstGeom prst="ellipse">
+            <a:avLst/>
+          </a:prstGeom>
+        </p:spPr>
+        <p:style>
+          <a:lnRef idx="2">
+            <a:schemeClr val="accent1">
+              <a:shade val="50000"/>
+            </a:schemeClr>
+          </a:lnRef>
+          <a:fillRef idx="1">
+            <a:schemeClr val="accent1"/>
+          </a:fillRef>
+          <a:effectRef idx="0">
+            <a:schemeClr val="accent1"/>
+          </a:effectRef>
+          <a:fontRef idx="minor">
+            <a:schemeClr val="lt1"/>
+          </a:fontRef>
+        </p:style>
+        <p:txBody>
+          <a:bodyPr rtlCol="0" anchor="ctr"/>
+          <a:lstStyle/>
+          <a:p>
+            <a:pPr algn="ctr"/>
+            <a:r>
+              <a:rPr lang="fr-FR" dirty="0"/>
+              <a:t>2</a:t>
+            </a:r>
+          </a:p>
+        </p:txBody>
+      </p:sp>
+      <p:sp>
+        <p:nvSpPr>
+          <p:cNvPr id="31" name="Oval 30">
+            <a:extLst>
+              <a:ext uri="{FF2B5EF4-FFF2-40B4-BE49-F238E27FC236}">
+                <a16:creationId xmlns:a16="http://schemas.microsoft.com/office/drawing/2014/main" id="{57074A1E-2281-4C89-9109-DC1B4BCA41FA}"/>
+              </a:ext>
+            </a:extLst>
+          </p:cNvPr>
+          <p:cNvSpPr/>
+          <p:nvPr/>
+        </p:nvSpPr>
+        <p:spPr>
+          <a:xfrm>
+            <a:off x="4840036" y="3522252"/>
+            <a:ext cx="569774" cy="624916"/>
+          </a:xfrm>
+          <a:prstGeom prst="ellipse">
+            <a:avLst/>
+          </a:prstGeom>
+        </p:spPr>
+        <p:style>
+          <a:lnRef idx="2">
+            <a:schemeClr val="accent1">
+              <a:shade val="50000"/>
+            </a:schemeClr>
+          </a:lnRef>
+          <a:fillRef idx="1">
+            <a:schemeClr val="accent1"/>
+          </a:fillRef>
+          <a:effectRef idx="0">
+            <a:schemeClr val="accent1"/>
+          </a:effectRef>
+          <a:fontRef idx="minor">
+            <a:schemeClr val="lt1"/>
+          </a:fontRef>
+        </p:style>
+        <p:txBody>
+          <a:bodyPr rtlCol="0" anchor="ctr"/>
+          <a:lstStyle/>
+          <a:p>
+            <a:pPr algn="ctr"/>
+            <a:r>
+              <a:rPr lang="fr-FR" dirty="0"/>
+              <a:t>3</a:t>
+            </a:r>
+          </a:p>
+        </p:txBody>
+      </p:sp>
+      <p:sp>
+        <p:nvSpPr>
+          <p:cNvPr id="32" name="TextBox 31">
+            <a:extLst>
+              <a:ext uri="{FF2B5EF4-FFF2-40B4-BE49-F238E27FC236}">
+                <a16:creationId xmlns:a16="http://schemas.microsoft.com/office/drawing/2014/main" id="{8A09916E-0511-46F3-BAD9-E5E6FF4AB25B}"/>
+              </a:ext>
+            </a:extLst>
+          </p:cNvPr>
+          <p:cNvSpPr txBox="1"/>
+          <p:nvPr/>
+        </p:nvSpPr>
+        <p:spPr>
+          <a:xfrm>
+            <a:off x="6391605" y="3333858"/>
+            <a:ext cx="343364" cy="369332"/>
+          </a:xfrm>
+          <a:prstGeom prst="rect">
+            <a:avLst/>
+          </a:prstGeom>
+          <a:noFill/>
+        </p:spPr>
+        <p:txBody>
+          <a:bodyPr wrap="none" rtlCol="0">
+            <a:spAutoFit/>
+          </a:bodyPr>
+          <a:lstStyle/>
+          <a:p>
+            <a:r>
+              <a:rPr lang="fr-FR" dirty="0"/>
+              <a:t>…</a:t>
+            </a:r>
+          </a:p>
+        </p:txBody>
+      </p:sp>
+      <p:sp>
+        <p:nvSpPr>
+          <p:cNvPr id="33" name="Oval 32">
+            <a:extLst>
+              <a:ext uri="{FF2B5EF4-FFF2-40B4-BE49-F238E27FC236}">
+                <a16:creationId xmlns:a16="http://schemas.microsoft.com/office/drawing/2014/main" id="{F35B0A49-B209-4EB7-9940-79D8C4FC405F}"/>
+              </a:ext>
+            </a:extLst>
+          </p:cNvPr>
+          <p:cNvSpPr/>
+          <p:nvPr/>
+        </p:nvSpPr>
+        <p:spPr>
+          <a:xfrm>
+            <a:off x="275699" y="3522252"/>
+            <a:ext cx="569774" cy="624916"/>
+          </a:xfrm>
+          <a:prstGeom prst="ellipse">
+            <a:avLst/>
+          </a:prstGeom>
+        </p:spPr>
+        <p:style>
+          <a:lnRef idx="2">
+            <a:schemeClr val="accent1">
+              <a:shade val="50000"/>
+            </a:schemeClr>
+          </a:lnRef>
+          <a:fillRef idx="1">
+            <a:schemeClr val="accent1"/>
+          </a:fillRef>
+          <a:effectRef idx="0">
+            <a:schemeClr val="accent1"/>
+          </a:effectRef>
+          <a:fontRef idx="minor">
+            <a:schemeClr val="lt1"/>
+          </a:fontRef>
+        </p:style>
+        <p:txBody>
+          <a:bodyPr rtlCol="0" anchor="ctr"/>
+          <a:lstStyle/>
+          <a:p>
+            <a:pPr algn="ctr"/>
+            <a:r>
+              <a:rPr lang="fr-FR" dirty="0"/>
+              <a:t>0</a:t>
+            </a:r>
+          </a:p>
+        </p:txBody>
+      </p:sp>
+      <p:sp>
+        <p:nvSpPr>
+          <p:cNvPr id="34" name="TextBox 33">
+            <a:extLst>
+              <a:ext uri="{FF2B5EF4-FFF2-40B4-BE49-F238E27FC236}">
+                <a16:creationId xmlns:a16="http://schemas.microsoft.com/office/drawing/2014/main" id="{4B02D2FB-2E47-4BEA-B615-85C31F7667B0}"/>
+              </a:ext>
+            </a:extLst>
+          </p:cNvPr>
+          <p:cNvSpPr txBox="1"/>
+          <p:nvPr/>
+        </p:nvSpPr>
+        <p:spPr>
+          <a:xfrm>
+            <a:off x="289483" y="1718521"/>
+            <a:ext cx="1399166" cy="369332"/>
+          </a:xfrm>
+          <a:prstGeom prst="rect">
+            <a:avLst/>
+          </a:prstGeom>
+          <a:noFill/>
+        </p:spPr>
+        <p:txBody>
+          <a:bodyPr wrap="none" rtlCol="0">
+            <a:spAutoFit/>
+          </a:bodyPr>
+          <a:lstStyle/>
+          <a:p>
+            <a:r>
+              <a:rPr lang="fr-FR" dirty="0" err="1"/>
+              <a:t>startWith</a:t>
+            </a:r>
+            <a:r>
+              <a:rPr lang="fr-FR" dirty="0"/>
+              <a:t>(-1)</a:t>
+            </a:r>
+          </a:p>
+        </p:txBody>
+      </p:sp>
+      <p:sp>
+        <p:nvSpPr>
+          <p:cNvPr id="35" name="TextBox 34">
+            <a:extLst>
+              <a:ext uri="{FF2B5EF4-FFF2-40B4-BE49-F238E27FC236}">
+                <a16:creationId xmlns:a16="http://schemas.microsoft.com/office/drawing/2014/main" id="{C511C6C8-C69B-455B-AE8C-7689CB17918E}"/>
+              </a:ext>
+            </a:extLst>
+          </p:cNvPr>
+          <p:cNvSpPr txBox="1"/>
+          <p:nvPr/>
+        </p:nvSpPr>
+        <p:spPr>
+          <a:xfrm>
+            <a:off x="235111" y="3124583"/>
+            <a:ext cx="1616148" cy="369332"/>
+          </a:xfrm>
+          <a:prstGeom prst="rect">
+            <a:avLst/>
+          </a:prstGeom>
+          <a:noFill/>
+        </p:spPr>
+        <p:txBody>
+          <a:bodyPr wrap="none" rtlCol="0">
+            <a:spAutoFit/>
+          </a:bodyPr>
+          <a:lstStyle/>
+          <a:p>
+            <a:r>
+              <a:rPr lang="fr-FR" dirty="0" err="1"/>
+              <a:t>map</a:t>
+            </a:r>
+            <a:r>
+              <a:rPr lang="fr-FR" dirty="0"/>
+              <a:t>(x =&gt; x + 1)</a:t>
+            </a:r>
+          </a:p>
+        </p:txBody>
+      </p:sp>
+      <p:sp>
+        <p:nvSpPr>
+          <p:cNvPr id="36" name="TextBox 35">
+            <a:extLst>
+              <a:ext uri="{FF2B5EF4-FFF2-40B4-BE49-F238E27FC236}">
+                <a16:creationId xmlns:a16="http://schemas.microsoft.com/office/drawing/2014/main" id="{7BA97B39-268E-4FEC-9C73-D37F92E9F4AB}"/>
+              </a:ext>
+            </a:extLst>
+          </p:cNvPr>
+          <p:cNvSpPr txBox="1"/>
+          <p:nvPr/>
+        </p:nvSpPr>
+        <p:spPr>
+          <a:xfrm>
+            <a:off x="408953" y="5022308"/>
+            <a:ext cx="839653" cy="369332"/>
+          </a:xfrm>
+          <a:prstGeom prst="rect">
+            <a:avLst/>
+          </a:prstGeom>
+          <a:noFill/>
+        </p:spPr>
+        <p:txBody>
+          <a:bodyPr wrap="none" rtlCol="0">
+            <a:spAutoFit/>
+          </a:bodyPr>
+          <a:lstStyle/>
+          <a:p>
+            <a:r>
+              <a:rPr lang="fr-FR" dirty="0" err="1"/>
+              <a:t>take</a:t>
+            </a:r>
+            <a:r>
+              <a:rPr lang="fr-FR" dirty="0"/>
+              <a:t>(4)</a:t>
+            </a:r>
+          </a:p>
+        </p:txBody>
+      </p:sp>
+    </p:spTree>
+    <p:extLst>
+      <p:ext uri="{BB962C8B-B14F-4D97-AF65-F5344CB8AC3E}">
+        <p14:creationId xmlns:p14="http://schemas.microsoft.com/office/powerpoint/2010/main" val="1014244501"/>
+      </p:ext>
+    </p:extLst>
+  </p:cSld>
+  <p:clrMapOvr>
+    <a:masterClrMapping/>
+  </p:clrMapOvr>
+</p:sld>
+</file>
+
+<file path=ppt/slides/slide29.xml><?xml version="1.0" encoding="utf-8"?>
+<p:sld xmlns:a="http://schemas.openxmlformats.org/drawingml/2006/main" xmlns:r="http://schemas.openxmlformats.org/officeDocument/2006/relationships" xmlns:p="http://schemas.openxmlformats.org/presentationml/2006/main">
+  <p:cSld>
+    <p:spTree>
+      <p:nvGrpSpPr>
+        <p:cNvPr id="1" name=""/>
+        <p:cNvGrpSpPr/>
+        <p:nvPr/>
+      </p:nvGrpSpPr>
+      <p:grpSpPr>
+        <a:xfrm>
+          <a:off x="0" y="0"/>
+          <a:ext cx="0" cy="0"/>
+          <a:chOff x="0" y="0"/>
+          <a:chExt cx="0" cy="0"/>
+        </a:xfrm>
+      </p:grpSpPr>
+      <p:sp>
+        <p:nvSpPr>
+          <p:cNvPr id="4" name="Oval 3">
+            <a:extLst>
+              <a:ext uri="{FF2B5EF4-FFF2-40B4-BE49-F238E27FC236}">
+                <a16:creationId xmlns:a16="http://schemas.microsoft.com/office/drawing/2014/main" id="{461ECB4C-713A-4A70-A1B0-CB820378AA0E}"/>
+              </a:ext>
+            </a:extLst>
+          </p:cNvPr>
+          <p:cNvSpPr/>
+          <p:nvPr/>
+        </p:nvSpPr>
+        <p:spPr>
+          <a:xfrm>
+            <a:off x="4631735" y="505447"/>
+            <a:ext cx="1304972" cy="790336"/>
+          </a:xfrm>
+          <a:prstGeom prst="ellipse">
+            <a:avLst/>
+          </a:prstGeom>
+        </p:spPr>
+        <p:style>
+          <a:lnRef idx="2">
+            <a:schemeClr val="accent6">
+              <a:shade val="50000"/>
+            </a:schemeClr>
+          </a:lnRef>
+          <a:fillRef idx="1">
+            <a:schemeClr val="accent6"/>
+          </a:fillRef>
+          <a:effectRef idx="0">
+            <a:schemeClr val="accent6"/>
+          </a:effectRef>
+          <a:fontRef idx="minor">
+            <a:schemeClr val="lt1"/>
+          </a:fontRef>
+        </p:style>
+        <p:txBody>
+          <a:bodyPr rtlCol="0" anchor="ctr"/>
+          <a:lstStyle/>
+          <a:p>
+            <a:pPr algn="ctr"/>
+            <a:r>
+              <a:rPr lang="fr-FR" dirty="0"/>
+              <a:t>App</a:t>
+            </a:r>
+          </a:p>
+        </p:txBody>
+      </p:sp>
+      <p:sp>
+        <p:nvSpPr>
+          <p:cNvPr id="6" name="Oval 5">
+            <a:extLst>
+              <a:ext uri="{FF2B5EF4-FFF2-40B4-BE49-F238E27FC236}">
+                <a16:creationId xmlns:a16="http://schemas.microsoft.com/office/drawing/2014/main" id="{EC2915CC-68B9-4462-B76A-BC57624454D4}"/>
+              </a:ext>
+            </a:extLst>
+          </p:cNvPr>
+          <p:cNvSpPr/>
+          <p:nvPr/>
+        </p:nvSpPr>
+        <p:spPr>
+          <a:xfrm>
+            <a:off x="8542058" y="505447"/>
+            <a:ext cx="2136664" cy="730601"/>
+          </a:xfrm>
+          <a:prstGeom prst="ellipse">
+            <a:avLst/>
+          </a:prstGeom>
+        </p:spPr>
+        <p:style>
+          <a:lnRef idx="2">
+            <a:schemeClr val="accent2">
+              <a:shade val="50000"/>
+            </a:schemeClr>
+          </a:lnRef>
+          <a:fillRef idx="1">
+            <a:schemeClr val="accent2"/>
+          </a:fillRef>
+          <a:effectRef idx="0">
+            <a:schemeClr val="accent2"/>
+          </a:effectRef>
+          <a:fontRef idx="minor">
+            <a:schemeClr val="lt1"/>
+          </a:fontRef>
+        </p:style>
+        <p:txBody>
+          <a:bodyPr rtlCol="0" anchor="ctr"/>
+          <a:lstStyle/>
+          <a:p>
+            <a:pPr algn="ctr"/>
+            <a:r>
+              <a:rPr lang="fr-FR" dirty="0" err="1"/>
+              <a:t>RouterOutlet</a:t>
+            </a:r>
+            <a:endParaRPr lang="fr-FR" dirty="0"/>
+          </a:p>
+        </p:txBody>
+      </p:sp>
+      <p:cxnSp>
+        <p:nvCxnSpPr>
+          <p:cNvPr id="8" name="Straight Arrow Connector 7">
+            <a:extLst>
+              <a:ext uri="{FF2B5EF4-FFF2-40B4-BE49-F238E27FC236}">
+                <a16:creationId xmlns:a16="http://schemas.microsoft.com/office/drawing/2014/main" id="{E2392565-4C3F-4599-961D-A1C512D179AB}"/>
+              </a:ext>
+            </a:extLst>
+          </p:cNvPr>
+          <p:cNvCxnSpPr>
+            <a:stCxn id="6" idx="2"/>
+            <a:endCxn id="4" idx="6"/>
+          </p:cNvCxnSpPr>
+          <p:nvPr/>
+        </p:nvCxnSpPr>
+        <p:spPr>
+          <a:xfrm flipH="1">
+            <a:off x="5936707" y="870748"/>
+            <a:ext cx="2605351" cy="29867"/>
+          </a:xfrm>
+          <a:prstGeom prst="straightConnector1">
+            <a:avLst/>
+          </a:prstGeom>
+          <a:ln w="76200">
+            <a:prstDash val="sysDash"/>
+            <a:tailEnd type="triangle"/>
+          </a:ln>
+        </p:spPr>
+        <p:style>
+          <a:lnRef idx="1">
+            <a:schemeClr val="accent1"/>
+          </a:lnRef>
+          <a:fillRef idx="0">
+            <a:schemeClr val="accent1"/>
+          </a:fillRef>
+          <a:effectRef idx="0">
+            <a:schemeClr val="accent1"/>
+          </a:effectRef>
+          <a:fontRef idx="minor">
+            <a:schemeClr val="tx1"/>
+          </a:fontRef>
+        </p:style>
+      </p:cxnSp>
+    </p:spTree>
+    <p:extLst>
+      <p:ext uri="{BB962C8B-B14F-4D97-AF65-F5344CB8AC3E}">
+        <p14:creationId xmlns:p14="http://schemas.microsoft.com/office/powerpoint/2010/main" val="4252836662"/>
+      </p:ext>
+    </p:extLst>
+  </p:cSld>
+  <p:clrMapOvr>
+    <a:masterClrMapping/>
+  </p:clrMapOvr>
+</p:sld>
+</file>
+
 <file path=ppt/slides/slide3.xml><?xml version="1.0" encoding="utf-8"?>
 <p:sld xmlns:a="http://schemas.openxmlformats.org/drawingml/2006/main" xmlns:r="http://schemas.openxmlformats.org/officeDocument/2006/relationships" xmlns:p="http://schemas.openxmlformats.org/presentationml/2006/main">
   <p:cSld>
@@ -15727,6 +18778,3610 @@
     <p:extLst>
       <p:ext uri="{BB962C8B-B14F-4D97-AF65-F5344CB8AC3E}">
         <p14:creationId xmlns:p14="http://schemas.microsoft.com/office/powerpoint/2010/main" val="905054554"/>
+      </p:ext>
+    </p:extLst>
+  </p:cSld>
+  <p:clrMapOvr>
+    <a:masterClrMapping/>
+  </p:clrMapOvr>
+</p:sld>
+</file>
+
+<file path=ppt/slides/slide30.xml><?xml version="1.0" encoding="utf-8"?>
+<p:sld xmlns:a="http://schemas.openxmlformats.org/drawingml/2006/main" xmlns:r="http://schemas.openxmlformats.org/officeDocument/2006/relationships" xmlns:p="http://schemas.openxmlformats.org/presentationml/2006/main">
+  <p:cSld>
+    <p:spTree>
+      <p:nvGrpSpPr>
+        <p:cNvPr id="1" name=""/>
+        <p:cNvGrpSpPr/>
+        <p:nvPr/>
+      </p:nvGrpSpPr>
+      <p:grpSpPr>
+        <a:xfrm>
+          <a:off x="0" y="0"/>
+          <a:ext cx="0" cy="0"/>
+          <a:chOff x="0" y="0"/>
+          <a:chExt cx="0" cy="0"/>
+        </a:xfrm>
+      </p:grpSpPr>
+      <p:sp>
+        <p:nvSpPr>
+          <p:cNvPr id="4" name="Oval 3">
+            <a:extLst>
+              <a:ext uri="{FF2B5EF4-FFF2-40B4-BE49-F238E27FC236}">
+                <a16:creationId xmlns:a16="http://schemas.microsoft.com/office/drawing/2014/main" id="{461ECB4C-713A-4A70-A1B0-CB820378AA0E}"/>
+              </a:ext>
+            </a:extLst>
+          </p:cNvPr>
+          <p:cNvSpPr/>
+          <p:nvPr/>
+        </p:nvSpPr>
+        <p:spPr>
+          <a:xfrm>
+            <a:off x="4631735" y="505447"/>
+            <a:ext cx="1304972" cy="790336"/>
+          </a:xfrm>
+          <a:prstGeom prst="ellipse">
+            <a:avLst/>
+          </a:prstGeom>
+        </p:spPr>
+        <p:style>
+          <a:lnRef idx="2">
+            <a:schemeClr val="accent6">
+              <a:shade val="50000"/>
+            </a:schemeClr>
+          </a:lnRef>
+          <a:fillRef idx="1">
+            <a:schemeClr val="accent6"/>
+          </a:fillRef>
+          <a:effectRef idx="0">
+            <a:schemeClr val="accent6"/>
+          </a:effectRef>
+          <a:fontRef idx="minor">
+            <a:schemeClr val="lt1"/>
+          </a:fontRef>
+        </p:style>
+        <p:txBody>
+          <a:bodyPr rtlCol="0" anchor="ctr"/>
+          <a:lstStyle/>
+          <a:p>
+            <a:pPr algn="ctr"/>
+            <a:r>
+              <a:rPr lang="fr-FR" dirty="0"/>
+              <a:t>App</a:t>
+            </a:r>
+          </a:p>
+        </p:txBody>
+      </p:sp>
+      <p:sp>
+        <p:nvSpPr>
+          <p:cNvPr id="6" name="Oval 5">
+            <a:extLst>
+              <a:ext uri="{FF2B5EF4-FFF2-40B4-BE49-F238E27FC236}">
+                <a16:creationId xmlns:a16="http://schemas.microsoft.com/office/drawing/2014/main" id="{EC2915CC-68B9-4462-B76A-BC57624454D4}"/>
+              </a:ext>
+            </a:extLst>
+          </p:cNvPr>
+          <p:cNvSpPr/>
+          <p:nvPr/>
+        </p:nvSpPr>
+        <p:spPr>
+          <a:xfrm>
+            <a:off x="8542058" y="505447"/>
+            <a:ext cx="2136664" cy="730601"/>
+          </a:xfrm>
+          <a:prstGeom prst="ellipse">
+            <a:avLst/>
+          </a:prstGeom>
+        </p:spPr>
+        <p:style>
+          <a:lnRef idx="2">
+            <a:schemeClr val="accent2">
+              <a:shade val="50000"/>
+            </a:schemeClr>
+          </a:lnRef>
+          <a:fillRef idx="1">
+            <a:schemeClr val="accent2"/>
+          </a:fillRef>
+          <a:effectRef idx="0">
+            <a:schemeClr val="accent2"/>
+          </a:effectRef>
+          <a:fontRef idx="minor">
+            <a:schemeClr val="lt1"/>
+          </a:fontRef>
+        </p:style>
+        <p:txBody>
+          <a:bodyPr rtlCol="0" anchor="ctr"/>
+          <a:lstStyle/>
+          <a:p>
+            <a:pPr algn="ctr"/>
+            <a:r>
+              <a:rPr lang="fr-FR" dirty="0" err="1"/>
+              <a:t>RouterOutlet</a:t>
+            </a:r>
+            <a:endParaRPr lang="fr-FR" dirty="0"/>
+          </a:p>
+        </p:txBody>
+      </p:sp>
+      <p:cxnSp>
+        <p:nvCxnSpPr>
+          <p:cNvPr id="8" name="Straight Arrow Connector 7">
+            <a:extLst>
+              <a:ext uri="{FF2B5EF4-FFF2-40B4-BE49-F238E27FC236}">
+                <a16:creationId xmlns:a16="http://schemas.microsoft.com/office/drawing/2014/main" id="{E2392565-4C3F-4599-961D-A1C512D179AB}"/>
+              </a:ext>
+            </a:extLst>
+          </p:cNvPr>
+          <p:cNvCxnSpPr>
+            <a:cxnSpLocks/>
+            <a:stCxn id="6" idx="2"/>
+            <a:endCxn id="7" idx="6"/>
+          </p:cNvCxnSpPr>
+          <p:nvPr/>
+        </p:nvCxnSpPr>
+        <p:spPr>
+          <a:xfrm flipH="1">
+            <a:off x="3129717" y="870748"/>
+            <a:ext cx="5412341" cy="2011833"/>
+          </a:xfrm>
+          <a:prstGeom prst="straightConnector1">
+            <a:avLst/>
+          </a:prstGeom>
+          <a:ln w="76200">
+            <a:prstDash val="sysDash"/>
+            <a:tailEnd type="triangle"/>
+          </a:ln>
+        </p:spPr>
+        <p:style>
+          <a:lnRef idx="1">
+            <a:schemeClr val="accent1"/>
+          </a:lnRef>
+          <a:fillRef idx="0">
+            <a:schemeClr val="accent1"/>
+          </a:fillRef>
+          <a:effectRef idx="0">
+            <a:schemeClr val="accent1"/>
+          </a:effectRef>
+          <a:fontRef idx="minor">
+            <a:schemeClr val="tx1"/>
+          </a:fontRef>
+        </p:style>
+      </p:cxnSp>
+      <p:sp>
+        <p:nvSpPr>
+          <p:cNvPr id="5" name="Oval 4">
+            <a:extLst>
+              <a:ext uri="{FF2B5EF4-FFF2-40B4-BE49-F238E27FC236}">
+                <a16:creationId xmlns:a16="http://schemas.microsoft.com/office/drawing/2014/main" id="{653B940D-FF08-4865-AC91-91250DE4D7E0}"/>
+              </a:ext>
+            </a:extLst>
+          </p:cNvPr>
+          <p:cNvSpPr/>
+          <p:nvPr/>
+        </p:nvSpPr>
+        <p:spPr>
+          <a:xfrm>
+            <a:off x="1824745" y="3369446"/>
+            <a:ext cx="1304972" cy="790336"/>
+          </a:xfrm>
+          <a:prstGeom prst="ellipse">
+            <a:avLst/>
+          </a:prstGeom>
+        </p:spPr>
+        <p:style>
+          <a:lnRef idx="2">
+            <a:schemeClr val="accent6">
+              <a:shade val="50000"/>
+            </a:schemeClr>
+          </a:lnRef>
+          <a:fillRef idx="1">
+            <a:schemeClr val="accent6"/>
+          </a:fillRef>
+          <a:effectRef idx="0">
+            <a:schemeClr val="accent6"/>
+          </a:effectRef>
+          <a:fontRef idx="minor">
+            <a:schemeClr val="lt1"/>
+          </a:fontRef>
+        </p:style>
+        <p:txBody>
+          <a:bodyPr rtlCol="0" anchor="ctr"/>
+          <a:lstStyle/>
+          <a:p>
+            <a:pPr algn="ctr"/>
+            <a:r>
+              <a:rPr lang="fr-FR" dirty="0" err="1"/>
+              <a:t>Footer</a:t>
+            </a:r>
+            <a:endParaRPr lang="fr-FR" dirty="0"/>
+          </a:p>
+        </p:txBody>
+      </p:sp>
+      <p:sp>
+        <p:nvSpPr>
+          <p:cNvPr id="7" name="Oval 6">
+            <a:extLst>
+              <a:ext uri="{FF2B5EF4-FFF2-40B4-BE49-F238E27FC236}">
+                <a16:creationId xmlns:a16="http://schemas.microsoft.com/office/drawing/2014/main" id="{BF446E54-9912-4E03-A19B-44A55444A2EE}"/>
+              </a:ext>
+            </a:extLst>
+          </p:cNvPr>
+          <p:cNvSpPr/>
+          <p:nvPr/>
+        </p:nvSpPr>
+        <p:spPr>
+          <a:xfrm>
+            <a:off x="1824745" y="2487413"/>
+            <a:ext cx="1304972" cy="790336"/>
+          </a:xfrm>
+          <a:prstGeom prst="ellipse">
+            <a:avLst/>
+          </a:prstGeom>
+        </p:spPr>
+        <p:style>
+          <a:lnRef idx="2">
+            <a:schemeClr val="accent6">
+              <a:shade val="50000"/>
+            </a:schemeClr>
+          </a:lnRef>
+          <a:fillRef idx="1">
+            <a:schemeClr val="accent6"/>
+          </a:fillRef>
+          <a:effectRef idx="0">
+            <a:schemeClr val="accent6"/>
+          </a:effectRef>
+          <a:fontRef idx="minor">
+            <a:schemeClr val="lt1"/>
+          </a:fontRef>
+        </p:style>
+        <p:txBody>
+          <a:bodyPr rtlCol="0" anchor="ctr"/>
+          <a:lstStyle/>
+          <a:p>
+            <a:pPr algn="ctr"/>
+            <a:r>
+              <a:rPr lang="fr-FR" dirty="0"/>
+              <a:t>Body</a:t>
+            </a:r>
+          </a:p>
+        </p:txBody>
+      </p:sp>
+      <p:sp>
+        <p:nvSpPr>
+          <p:cNvPr id="9" name="Oval 8">
+            <a:extLst>
+              <a:ext uri="{FF2B5EF4-FFF2-40B4-BE49-F238E27FC236}">
+                <a16:creationId xmlns:a16="http://schemas.microsoft.com/office/drawing/2014/main" id="{7E66784D-C9F4-495E-8225-E8898D18E3D1}"/>
+              </a:ext>
+            </a:extLst>
+          </p:cNvPr>
+          <p:cNvSpPr/>
+          <p:nvPr/>
+        </p:nvSpPr>
+        <p:spPr>
+          <a:xfrm>
+            <a:off x="1872452" y="1642703"/>
+            <a:ext cx="1304972" cy="790336"/>
+          </a:xfrm>
+          <a:prstGeom prst="ellipse">
+            <a:avLst/>
+          </a:prstGeom>
+        </p:spPr>
+        <p:style>
+          <a:lnRef idx="2">
+            <a:schemeClr val="accent6">
+              <a:shade val="50000"/>
+            </a:schemeClr>
+          </a:lnRef>
+          <a:fillRef idx="1">
+            <a:schemeClr val="accent6"/>
+          </a:fillRef>
+          <a:effectRef idx="0">
+            <a:schemeClr val="accent6"/>
+          </a:effectRef>
+          <a:fontRef idx="minor">
+            <a:schemeClr val="lt1"/>
+          </a:fontRef>
+        </p:style>
+        <p:txBody>
+          <a:bodyPr rtlCol="0" anchor="ctr"/>
+          <a:lstStyle/>
+          <a:p>
+            <a:pPr algn="ctr"/>
+            <a:r>
+              <a:rPr lang="fr-FR" dirty="0"/>
+              <a:t>Header</a:t>
+            </a:r>
+          </a:p>
+        </p:txBody>
+      </p:sp>
+      <p:sp>
+        <p:nvSpPr>
+          <p:cNvPr id="2" name="TextBox 1">
+            <a:extLst>
+              <a:ext uri="{FF2B5EF4-FFF2-40B4-BE49-F238E27FC236}">
+                <a16:creationId xmlns:a16="http://schemas.microsoft.com/office/drawing/2014/main" id="{A896049B-0821-4E93-952C-FADF8FD9A53D}"/>
+              </a:ext>
+            </a:extLst>
+          </p:cNvPr>
+          <p:cNvSpPr txBox="1"/>
+          <p:nvPr/>
+        </p:nvSpPr>
+        <p:spPr>
+          <a:xfrm>
+            <a:off x="1396872" y="1236048"/>
+            <a:ext cx="855747" cy="369332"/>
+          </a:xfrm>
+          <a:prstGeom prst="rect">
+            <a:avLst/>
+          </a:prstGeom>
+          <a:noFill/>
+        </p:spPr>
+        <p:txBody>
+          <a:bodyPr wrap="none" rtlCol="0">
+            <a:spAutoFit/>
+          </a:bodyPr>
+          <a:lstStyle/>
+          <a:p>
+            <a:r>
+              <a:rPr lang="fr-FR" dirty="0" err="1"/>
+              <a:t>layout</a:t>
+            </a:r>
+            <a:r>
+              <a:rPr lang="fr-FR" dirty="0"/>
+              <a:t>/</a:t>
+            </a:r>
+          </a:p>
+        </p:txBody>
+      </p:sp>
+      <p:cxnSp>
+        <p:nvCxnSpPr>
+          <p:cNvPr id="10" name="Straight Arrow Connector 9">
+            <a:extLst>
+              <a:ext uri="{FF2B5EF4-FFF2-40B4-BE49-F238E27FC236}">
+                <a16:creationId xmlns:a16="http://schemas.microsoft.com/office/drawing/2014/main" id="{6B90F58F-3DA5-4B2E-BA2F-BF79D44EAF73}"/>
+              </a:ext>
+            </a:extLst>
+          </p:cNvPr>
+          <p:cNvCxnSpPr>
+            <a:cxnSpLocks/>
+            <a:stCxn id="9" idx="6"/>
+            <a:endCxn id="4" idx="3"/>
+          </p:cNvCxnSpPr>
+          <p:nvPr/>
+        </p:nvCxnSpPr>
+        <p:spPr>
+          <a:xfrm flipV="1">
+            <a:off x="3177424" y="1180041"/>
+            <a:ext cx="1645420" cy="857830"/>
+          </a:xfrm>
+          <a:prstGeom prst="straightConnector1">
+            <a:avLst/>
+          </a:prstGeom>
+          <a:ln w="76200">
+            <a:prstDash val="sysDash"/>
+            <a:tailEnd type="triangle"/>
+          </a:ln>
+        </p:spPr>
+        <p:style>
+          <a:lnRef idx="1">
+            <a:schemeClr val="accent1"/>
+          </a:lnRef>
+          <a:fillRef idx="0">
+            <a:schemeClr val="accent1"/>
+          </a:fillRef>
+          <a:effectRef idx="0">
+            <a:schemeClr val="accent1"/>
+          </a:effectRef>
+          <a:fontRef idx="minor">
+            <a:schemeClr val="tx1"/>
+          </a:fontRef>
+        </p:style>
+      </p:cxnSp>
+      <p:cxnSp>
+        <p:nvCxnSpPr>
+          <p:cNvPr id="12" name="Straight Arrow Connector 11">
+            <a:extLst>
+              <a:ext uri="{FF2B5EF4-FFF2-40B4-BE49-F238E27FC236}">
+                <a16:creationId xmlns:a16="http://schemas.microsoft.com/office/drawing/2014/main" id="{0C223114-59C3-4C0A-8C14-A274AA761FD5}"/>
+              </a:ext>
+            </a:extLst>
+          </p:cNvPr>
+          <p:cNvCxnSpPr>
+            <a:cxnSpLocks/>
+            <a:stCxn id="7" idx="7"/>
+            <a:endCxn id="4" idx="3"/>
+          </p:cNvCxnSpPr>
+          <p:nvPr/>
+        </p:nvCxnSpPr>
+        <p:spPr>
+          <a:xfrm flipV="1">
+            <a:off x="2938608" y="1180041"/>
+            <a:ext cx="1884236" cy="1423114"/>
+          </a:xfrm>
+          <a:prstGeom prst="straightConnector1">
+            <a:avLst/>
+          </a:prstGeom>
+          <a:ln w="76200">
+            <a:prstDash val="sysDash"/>
+            <a:tailEnd type="triangle"/>
+          </a:ln>
+        </p:spPr>
+        <p:style>
+          <a:lnRef idx="1">
+            <a:schemeClr val="accent1"/>
+          </a:lnRef>
+          <a:fillRef idx="0">
+            <a:schemeClr val="accent1"/>
+          </a:fillRef>
+          <a:effectRef idx="0">
+            <a:schemeClr val="accent1"/>
+          </a:effectRef>
+          <a:fontRef idx="minor">
+            <a:schemeClr val="tx1"/>
+          </a:fontRef>
+        </p:style>
+      </p:cxnSp>
+      <p:cxnSp>
+        <p:nvCxnSpPr>
+          <p:cNvPr id="13" name="Straight Arrow Connector 12">
+            <a:extLst>
+              <a:ext uri="{FF2B5EF4-FFF2-40B4-BE49-F238E27FC236}">
+                <a16:creationId xmlns:a16="http://schemas.microsoft.com/office/drawing/2014/main" id="{012BA4DD-8882-4928-9779-2B61D79C718F}"/>
+              </a:ext>
+            </a:extLst>
+          </p:cNvPr>
+          <p:cNvCxnSpPr>
+            <a:cxnSpLocks/>
+            <a:stCxn id="5" idx="6"/>
+            <a:endCxn id="4" idx="3"/>
+          </p:cNvCxnSpPr>
+          <p:nvPr/>
+        </p:nvCxnSpPr>
+        <p:spPr>
+          <a:xfrm flipV="1">
+            <a:off x="3129717" y="1180041"/>
+            <a:ext cx="1693127" cy="2584573"/>
+          </a:xfrm>
+          <a:prstGeom prst="straightConnector1">
+            <a:avLst/>
+          </a:prstGeom>
+          <a:ln w="76200">
+            <a:prstDash val="sysDash"/>
+            <a:tailEnd type="triangle"/>
+          </a:ln>
+        </p:spPr>
+        <p:style>
+          <a:lnRef idx="1">
+            <a:schemeClr val="accent1"/>
+          </a:lnRef>
+          <a:fillRef idx="0">
+            <a:schemeClr val="accent1"/>
+          </a:fillRef>
+          <a:effectRef idx="0">
+            <a:schemeClr val="accent1"/>
+          </a:effectRef>
+          <a:fontRef idx="minor">
+            <a:schemeClr val="tx1"/>
+          </a:fontRef>
+        </p:style>
+      </p:cxnSp>
+    </p:spTree>
+    <p:extLst>
+      <p:ext uri="{BB962C8B-B14F-4D97-AF65-F5344CB8AC3E}">
+        <p14:creationId xmlns:p14="http://schemas.microsoft.com/office/powerpoint/2010/main" val="3145265998"/>
+      </p:ext>
+    </p:extLst>
+  </p:cSld>
+  <p:clrMapOvr>
+    <a:masterClrMapping/>
+  </p:clrMapOvr>
+</p:sld>
+</file>
+
+<file path=ppt/slides/slide31.xml><?xml version="1.0" encoding="utf-8"?>
+<p:sld xmlns:a="http://schemas.openxmlformats.org/drawingml/2006/main" xmlns:r="http://schemas.openxmlformats.org/officeDocument/2006/relationships" xmlns:p="http://schemas.openxmlformats.org/presentationml/2006/main">
+  <p:cSld>
+    <p:spTree>
+      <p:nvGrpSpPr>
+        <p:cNvPr id="1" name=""/>
+        <p:cNvGrpSpPr/>
+        <p:nvPr/>
+      </p:nvGrpSpPr>
+      <p:grpSpPr>
+        <a:xfrm>
+          <a:off x="0" y="0"/>
+          <a:ext cx="0" cy="0"/>
+          <a:chOff x="0" y="0"/>
+          <a:chExt cx="0" cy="0"/>
+        </a:xfrm>
+      </p:grpSpPr>
+      <p:sp>
+        <p:nvSpPr>
+          <p:cNvPr id="4" name="Oval 3">
+            <a:extLst>
+              <a:ext uri="{FF2B5EF4-FFF2-40B4-BE49-F238E27FC236}">
+                <a16:creationId xmlns:a16="http://schemas.microsoft.com/office/drawing/2014/main" id="{461ECB4C-713A-4A70-A1B0-CB820378AA0E}"/>
+              </a:ext>
+            </a:extLst>
+          </p:cNvPr>
+          <p:cNvSpPr/>
+          <p:nvPr/>
+        </p:nvSpPr>
+        <p:spPr>
+          <a:xfrm>
+            <a:off x="4631735" y="505447"/>
+            <a:ext cx="1304972" cy="790336"/>
+          </a:xfrm>
+          <a:prstGeom prst="ellipse">
+            <a:avLst/>
+          </a:prstGeom>
+        </p:spPr>
+        <p:style>
+          <a:lnRef idx="2">
+            <a:schemeClr val="accent6">
+              <a:shade val="50000"/>
+            </a:schemeClr>
+          </a:lnRef>
+          <a:fillRef idx="1">
+            <a:schemeClr val="accent6"/>
+          </a:fillRef>
+          <a:effectRef idx="0">
+            <a:schemeClr val="accent6"/>
+          </a:effectRef>
+          <a:fontRef idx="minor">
+            <a:schemeClr val="lt1"/>
+          </a:fontRef>
+        </p:style>
+        <p:txBody>
+          <a:bodyPr rtlCol="0" anchor="ctr"/>
+          <a:lstStyle/>
+          <a:p>
+            <a:pPr algn="ctr"/>
+            <a:r>
+              <a:rPr lang="fr-FR" dirty="0"/>
+              <a:t>App</a:t>
+            </a:r>
+          </a:p>
+        </p:txBody>
+      </p:sp>
+      <p:sp>
+        <p:nvSpPr>
+          <p:cNvPr id="5" name="Oval 4">
+            <a:extLst>
+              <a:ext uri="{FF2B5EF4-FFF2-40B4-BE49-F238E27FC236}">
+                <a16:creationId xmlns:a16="http://schemas.microsoft.com/office/drawing/2014/main" id="{653B940D-FF08-4865-AC91-91250DE4D7E0}"/>
+              </a:ext>
+            </a:extLst>
+          </p:cNvPr>
+          <p:cNvSpPr/>
+          <p:nvPr/>
+        </p:nvSpPr>
+        <p:spPr>
+          <a:xfrm>
+            <a:off x="1824745" y="3369446"/>
+            <a:ext cx="1304972" cy="790336"/>
+          </a:xfrm>
+          <a:prstGeom prst="ellipse">
+            <a:avLst/>
+          </a:prstGeom>
+        </p:spPr>
+        <p:style>
+          <a:lnRef idx="2">
+            <a:schemeClr val="accent6">
+              <a:shade val="50000"/>
+            </a:schemeClr>
+          </a:lnRef>
+          <a:fillRef idx="1">
+            <a:schemeClr val="accent6"/>
+          </a:fillRef>
+          <a:effectRef idx="0">
+            <a:schemeClr val="accent6"/>
+          </a:effectRef>
+          <a:fontRef idx="minor">
+            <a:schemeClr val="lt1"/>
+          </a:fontRef>
+        </p:style>
+        <p:txBody>
+          <a:bodyPr rtlCol="0" anchor="ctr"/>
+          <a:lstStyle/>
+          <a:p>
+            <a:pPr algn="ctr"/>
+            <a:r>
+              <a:rPr lang="fr-FR" dirty="0" err="1"/>
+              <a:t>Footer</a:t>
+            </a:r>
+            <a:endParaRPr lang="fr-FR" dirty="0"/>
+          </a:p>
+        </p:txBody>
+      </p:sp>
+      <p:sp>
+        <p:nvSpPr>
+          <p:cNvPr id="7" name="Oval 6">
+            <a:extLst>
+              <a:ext uri="{FF2B5EF4-FFF2-40B4-BE49-F238E27FC236}">
+                <a16:creationId xmlns:a16="http://schemas.microsoft.com/office/drawing/2014/main" id="{BF446E54-9912-4E03-A19B-44A55444A2EE}"/>
+              </a:ext>
+            </a:extLst>
+          </p:cNvPr>
+          <p:cNvSpPr/>
+          <p:nvPr/>
+        </p:nvSpPr>
+        <p:spPr>
+          <a:xfrm>
+            <a:off x="1824745" y="2487413"/>
+            <a:ext cx="1304972" cy="790336"/>
+          </a:xfrm>
+          <a:prstGeom prst="ellipse">
+            <a:avLst/>
+          </a:prstGeom>
+        </p:spPr>
+        <p:style>
+          <a:lnRef idx="2">
+            <a:schemeClr val="accent6">
+              <a:shade val="50000"/>
+            </a:schemeClr>
+          </a:lnRef>
+          <a:fillRef idx="1">
+            <a:schemeClr val="accent6"/>
+          </a:fillRef>
+          <a:effectRef idx="0">
+            <a:schemeClr val="accent6"/>
+          </a:effectRef>
+          <a:fontRef idx="minor">
+            <a:schemeClr val="lt1"/>
+          </a:fontRef>
+        </p:style>
+        <p:txBody>
+          <a:bodyPr rtlCol="0" anchor="ctr"/>
+          <a:lstStyle/>
+          <a:p>
+            <a:pPr algn="ctr"/>
+            <a:r>
+              <a:rPr lang="fr-FR" dirty="0"/>
+              <a:t>Body</a:t>
+            </a:r>
+          </a:p>
+        </p:txBody>
+      </p:sp>
+      <p:sp>
+        <p:nvSpPr>
+          <p:cNvPr id="9" name="Oval 8">
+            <a:extLst>
+              <a:ext uri="{FF2B5EF4-FFF2-40B4-BE49-F238E27FC236}">
+                <a16:creationId xmlns:a16="http://schemas.microsoft.com/office/drawing/2014/main" id="{7E66784D-C9F4-495E-8225-E8898D18E3D1}"/>
+              </a:ext>
+            </a:extLst>
+          </p:cNvPr>
+          <p:cNvSpPr/>
+          <p:nvPr/>
+        </p:nvSpPr>
+        <p:spPr>
+          <a:xfrm>
+            <a:off x="1872452" y="1642703"/>
+            <a:ext cx="1304972" cy="790336"/>
+          </a:xfrm>
+          <a:prstGeom prst="ellipse">
+            <a:avLst/>
+          </a:prstGeom>
+        </p:spPr>
+        <p:style>
+          <a:lnRef idx="2">
+            <a:schemeClr val="accent6">
+              <a:shade val="50000"/>
+            </a:schemeClr>
+          </a:lnRef>
+          <a:fillRef idx="1">
+            <a:schemeClr val="accent6"/>
+          </a:fillRef>
+          <a:effectRef idx="0">
+            <a:schemeClr val="accent6"/>
+          </a:effectRef>
+          <a:fontRef idx="minor">
+            <a:schemeClr val="lt1"/>
+          </a:fontRef>
+        </p:style>
+        <p:txBody>
+          <a:bodyPr rtlCol="0" anchor="ctr"/>
+          <a:lstStyle/>
+          <a:p>
+            <a:pPr algn="ctr"/>
+            <a:r>
+              <a:rPr lang="fr-FR" dirty="0"/>
+              <a:t>Header</a:t>
+            </a:r>
+          </a:p>
+        </p:txBody>
+      </p:sp>
+      <p:sp>
+        <p:nvSpPr>
+          <p:cNvPr id="2" name="TextBox 1">
+            <a:extLst>
+              <a:ext uri="{FF2B5EF4-FFF2-40B4-BE49-F238E27FC236}">
+                <a16:creationId xmlns:a16="http://schemas.microsoft.com/office/drawing/2014/main" id="{A896049B-0821-4E93-952C-FADF8FD9A53D}"/>
+              </a:ext>
+            </a:extLst>
+          </p:cNvPr>
+          <p:cNvSpPr txBox="1"/>
+          <p:nvPr/>
+        </p:nvSpPr>
+        <p:spPr>
+          <a:xfrm>
+            <a:off x="1396872" y="1236048"/>
+            <a:ext cx="855747" cy="369332"/>
+          </a:xfrm>
+          <a:prstGeom prst="rect">
+            <a:avLst/>
+          </a:prstGeom>
+          <a:noFill/>
+        </p:spPr>
+        <p:txBody>
+          <a:bodyPr wrap="none" rtlCol="0">
+            <a:spAutoFit/>
+          </a:bodyPr>
+          <a:lstStyle/>
+          <a:p>
+            <a:r>
+              <a:rPr lang="fr-FR" dirty="0" err="1"/>
+              <a:t>layout</a:t>
+            </a:r>
+            <a:r>
+              <a:rPr lang="fr-FR" dirty="0"/>
+              <a:t>/</a:t>
+            </a:r>
+          </a:p>
+        </p:txBody>
+      </p:sp>
+      <p:cxnSp>
+        <p:nvCxnSpPr>
+          <p:cNvPr id="10" name="Straight Arrow Connector 9">
+            <a:extLst>
+              <a:ext uri="{FF2B5EF4-FFF2-40B4-BE49-F238E27FC236}">
+                <a16:creationId xmlns:a16="http://schemas.microsoft.com/office/drawing/2014/main" id="{6B90F58F-3DA5-4B2E-BA2F-BF79D44EAF73}"/>
+              </a:ext>
+            </a:extLst>
+          </p:cNvPr>
+          <p:cNvCxnSpPr>
+            <a:cxnSpLocks/>
+            <a:stCxn id="9" idx="6"/>
+            <a:endCxn id="4" idx="3"/>
+          </p:cNvCxnSpPr>
+          <p:nvPr/>
+        </p:nvCxnSpPr>
+        <p:spPr>
+          <a:xfrm flipV="1">
+            <a:off x="3177424" y="1180041"/>
+            <a:ext cx="1645420" cy="857830"/>
+          </a:xfrm>
+          <a:prstGeom prst="straightConnector1">
+            <a:avLst/>
+          </a:prstGeom>
+          <a:ln w="76200">
+            <a:prstDash val="sysDash"/>
+            <a:tailEnd type="triangle"/>
+          </a:ln>
+        </p:spPr>
+        <p:style>
+          <a:lnRef idx="1">
+            <a:schemeClr val="accent1"/>
+          </a:lnRef>
+          <a:fillRef idx="0">
+            <a:schemeClr val="accent1"/>
+          </a:fillRef>
+          <a:effectRef idx="0">
+            <a:schemeClr val="accent1"/>
+          </a:effectRef>
+          <a:fontRef idx="minor">
+            <a:schemeClr val="tx1"/>
+          </a:fontRef>
+        </p:style>
+      </p:cxnSp>
+      <p:cxnSp>
+        <p:nvCxnSpPr>
+          <p:cNvPr id="12" name="Straight Arrow Connector 11">
+            <a:extLst>
+              <a:ext uri="{FF2B5EF4-FFF2-40B4-BE49-F238E27FC236}">
+                <a16:creationId xmlns:a16="http://schemas.microsoft.com/office/drawing/2014/main" id="{0C223114-59C3-4C0A-8C14-A274AA761FD5}"/>
+              </a:ext>
+            </a:extLst>
+          </p:cNvPr>
+          <p:cNvCxnSpPr>
+            <a:cxnSpLocks/>
+            <a:stCxn id="7" idx="7"/>
+            <a:endCxn id="4" idx="3"/>
+          </p:cNvCxnSpPr>
+          <p:nvPr/>
+        </p:nvCxnSpPr>
+        <p:spPr>
+          <a:xfrm flipV="1">
+            <a:off x="2938608" y="1180041"/>
+            <a:ext cx="1884236" cy="1423114"/>
+          </a:xfrm>
+          <a:prstGeom prst="straightConnector1">
+            <a:avLst/>
+          </a:prstGeom>
+          <a:ln w="76200">
+            <a:prstDash val="sysDash"/>
+            <a:tailEnd type="triangle"/>
+          </a:ln>
+        </p:spPr>
+        <p:style>
+          <a:lnRef idx="1">
+            <a:schemeClr val="accent1"/>
+          </a:lnRef>
+          <a:fillRef idx="0">
+            <a:schemeClr val="accent1"/>
+          </a:fillRef>
+          <a:effectRef idx="0">
+            <a:schemeClr val="accent1"/>
+          </a:effectRef>
+          <a:fontRef idx="minor">
+            <a:schemeClr val="tx1"/>
+          </a:fontRef>
+        </p:style>
+      </p:cxnSp>
+      <p:cxnSp>
+        <p:nvCxnSpPr>
+          <p:cNvPr id="13" name="Straight Arrow Connector 12">
+            <a:extLst>
+              <a:ext uri="{FF2B5EF4-FFF2-40B4-BE49-F238E27FC236}">
+                <a16:creationId xmlns:a16="http://schemas.microsoft.com/office/drawing/2014/main" id="{012BA4DD-8882-4928-9779-2B61D79C718F}"/>
+              </a:ext>
+            </a:extLst>
+          </p:cNvPr>
+          <p:cNvCxnSpPr>
+            <a:cxnSpLocks/>
+            <a:stCxn id="5" idx="6"/>
+            <a:endCxn id="4" idx="3"/>
+          </p:cNvCxnSpPr>
+          <p:nvPr/>
+        </p:nvCxnSpPr>
+        <p:spPr>
+          <a:xfrm flipV="1">
+            <a:off x="3129717" y="1180041"/>
+            <a:ext cx="1693127" cy="2584573"/>
+          </a:xfrm>
+          <a:prstGeom prst="straightConnector1">
+            <a:avLst/>
+          </a:prstGeom>
+          <a:ln w="76200">
+            <a:prstDash val="sysDash"/>
+            <a:tailEnd type="triangle"/>
+          </a:ln>
+        </p:spPr>
+        <p:style>
+          <a:lnRef idx="1">
+            <a:schemeClr val="accent1"/>
+          </a:lnRef>
+          <a:fillRef idx="0">
+            <a:schemeClr val="accent1"/>
+          </a:fillRef>
+          <a:effectRef idx="0">
+            <a:schemeClr val="accent1"/>
+          </a:effectRef>
+          <a:fontRef idx="minor">
+            <a:schemeClr val="tx1"/>
+          </a:fontRef>
+        </p:style>
+      </p:cxnSp>
+      <p:sp>
+        <p:nvSpPr>
+          <p:cNvPr id="14" name="Oval 13">
+            <a:extLst>
+              <a:ext uri="{FF2B5EF4-FFF2-40B4-BE49-F238E27FC236}">
+                <a16:creationId xmlns:a16="http://schemas.microsoft.com/office/drawing/2014/main" id="{32D2F313-DEF0-4007-91F5-B558B250D4BA}"/>
+              </a:ext>
+            </a:extLst>
+          </p:cNvPr>
+          <p:cNvSpPr/>
+          <p:nvPr/>
+        </p:nvSpPr>
+        <p:spPr>
+          <a:xfrm>
+            <a:off x="7237086" y="3185084"/>
+            <a:ext cx="1304972" cy="790336"/>
+          </a:xfrm>
+          <a:prstGeom prst="ellipse">
+            <a:avLst/>
+          </a:prstGeom>
+        </p:spPr>
+        <p:style>
+          <a:lnRef idx="2">
+            <a:schemeClr val="accent6">
+              <a:shade val="50000"/>
+            </a:schemeClr>
+          </a:lnRef>
+          <a:fillRef idx="1">
+            <a:schemeClr val="accent6"/>
+          </a:fillRef>
+          <a:effectRef idx="0">
+            <a:schemeClr val="accent6"/>
+          </a:effectRef>
+          <a:fontRef idx="minor">
+            <a:schemeClr val="lt1"/>
+          </a:fontRef>
+        </p:style>
+        <p:txBody>
+          <a:bodyPr rtlCol="0" anchor="ctr"/>
+          <a:lstStyle/>
+          <a:p>
+            <a:pPr algn="ctr"/>
+            <a:r>
+              <a:rPr lang="fr-FR" dirty="0"/>
+              <a:t>Home</a:t>
+            </a:r>
+          </a:p>
+        </p:txBody>
+      </p:sp>
+      <p:sp>
+        <p:nvSpPr>
+          <p:cNvPr id="15" name="Oval 14">
+            <a:extLst>
+              <a:ext uri="{FF2B5EF4-FFF2-40B4-BE49-F238E27FC236}">
+                <a16:creationId xmlns:a16="http://schemas.microsoft.com/office/drawing/2014/main" id="{46480544-8DA8-4829-9D93-FCEA16107F7C}"/>
+              </a:ext>
+            </a:extLst>
+          </p:cNvPr>
+          <p:cNvSpPr/>
+          <p:nvPr/>
+        </p:nvSpPr>
+        <p:spPr>
+          <a:xfrm>
+            <a:off x="7237086" y="4058895"/>
+            <a:ext cx="1304972" cy="790336"/>
+          </a:xfrm>
+          <a:prstGeom prst="ellipse">
+            <a:avLst/>
+          </a:prstGeom>
+        </p:spPr>
+        <p:style>
+          <a:lnRef idx="2">
+            <a:schemeClr val="accent6">
+              <a:shade val="50000"/>
+            </a:schemeClr>
+          </a:lnRef>
+          <a:fillRef idx="1">
+            <a:schemeClr val="accent6"/>
+          </a:fillRef>
+          <a:effectRef idx="0">
+            <a:schemeClr val="accent6"/>
+          </a:effectRef>
+          <a:fontRef idx="minor">
+            <a:schemeClr val="lt1"/>
+          </a:fontRef>
+        </p:style>
+        <p:txBody>
+          <a:bodyPr rtlCol="0" anchor="ctr"/>
+          <a:lstStyle/>
+          <a:p>
+            <a:pPr algn="ctr"/>
+            <a:r>
+              <a:rPr lang="fr-FR" dirty="0"/>
+              <a:t>Legal</a:t>
+            </a:r>
+          </a:p>
+        </p:txBody>
+      </p:sp>
+      <p:sp>
+        <p:nvSpPr>
+          <p:cNvPr id="3" name="Rectangle 2">
+            <a:extLst>
+              <a:ext uri="{FF2B5EF4-FFF2-40B4-BE49-F238E27FC236}">
+                <a16:creationId xmlns:a16="http://schemas.microsoft.com/office/drawing/2014/main" id="{373D4F58-59FB-407D-A84B-AC428617DA0A}"/>
+              </a:ext>
+            </a:extLst>
+          </p:cNvPr>
+          <p:cNvSpPr/>
+          <p:nvPr/>
+        </p:nvSpPr>
+        <p:spPr>
+          <a:xfrm>
+            <a:off x="9548358" y="2242348"/>
+            <a:ext cx="1268213" cy="822500"/>
+          </a:xfrm>
+          <a:prstGeom prst="rect">
+            <a:avLst/>
+          </a:prstGeom>
+        </p:spPr>
+        <p:style>
+          <a:lnRef idx="2">
+            <a:schemeClr val="accent1"/>
+          </a:lnRef>
+          <a:fillRef idx="1">
+            <a:schemeClr val="lt1"/>
+          </a:fillRef>
+          <a:effectRef idx="0">
+            <a:schemeClr val="accent1"/>
+          </a:effectRef>
+          <a:fontRef idx="minor">
+            <a:schemeClr val="dk1"/>
+          </a:fontRef>
+        </p:style>
+        <p:txBody>
+          <a:bodyPr rtlCol="0" anchor="ctr"/>
+          <a:lstStyle/>
+          <a:p>
+            <a:pPr algn="ctr"/>
+            <a:r>
+              <a:rPr lang="fr-FR" dirty="0"/>
+              <a:t>config router</a:t>
+            </a:r>
+          </a:p>
+        </p:txBody>
+      </p:sp>
+      <p:cxnSp>
+        <p:nvCxnSpPr>
+          <p:cNvPr id="16" name="Straight Arrow Connector 15">
+            <a:extLst>
+              <a:ext uri="{FF2B5EF4-FFF2-40B4-BE49-F238E27FC236}">
+                <a16:creationId xmlns:a16="http://schemas.microsoft.com/office/drawing/2014/main" id="{C44B5BA9-440F-4E4B-95AA-87A941521F9B}"/>
+              </a:ext>
+            </a:extLst>
+          </p:cNvPr>
+          <p:cNvCxnSpPr>
+            <a:stCxn id="14" idx="7"/>
+            <a:endCxn id="3" idx="1"/>
+          </p:cNvCxnSpPr>
+          <p:nvPr/>
+        </p:nvCxnSpPr>
+        <p:spPr>
+          <a:xfrm flipV="1">
+            <a:off x="8350949" y="2653598"/>
+            <a:ext cx="1197409" cy="647228"/>
+          </a:xfrm>
+          <a:prstGeom prst="straightConnector1">
+            <a:avLst/>
+          </a:prstGeom>
+          <a:ln w="76200">
+            <a:tailEnd type="triangle"/>
+          </a:ln>
+        </p:spPr>
+        <p:style>
+          <a:lnRef idx="1">
+            <a:schemeClr val="accent1"/>
+          </a:lnRef>
+          <a:fillRef idx="0">
+            <a:schemeClr val="accent1"/>
+          </a:fillRef>
+          <a:effectRef idx="0">
+            <a:schemeClr val="accent1"/>
+          </a:effectRef>
+          <a:fontRef idx="minor">
+            <a:schemeClr val="tx1"/>
+          </a:fontRef>
+        </p:style>
+      </p:cxnSp>
+      <p:cxnSp>
+        <p:nvCxnSpPr>
+          <p:cNvPr id="18" name="Straight Arrow Connector 17">
+            <a:extLst>
+              <a:ext uri="{FF2B5EF4-FFF2-40B4-BE49-F238E27FC236}">
+                <a16:creationId xmlns:a16="http://schemas.microsoft.com/office/drawing/2014/main" id="{4E0998EB-3C7D-4F46-9647-E6EDCB056EF9}"/>
+              </a:ext>
+            </a:extLst>
+          </p:cNvPr>
+          <p:cNvCxnSpPr>
+            <a:stCxn id="15" idx="7"/>
+            <a:endCxn id="3" idx="1"/>
+          </p:cNvCxnSpPr>
+          <p:nvPr/>
+        </p:nvCxnSpPr>
+        <p:spPr>
+          <a:xfrm flipV="1">
+            <a:off x="8350949" y="2653598"/>
+            <a:ext cx="1197409" cy="1521039"/>
+          </a:xfrm>
+          <a:prstGeom prst="straightConnector1">
+            <a:avLst/>
+          </a:prstGeom>
+          <a:ln w="76200">
+            <a:tailEnd type="triangle"/>
+          </a:ln>
+        </p:spPr>
+        <p:style>
+          <a:lnRef idx="1">
+            <a:schemeClr val="accent1"/>
+          </a:lnRef>
+          <a:fillRef idx="0">
+            <a:schemeClr val="accent1"/>
+          </a:fillRef>
+          <a:effectRef idx="0">
+            <a:schemeClr val="accent1"/>
+          </a:effectRef>
+          <a:fontRef idx="minor">
+            <a:schemeClr val="tx1"/>
+          </a:fontRef>
+        </p:style>
+      </p:cxnSp>
+      <p:sp>
+        <p:nvSpPr>
+          <p:cNvPr id="20" name="Rectangle 19">
+            <a:extLst>
+              <a:ext uri="{FF2B5EF4-FFF2-40B4-BE49-F238E27FC236}">
+                <a16:creationId xmlns:a16="http://schemas.microsoft.com/office/drawing/2014/main" id="{FE6D4804-A144-4E27-A2C6-2C50173B396B}"/>
+              </a:ext>
+            </a:extLst>
+          </p:cNvPr>
+          <p:cNvSpPr/>
+          <p:nvPr/>
+        </p:nvSpPr>
+        <p:spPr>
+          <a:xfrm>
+            <a:off x="85148" y="1759875"/>
+            <a:ext cx="1594722" cy="418143"/>
+          </a:xfrm>
+          <a:prstGeom prst="rect">
+            <a:avLst/>
+          </a:prstGeom>
+        </p:spPr>
+        <p:style>
+          <a:lnRef idx="2">
+            <a:schemeClr val="accent1">
+              <a:shade val="50000"/>
+            </a:schemeClr>
+          </a:lnRef>
+          <a:fillRef idx="1">
+            <a:schemeClr val="accent1"/>
+          </a:fillRef>
+          <a:effectRef idx="0">
+            <a:schemeClr val="accent1"/>
+          </a:effectRef>
+          <a:fontRef idx="minor">
+            <a:schemeClr val="lt1"/>
+          </a:fontRef>
+        </p:style>
+        <p:txBody>
+          <a:bodyPr rtlCol="0" anchor="ctr"/>
+          <a:lstStyle/>
+          <a:p>
+            <a:pPr algn="ctr"/>
+            <a:r>
+              <a:rPr lang="fr-FR" dirty="0" err="1"/>
+              <a:t>RouterModule</a:t>
+            </a:r>
+            <a:endParaRPr lang="fr-FR" dirty="0"/>
+          </a:p>
+        </p:txBody>
+      </p:sp>
+      <p:cxnSp>
+        <p:nvCxnSpPr>
+          <p:cNvPr id="22" name="Straight Arrow Connector 21">
+            <a:extLst>
+              <a:ext uri="{FF2B5EF4-FFF2-40B4-BE49-F238E27FC236}">
+                <a16:creationId xmlns:a16="http://schemas.microsoft.com/office/drawing/2014/main" id="{C0CBE830-D501-4530-9C00-27067FA4A128}"/>
+              </a:ext>
+            </a:extLst>
+          </p:cNvPr>
+          <p:cNvCxnSpPr>
+            <a:stCxn id="20" idx="3"/>
+            <a:endCxn id="9" idx="2"/>
+          </p:cNvCxnSpPr>
+          <p:nvPr/>
+        </p:nvCxnSpPr>
+        <p:spPr>
+          <a:xfrm>
+            <a:off x="1679870" y="1968947"/>
+            <a:ext cx="192582" cy="68924"/>
+          </a:xfrm>
+          <a:prstGeom prst="straightConnector1">
+            <a:avLst/>
+          </a:prstGeom>
+          <a:ln w="76200">
+            <a:tailEnd type="triangle"/>
+          </a:ln>
+        </p:spPr>
+        <p:style>
+          <a:lnRef idx="1">
+            <a:schemeClr val="accent1"/>
+          </a:lnRef>
+          <a:fillRef idx="0">
+            <a:schemeClr val="accent1"/>
+          </a:fillRef>
+          <a:effectRef idx="0">
+            <a:schemeClr val="accent1"/>
+          </a:effectRef>
+          <a:fontRef idx="minor">
+            <a:schemeClr val="tx1"/>
+          </a:fontRef>
+        </p:style>
+      </p:cxnSp>
+      <p:cxnSp>
+        <p:nvCxnSpPr>
+          <p:cNvPr id="24" name="Straight Arrow Connector 23">
+            <a:extLst>
+              <a:ext uri="{FF2B5EF4-FFF2-40B4-BE49-F238E27FC236}">
+                <a16:creationId xmlns:a16="http://schemas.microsoft.com/office/drawing/2014/main" id="{FFDB1D4D-F25F-4CC3-A7AD-0AB3DBD352F3}"/>
+              </a:ext>
+            </a:extLst>
+          </p:cNvPr>
+          <p:cNvCxnSpPr>
+            <a:stCxn id="20" idx="2"/>
+            <a:endCxn id="7" idx="2"/>
+          </p:cNvCxnSpPr>
+          <p:nvPr/>
+        </p:nvCxnSpPr>
+        <p:spPr>
+          <a:xfrm>
+            <a:off x="882509" y="2178018"/>
+            <a:ext cx="942236" cy="704563"/>
+          </a:xfrm>
+          <a:prstGeom prst="straightConnector1">
+            <a:avLst/>
+          </a:prstGeom>
+          <a:ln w="76200">
+            <a:tailEnd type="triangle"/>
+          </a:ln>
+        </p:spPr>
+        <p:style>
+          <a:lnRef idx="1">
+            <a:schemeClr val="accent1"/>
+          </a:lnRef>
+          <a:fillRef idx="0">
+            <a:schemeClr val="accent1"/>
+          </a:fillRef>
+          <a:effectRef idx="0">
+            <a:schemeClr val="accent1"/>
+          </a:effectRef>
+          <a:fontRef idx="minor">
+            <a:schemeClr val="tx1"/>
+          </a:fontRef>
+        </p:style>
+      </p:cxnSp>
+      <p:cxnSp>
+        <p:nvCxnSpPr>
+          <p:cNvPr id="26" name="Straight Arrow Connector 25">
+            <a:extLst>
+              <a:ext uri="{FF2B5EF4-FFF2-40B4-BE49-F238E27FC236}">
+                <a16:creationId xmlns:a16="http://schemas.microsoft.com/office/drawing/2014/main" id="{28EB2879-7B57-43FC-9BEA-8CC9753CFA72}"/>
+              </a:ext>
+            </a:extLst>
+          </p:cNvPr>
+          <p:cNvCxnSpPr>
+            <a:endCxn id="5" idx="2"/>
+          </p:cNvCxnSpPr>
+          <p:nvPr/>
+        </p:nvCxnSpPr>
+        <p:spPr>
+          <a:xfrm>
+            <a:off x="951160" y="2242348"/>
+            <a:ext cx="873585" cy="1522266"/>
+          </a:xfrm>
+          <a:prstGeom prst="straightConnector1">
+            <a:avLst/>
+          </a:prstGeom>
+          <a:ln w="76200">
+            <a:tailEnd type="triangle"/>
+          </a:ln>
+        </p:spPr>
+        <p:style>
+          <a:lnRef idx="1">
+            <a:schemeClr val="accent1"/>
+          </a:lnRef>
+          <a:fillRef idx="0">
+            <a:schemeClr val="accent1"/>
+          </a:fillRef>
+          <a:effectRef idx="0">
+            <a:schemeClr val="accent1"/>
+          </a:effectRef>
+          <a:fontRef idx="minor">
+            <a:schemeClr val="tx1"/>
+          </a:fontRef>
+        </p:style>
+      </p:cxnSp>
+    </p:spTree>
+    <p:extLst>
+      <p:ext uri="{BB962C8B-B14F-4D97-AF65-F5344CB8AC3E}">
+        <p14:creationId xmlns:p14="http://schemas.microsoft.com/office/powerpoint/2010/main" val="1126568571"/>
+      </p:ext>
+    </p:extLst>
+  </p:cSld>
+  <p:clrMapOvr>
+    <a:masterClrMapping/>
+  </p:clrMapOvr>
+</p:sld>
+</file>
+
+<file path=ppt/slides/slide32.xml><?xml version="1.0" encoding="utf-8"?>
+<p:sld xmlns:a="http://schemas.openxmlformats.org/drawingml/2006/main" xmlns:r="http://schemas.openxmlformats.org/officeDocument/2006/relationships" xmlns:p="http://schemas.openxmlformats.org/presentationml/2006/main">
+  <p:cSld>
+    <p:spTree>
+      <p:nvGrpSpPr>
+        <p:cNvPr id="1" name=""/>
+        <p:cNvGrpSpPr/>
+        <p:nvPr/>
+      </p:nvGrpSpPr>
+      <p:grpSpPr>
+        <a:xfrm>
+          <a:off x="0" y="0"/>
+          <a:ext cx="0" cy="0"/>
+          <a:chOff x="0" y="0"/>
+          <a:chExt cx="0" cy="0"/>
+        </a:xfrm>
+      </p:grpSpPr>
+      <p:sp>
+        <p:nvSpPr>
+          <p:cNvPr id="4" name="Oval 3">
+            <a:extLst>
+              <a:ext uri="{FF2B5EF4-FFF2-40B4-BE49-F238E27FC236}">
+                <a16:creationId xmlns:a16="http://schemas.microsoft.com/office/drawing/2014/main" id="{461ECB4C-713A-4A70-A1B0-CB820378AA0E}"/>
+              </a:ext>
+            </a:extLst>
+          </p:cNvPr>
+          <p:cNvSpPr/>
+          <p:nvPr/>
+        </p:nvSpPr>
+        <p:spPr>
+          <a:xfrm>
+            <a:off x="4631735" y="505447"/>
+            <a:ext cx="1304972" cy="790336"/>
+          </a:xfrm>
+          <a:prstGeom prst="ellipse">
+            <a:avLst/>
+          </a:prstGeom>
+        </p:spPr>
+        <p:style>
+          <a:lnRef idx="2">
+            <a:schemeClr val="accent6">
+              <a:shade val="50000"/>
+            </a:schemeClr>
+          </a:lnRef>
+          <a:fillRef idx="1">
+            <a:schemeClr val="accent6"/>
+          </a:fillRef>
+          <a:effectRef idx="0">
+            <a:schemeClr val="accent6"/>
+          </a:effectRef>
+          <a:fontRef idx="minor">
+            <a:schemeClr val="lt1"/>
+          </a:fontRef>
+        </p:style>
+        <p:txBody>
+          <a:bodyPr rtlCol="0" anchor="ctr"/>
+          <a:lstStyle/>
+          <a:p>
+            <a:pPr algn="ctr"/>
+            <a:r>
+              <a:rPr lang="fr-FR" dirty="0"/>
+              <a:t>App</a:t>
+            </a:r>
+          </a:p>
+        </p:txBody>
+      </p:sp>
+      <p:sp>
+        <p:nvSpPr>
+          <p:cNvPr id="5" name="Oval 4">
+            <a:extLst>
+              <a:ext uri="{FF2B5EF4-FFF2-40B4-BE49-F238E27FC236}">
+                <a16:creationId xmlns:a16="http://schemas.microsoft.com/office/drawing/2014/main" id="{653B940D-FF08-4865-AC91-91250DE4D7E0}"/>
+              </a:ext>
+            </a:extLst>
+          </p:cNvPr>
+          <p:cNvSpPr/>
+          <p:nvPr/>
+        </p:nvSpPr>
+        <p:spPr>
+          <a:xfrm>
+            <a:off x="1824745" y="3369446"/>
+            <a:ext cx="1304972" cy="790336"/>
+          </a:xfrm>
+          <a:prstGeom prst="ellipse">
+            <a:avLst/>
+          </a:prstGeom>
+        </p:spPr>
+        <p:style>
+          <a:lnRef idx="2">
+            <a:schemeClr val="accent6">
+              <a:shade val="50000"/>
+            </a:schemeClr>
+          </a:lnRef>
+          <a:fillRef idx="1">
+            <a:schemeClr val="accent6"/>
+          </a:fillRef>
+          <a:effectRef idx="0">
+            <a:schemeClr val="accent6"/>
+          </a:effectRef>
+          <a:fontRef idx="minor">
+            <a:schemeClr val="lt1"/>
+          </a:fontRef>
+        </p:style>
+        <p:txBody>
+          <a:bodyPr rtlCol="0" anchor="ctr"/>
+          <a:lstStyle/>
+          <a:p>
+            <a:pPr algn="ctr"/>
+            <a:r>
+              <a:rPr lang="fr-FR" dirty="0" err="1"/>
+              <a:t>Footer</a:t>
+            </a:r>
+            <a:endParaRPr lang="fr-FR" dirty="0"/>
+          </a:p>
+        </p:txBody>
+      </p:sp>
+      <p:sp>
+        <p:nvSpPr>
+          <p:cNvPr id="7" name="Oval 6">
+            <a:extLst>
+              <a:ext uri="{FF2B5EF4-FFF2-40B4-BE49-F238E27FC236}">
+                <a16:creationId xmlns:a16="http://schemas.microsoft.com/office/drawing/2014/main" id="{BF446E54-9912-4E03-A19B-44A55444A2EE}"/>
+              </a:ext>
+            </a:extLst>
+          </p:cNvPr>
+          <p:cNvSpPr/>
+          <p:nvPr/>
+        </p:nvSpPr>
+        <p:spPr>
+          <a:xfrm>
+            <a:off x="1824745" y="2487413"/>
+            <a:ext cx="1304972" cy="790336"/>
+          </a:xfrm>
+          <a:prstGeom prst="ellipse">
+            <a:avLst/>
+          </a:prstGeom>
+        </p:spPr>
+        <p:style>
+          <a:lnRef idx="2">
+            <a:schemeClr val="accent6">
+              <a:shade val="50000"/>
+            </a:schemeClr>
+          </a:lnRef>
+          <a:fillRef idx="1">
+            <a:schemeClr val="accent6"/>
+          </a:fillRef>
+          <a:effectRef idx="0">
+            <a:schemeClr val="accent6"/>
+          </a:effectRef>
+          <a:fontRef idx="minor">
+            <a:schemeClr val="lt1"/>
+          </a:fontRef>
+        </p:style>
+        <p:txBody>
+          <a:bodyPr rtlCol="0" anchor="ctr"/>
+          <a:lstStyle/>
+          <a:p>
+            <a:pPr algn="ctr"/>
+            <a:r>
+              <a:rPr lang="fr-FR" dirty="0"/>
+              <a:t>Body</a:t>
+            </a:r>
+          </a:p>
+        </p:txBody>
+      </p:sp>
+      <p:sp>
+        <p:nvSpPr>
+          <p:cNvPr id="9" name="Oval 8">
+            <a:extLst>
+              <a:ext uri="{FF2B5EF4-FFF2-40B4-BE49-F238E27FC236}">
+                <a16:creationId xmlns:a16="http://schemas.microsoft.com/office/drawing/2014/main" id="{7E66784D-C9F4-495E-8225-E8898D18E3D1}"/>
+              </a:ext>
+            </a:extLst>
+          </p:cNvPr>
+          <p:cNvSpPr/>
+          <p:nvPr/>
+        </p:nvSpPr>
+        <p:spPr>
+          <a:xfrm>
+            <a:off x="1872452" y="1642703"/>
+            <a:ext cx="1304972" cy="790336"/>
+          </a:xfrm>
+          <a:prstGeom prst="ellipse">
+            <a:avLst/>
+          </a:prstGeom>
+        </p:spPr>
+        <p:style>
+          <a:lnRef idx="2">
+            <a:schemeClr val="accent6">
+              <a:shade val="50000"/>
+            </a:schemeClr>
+          </a:lnRef>
+          <a:fillRef idx="1">
+            <a:schemeClr val="accent6"/>
+          </a:fillRef>
+          <a:effectRef idx="0">
+            <a:schemeClr val="accent6"/>
+          </a:effectRef>
+          <a:fontRef idx="minor">
+            <a:schemeClr val="lt1"/>
+          </a:fontRef>
+        </p:style>
+        <p:txBody>
+          <a:bodyPr rtlCol="0" anchor="ctr"/>
+          <a:lstStyle/>
+          <a:p>
+            <a:pPr algn="ctr"/>
+            <a:r>
+              <a:rPr lang="fr-FR" dirty="0"/>
+              <a:t>Header</a:t>
+            </a:r>
+          </a:p>
+        </p:txBody>
+      </p:sp>
+      <p:sp>
+        <p:nvSpPr>
+          <p:cNvPr id="2" name="TextBox 1">
+            <a:extLst>
+              <a:ext uri="{FF2B5EF4-FFF2-40B4-BE49-F238E27FC236}">
+                <a16:creationId xmlns:a16="http://schemas.microsoft.com/office/drawing/2014/main" id="{A896049B-0821-4E93-952C-FADF8FD9A53D}"/>
+              </a:ext>
+            </a:extLst>
+          </p:cNvPr>
+          <p:cNvSpPr txBox="1"/>
+          <p:nvPr/>
+        </p:nvSpPr>
+        <p:spPr>
+          <a:xfrm>
+            <a:off x="1396872" y="1236048"/>
+            <a:ext cx="855747" cy="369332"/>
+          </a:xfrm>
+          <a:prstGeom prst="rect">
+            <a:avLst/>
+          </a:prstGeom>
+          <a:noFill/>
+        </p:spPr>
+        <p:txBody>
+          <a:bodyPr wrap="none" rtlCol="0">
+            <a:spAutoFit/>
+          </a:bodyPr>
+          <a:lstStyle/>
+          <a:p>
+            <a:r>
+              <a:rPr lang="fr-FR" dirty="0" err="1"/>
+              <a:t>layout</a:t>
+            </a:r>
+            <a:r>
+              <a:rPr lang="fr-FR" dirty="0"/>
+              <a:t>/</a:t>
+            </a:r>
+          </a:p>
+        </p:txBody>
+      </p:sp>
+      <p:cxnSp>
+        <p:nvCxnSpPr>
+          <p:cNvPr id="10" name="Straight Arrow Connector 9">
+            <a:extLst>
+              <a:ext uri="{FF2B5EF4-FFF2-40B4-BE49-F238E27FC236}">
+                <a16:creationId xmlns:a16="http://schemas.microsoft.com/office/drawing/2014/main" id="{6B90F58F-3DA5-4B2E-BA2F-BF79D44EAF73}"/>
+              </a:ext>
+            </a:extLst>
+          </p:cNvPr>
+          <p:cNvCxnSpPr>
+            <a:cxnSpLocks/>
+            <a:stCxn id="9" idx="6"/>
+            <a:endCxn id="4" idx="3"/>
+          </p:cNvCxnSpPr>
+          <p:nvPr/>
+        </p:nvCxnSpPr>
+        <p:spPr>
+          <a:xfrm flipV="1">
+            <a:off x="3177424" y="1180041"/>
+            <a:ext cx="1645420" cy="857830"/>
+          </a:xfrm>
+          <a:prstGeom prst="straightConnector1">
+            <a:avLst/>
+          </a:prstGeom>
+          <a:ln w="76200">
+            <a:prstDash val="sysDash"/>
+            <a:tailEnd type="triangle"/>
+          </a:ln>
+        </p:spPr>
+        <p:style>
+          <a:lnRef idx="1">
+            <a:schemeClr val="accent1"/>
+          </a:lnRef>
+          <a:fillRef idx="0">
+            <a:schemeClr val="accent1"/>
+          </a:fillRef>
+          <a:effectRef idx="0">
+            <a:schemeClr val="accent1"/>
+          </a:effectRef>
+          <a:fontRef idx="minor">
+            <a:schemeClr val="tx1"/>
+          </a:fontRef>
+        </p:style>
+      </p:cxnSp>
+      <p:cxnSp>
+        <p:nvCxnSpPr>
+          <p:cNvPr id="12" name="Straight Arrow Connector 11">
+            <a:extLst>
+              <a:ext uri="{FF2B5EF4-FFF2-40B4-BE49-F238E27FC236}">
+                <a16:creationId xmlns:a16="http://schemas.microsoft.com/office/drawing/2014/main" id="{0C223114-59C3-4C0A-8C14-A274AA761FD5}"/>
+              </a:ext>
+            </a:extLst>
+          </p:cNvPr>
+          <p:cNvCxnSpPr>
+            <a:cxnSpLocks/>
+            <a:stCxn id="7" idx="7"/>
+            <a:endCxn id="4" idx="3"/>
+          </p:cNvCxnSpPr>
+          <p:nvPr/>
+        </p:nvCxnSpPr>
+        <p:spPr>
+          <a:xfrm flipV="1">
+            <a:off x="2938608" y="1180041"/>
+            <a:ext cx="1884236" cy="1423114"/>
+          </a:xfrm>
+          <a:prstGeom prst="straightConnector1">
+            <a:avLst/>
+          </a:prstGeom>
+          <a:ln w="76200">
+            <a:prstDash val="sysDash"/>
+            <a:tailEnd type="triangle"/>
+          </a:ln>
+        </p:spPr>
+        <p:style>
+          <a:lnRef idx="1">
+            <a:schemeClr val="accent1"/>
+          </a:lnRef>
+          <a:fillRef idx="0">
+            <a:schemeClr val="accent1"/>
+          </a:fillRef>
+          <a:effectRef idx="0">
+            <a:schemeClr val="accent1"/>
+          </a:effectRef>
+          <a:fontRef idx="minor">
+            <a:schemeClr val="tx1"/>
+          </a:fontRef>
+        </p:style>
+      </p:cxnSp>
+      <p:cxnSp>
+        <p:nvCxnSpPr>
+          <p:cNvPr id="13" name="Straight Arrow Connector 12">
+            <a:extLst>
+              <a:ext uri="{FF2B5EF4-FFF2-40B4-BE49-F238E27FC236}">
+                <a16:creationId xmlns:a16="http://schemas.microsoft.com/office/drawing/2014/main" id="{012BA4DD-8882-4928-9779-2B61D79C718F}"/>
+              </a:ext>
+            </a:extLst>
+          </p:cNvPr>
+          <p:cNvCxnSpPr>
+            <a:cxnSpLocks/>
+            <a:stCxn id="5" idx="6"/>
+            <a:endCxn id="4" idx="3"/>
+          </p:cNvCxnSpPr>
+          <p:nvPr/>
+        </p:nvCxnSpPr>
+        <p:spPr>
+          <a:xfrm flipV="1">
+            <a:off x="3129717" y="1180041"/>
+            <a:ext cx="1693127" cy="2584573"/>
+          </a:xfrm>
+          <a:prstGeom prst="straightConnector1">
+            <a:avLst/>
+          </a:prstGeom>
+          <a:ln w="76200">
+            <a:prstDash val="sysDash"/>
+            <a:tailEnd type="triangle"/>
+          </a:ln>
+        </p:spPr>
+        <p:style>
+          <a:lnRef idx="1">
+            <a:schemeClr val="accent1"/>
+          </a:lnRef>
+          <a:fillRef idx="0">
+            <a:schemeClr val="accent1"/>
+          </a:fillRef>
+          <a:effectRef idx="0">
+            <a:schemeClr val="accent1"/>
+          </a:effectRef>
+          <a:fontRef idx="minor">
+            <a:schemeClr val="tx1"/>
+          </a:fontRef>
+        </p:style>
+      </p:cxnSp>
+      <p:sp>
+        <p:nvSpPr>
+          <p:cNvPr id="14" name="Oval 13">
+            <a:extLst>
+              <a:ext uri="{FF2B5EF4-FFF2-40B4-BE49-F238E27FC236}">
+                <a16:creationId xmlns:a16="http://schemas.microsoft.com/office/drawing/2014/main" id="{32D2F313-DEF0-4007-91F5-B558B250D4BA}"/>
+              </a:ext>
+            </a:extLst>
+          </p:cNvPr>
+          <p:cNvSpPr/>
+          <p:nvPr/>
+        </p:nvSpPr>
+        <p:spPr>
+          <a:xfrm>
+            <a:off x="7237086" y="3185084"/>
+            <a:ext cx="1304972" cy="790336"/>
+          </a:xfrm>
+          <a:prstGeom prst="ellipse">
+            <a:avLst/>
+          </a:prstGeom>
+        </p:spPr>
+        <p:style>
+          <a:lnRef idx="2">
+            <a:schemeClr val="accent6">
+              <a:shade val="50000"/>
+            </a:schemeClr>
+          </a:lnRef>
+          <a:fillRef idx="1">
+            <a:schemeClr val="accent6"/>
+          </a:fillRef>
+          <a:effectRef idx="0">
+            <a:schemeClr val="accent6"/>
+          </a:effectRef>
+          <a:fontRef idx="minor">
+            <a:schemeClr val="lt1"/>
+          </a:fontRef>
+        </p:style>
+        <p:txBody>
+          <a:bodyPr rtlCol="0" anchor="ctr"/>
+          <a:lstStyle/>
+          <a:p>
+            <a:pPr algn="ctr"/>
+            <a:r>
+              <a:rPr lang="fr-FR" dirty="0"/>
+              <a:t>Home</a:t>
+            </a:r>
+          </a:p>
+        </p:txBody>
+      </p:sp>
+      <p:sp>
+        <p:nvSpPr>
+          <p:cNvPr id="15" name="Oval 14">
+            <a:extLst>
+              <a:ext uri="{FF2B5EF4-FFF2-40B4-BE49-F238E27FC236}">
+                <a16:creationId xmlns:a16="http://schemas.microsoft.com/office/drawing/2014/main" id="{46480544-8DA8-4829-9D93-FCEA16107F7C}"/>
+              </a:ext>
+            </a:extLst>
+          </p:cNvPr>
+          <p:cNvSpPr/>
+          <p:nvPr/>
+        </p:nvSpPr>
+        <p:spPr>
+          <a:xfrm>
+            <a:off x="7237086" y="4058895"/>
+            <a:ext cx="1304972" cy="790336"/>
+          </a:xfrm>
+          <a:prstGeom prst="ellipse">
+            <a:avLst/>
+          </a:prstGeom>
+        </p:spPr>
+        <p:style>
+          <a:lnRef idx="2">
+            <a:schemeClr val="accent6">
+              <a:shade val="50000"/>
+            </a:schemeClr>
+          </a:lnRef>
+          <a:fillRef idx="1">
+            <a:schemeClr val="accent6"/>
+          </a:fillRef>
+          <a:effectRef idx="0">
+            <a:schemeClr val="accent6"/>
+          </a:effectRef>
+          <a:fontRef idx="minor">
+            <a:schemeClr val="lt1"/>
+          </a:fontRef>
+        </p:style>
+        <p:txBody>
+          <a:bodyPr rtlCol="0" anchor="ctr"/>
+          <a:lstStyle/>
+          <a:p>
+            <a:pPr algn="ctr"/>
+            <a:r>
+              <a:rPr lang="fr-FR" dirty="0"/>
+              <a:t>Legal</a:t>
+            </a:r>
+          </a:p>
+        </p:txBody>
+      </p:sp>
+      <p:sp>
+        <p:nvSpPr>
+          <p:cNvPr id="3" name="Rectangle 2">
+            <a:extLst>
+              <a:ext uri="{FF2B5EF4-FFF2-40B4-BE49-F238E27FC236}">
+                <a16:creationId xmlns:a16="http://schemas.microsoft.com/office/drawing/2014/main" id="{373D4F58-59FB-407D-A84B-AC428617DA0A}"/>
+              </a:ext>
+            </a:extLst>
+          </p:cNvPr>
+          <p:cNvSpPr/>
+          <p:nvPr/>
+        </p:nvSpPr>
+        <p:spPr>
+          <a:xfrm>
+            <a:off x="9548358" y="2242348"/>
+            <a:ext cx="1268213" cy="822500"/>
+          </a:xfrm>
+          <a:prstGeom prst="rect">
+            <a:avLst/>
+          </a:prstGeom>
+        </p:spPr>
+        <p:style>
+          <a:lnRef idx="2">
+            <a:schemeClr val="accent1"/>
+          </a:lnRef>
+          <a:fillRef idx="1">
+            <a:schemeClr val="lt1"/>
+          </a:fillRef>
+          <a:effectRef idx="0">
+            <a:schemeClr val="accent1"/>
+          </a:effectRef>
+          <a:fontRef idx="minor">
+            <a:schemeClr val="dk1"/>
+          </a:fontRef>
+        </p:style>
+        <p:txBody>
+          <a:bodyPr rtlCol="0" anchor="ctr"/>
+          <a:lstStyle/>
+          <a:p>
+            <a:pPr algn="ctr"/>
+            <a:r>
+              <a:rPr lang="fr-FR" dirty="0"/>
+              <a:t>config router</a:t>
+            </a:r>
+          </a:p>
+        </p:txBody>
+      </p:sp>
+      <p:cxnSp>
+        <p:nvCxnSpPr>
+          <p:cNvPr id="16" name="Straight Arrow Connector 15">
+            <a:extLst>
+              <a:ext uri="{FF2B5EF4-FFF2-40B4-BE49-F238E27FC236}">
+                <a16:creationId xmlns:a16="http://schemas.microsoft.com/office/drawing/2014/main" id="{C44B5BA9-440F-4E4B-95AA-87A941521F9B}"/>
+              </a:ext>
+            </a:extLst>
+          </p:cNvPr>
+          <p:cNvCxnSpPr>
+            <a:stCxn id="14" idx="7"/>
+            <a:endCxn id="3" idx="1"/>
+          </p:cNvCxnSpPr>
+          <p:nvPr/>
+        </p:nvCxnSpPr>
+        <p:spPr>
+          <a:xfrm flipV="1">
+            <a:off x="8350949" y="2653598"/>
+            <a:ext cx="1197409" cy="647228"/>
+          </a:xfrm>
+          <a:prstGeom prst="straightConnector1">
+            <a:avLst/>
+          </a:prstGeom>
+          <a:ln w="76200">
+            <a:tailEnd type="triangle"/>
+          </a:ln>
+        </p:spPr>
+        <p:style>
+          <a:lnRef idx="1">
+            <a:schemeClr val="accent1"/>
+          </a:lnRef>
+          <a:fillRef idx="0">
+            <a:schemeClr val="accent1"/>
+          </a:fillRef>
+          <a:effectRef idx="0">
+            <a:schemeClr val="accent1"/>
+          </a:effectRef>
+          <a:fontRef idx="minor">
+            <a:schemeClr val="tx1"/>
+          </a:fontRef>
+        </p:style>
+      </p:cxnSp>
+      <p:cxnSp>
+        <p:nvCxnSpPr>
+          <p:cNvPr id="18" name="Straight Arrow Connector 17">
+            <a:extLst>
+              <a:ext uri="{FF2B5EF4-FFF2-40B4-BE49-F238E27FC236}">
+                <a16:creationId xmlns:a16="http://schemas.microsoft.com/office/drawing/2014/main" id="{4E0998EB-3C7D-4F46-9647-E6EDCB056EF9}"/>
+              </a:ext>
+            </a:extLst>
+          </p:cNvPr>
+          <p:cNvCxnSpPr>
+            <a:stCxn id="15" idx="7"/>
+            <a:endCxn id="3" idx="1"/>
+          </p:cNvCxnSpPr>
+          <p:nvPr/>
+        </p:nvCxnSpPr>
+        <p:spPr>
+          <a:xfrm flipV="1">
+            <a:off x="8350949" y="2653598"/>
+            <a:ext cx="1197409" cy="1521039"/>
+          </a:xfrm>
+          <a:prstGeom prst="straightConnector1">
+            <a:avLst/>
+          </a:prstGeom>
+          <a:ln w="76200">
+            <a:tailEnd type="triangle"/>
+          </a:ln>
+        </p:spPr>
+        <p:style>
+          <a:lnRef idx="1">
+            <a:schemeClr val="accent1"/>
+          </a:lnRef>
+          <a:fillRef idx="0">
+            <a:schemeClr val="accent1"/>
+          </a:fillRef>
+          <a:effectRef idx="0">
+            <a:schemeClr val="accent1"/>
+          </a:effectRef>
+          <a:fontRef idx="minor">
+            <a:schemeClr val="tx1"/>
+          </a:fontRef>
+        </p:style>
+      </p:cxnSp>
+      <p:sp>
+        <p:nvSpPr>
+          <p:cNvPr id="20" name="Rectangle 19">
+            <a:extLst>
+              <a:ext uri="{FF2B5EF4-FFF2-40B4-BE49-F238E27FC236}">
+                <a16:creationId xmlns:a16="http://schemas.microsoft.com/office/drawing/2014/main" id="{FE6D4804-A144-4E27-A2C6-2C50173B396B}"/>
+              </a:ext>
+            </a:extLst>
+          </p:cNvPr>
+          <p:cNvSpPr/>
+          <p:nvPr/>
+        </p:nvSpPr>
+        <p:spPr>
+          <a:xfrm>
+            <a:off x="85148" y="1759875"/>
+            <a:ext cx="1594722" cy="418143"/>
+          </a:xfrm>
+          <a:prstGeom prst="rect">
+            <a:avLst/>
+          </a:prstGeom>
+        </p:spPr>
+        <p:style>
+          <a:lnRef idx="2">
+            <a:schemeClr val="accent1">
+              <a:shade val="50000"/>
+            </a:schemeClr>
+          </a:lnRef>
+          <a:fillRef idx="1">
+            <a:schemeClr val="accent1"/>
+          </a:fillRef>
+          <a:effectRef idx="0">
+            <a:schemeClr val="accent1"/>
+          </a:effectRef>
+          <a:fontRef idx="minor">
+            <a:schemeClr val="lt1"/>
+          </a:fontRef>
+        </p:style>
+        <p:txBody>
+          <a:bodyPr rtlCol="0" anchor="ctr"/>
+          <a:lstStyle/>
+          <a:p>
+            <a:pPr algn="ctr"/>
+            <a:r>
+              <a:rPr lang="fr-FR" dirty="0" err="1"/>
+              <a:t>RouterModule</a:t>
+            </a:r>
+            <a:endParaRPr lang="fr-FR" dirty="0"/>
+          </a:p>
+        </p:txBody>
+      </p:sp>
+      <p:cxnSp>
+        <p:nvCxnSpPr>
+          <p:cNvPr id="22" name="Straight Arrow Connector 21">
+            <a:extLst>
+              <a:ext uri="{FF2B5EF4-FFF2-40B4-BE49-F238E27FC236}">
+                <a16:creationId xmlns:a16="http://schemas.microsoft.com/office/drawing/2014/main" id="{C0CBE830-D501-4530-9C00-27067FA4A128}"/>
+              </a:ext>
+            </a:extLst>
+          </p:cNvPr>
+          <p:cNvCxnSpPr>
+            <a:stCxn id="20" idx="3"/>
+            <a:endCxn id="9" idx="2"/>
+          </p:cNvCxnSpPr>
+          <p:nvPr/>
+        </p:nvCxnSpPr>
+        <p:spPr>
+          <a:xfrm>
+            <a:off x="1679870" y="1968947"/>
+            <a:ext cx="192582" cy="68924"/>
+          </a:xfrm>
+          <a:prstGeom prst="straightConnector1">
+            <a:avLst/>
+          </a:prstGeom>
+          <a:ln w="76200">
+            <a:tailEnd type="triangle"/>
+          </a:ln>
+        </p:spPr>
+        <p:style>
+          <a:lnRef idx="1">
+            <a:schemeClr val="accent1"/>
+          </a:lnRef>
+          <a:fillRef idx="0">
+            <a:schemeClr val="accent1"/>
+          </a:fillRef>
+          <a:effectRef idx="0">
+            <a:schemeClr val="accent1"/>
+          </a:effectRef>
+          <a:fontRef idx="minor">
+            <a:schemeClr val="tx1"/>
+          </a:fontRef>
+        </p:style>
+      </p:cxnSp>
+      <p:cxnSp>
+        <p:nvCxnSpPr>
+          <p:cNvPr id="24" name="Straight Arrow Connector 23">
+            <a:extLst>
+              <a:ext uri="{FF2B5EF4-FFF2-40B4-BE49-F238E27FC236}">
+                <a16:creationId xmlns:a16="http://schemas.microsoft.com/office/drawing/2014/main" id="{FFDB1D4D-F25F-4CC3-A7AD-0AB3DBD352F3}"/>
+              </a:ext>
+            </a:extLst>
+          </p:cNvPr>
+          <p:cNvCxnSpPr>
+            <a:stCxn id="20" idx="2"/>
+            <a:endCxn id="7" idx="2"/>
+          </p:cNvCxnSpPr>
+          <p:nvPr/>
+        </p:nvCxnSpPr>
+        <p:spPr>
+          <a:xfrm>
+            <a:off x="882509" y="2178018"/>
+            <a:ext cx="942236" cy="704563"/>
+          </a:xfrm>
+          <a:prstGeom prst="straightConnector1">
+            <a:avLst/>
+          </a:prstGeom>
+          <a:ln w="76200">
+            <a:tailEnd type="triangle"/>
+          </a:ln>
+        </p:spPr>
+        <p:style>
+          <a:lnRef idx="1">
+            <a:schemeClr val="accent1"/>
+          </a:lnRef>
+          <a:fillRef idx="0">
+            <a:schemeClr val="accent1"/>
+          </a:fillRef>
+          <a:effectRef idx="0">
+            <a:schemeClr val="accent1"/>
+          </a:effectRef>
+          <a:fontRef idx="minor">
+            <a:schemeClr val="tx1"/>
+          </a:fontRef>
+        </p:style>
+      </p:cxnSp>
+      <p:cxnSp>
+        <p:nvCxnSpPr>
+          <p:cNvPr id="26" name="Straight Arrow Connector 25">
+            <a:extLst>
+              <a:ext uri="{FF2B5EF4-FFF2-40B4-BE49-F238E27FC236}">
+                <a16:creationId xmlns:a16="http://schemas.microsoft.com/office/drawing/2014/main" id="{28EB2879-7B57-43FC-9BEA-8CC9753CFA72}"/>
+              </a:ext>
+            </a:extLst>
+          </p:cNvPr>
+          <p:cNvCxnSpPr>
+            <a:endCxn id="5" idx="2"/>
+          </p:cNvCxnSpPr>
+          <p:nvPr/>
+        </p:nvCxnSpPr>
+        <p:spPr>
+          <a:xfrm>
+            <a:off x="951160" y="2242348"/>
+            <a:ext cx="873585" cy="1522266"/>
+          </a:xfrm>
+          <a:prstGeom prst="straightConnector1">
+            <a:avLst/>
+          </a:prstGeom>
+          <a:ln w="76200">
+            <a:tailEnd type="triangle"/>
+          </a:ln>
+        </p:spPr>
+        <p:style>
+          <a:lnRef idx="1">
+            <a:schemeClr val="accent1"/>
+          </a:lnRef>
+          <a:fillRef idx="0">
+            <a:schemeClr val="accent1"/>
+          </a:fillRef>
+          <a:effectRef idx="0">
+            <a:schemeClr val="accent1"/>
+          </a:effectRef>
+          <a:fontRef idx="minor">
+            <a:schemeClr val="tx1"/>
+          </a:fontRef>
+        </p:style>
+      </p:cxnSp>
+      <p:sp>
+        <p:nvSpPr>
+          <p:cNvPr id="19" name="Oval 18">
+            <a:extLst>
+              <a:ext uri="{FF2B5EF4-FFF2-40B4-BE49-F238E27FC236}">
+                <a16:creationId xmlns:a16="http://schemas.microsoft.com/office/drawing/2014/main" id="{0AE7132C-5328-4282-A366-7BD361298668}"/>
+              </a:ext>
+            </a:extLst>
+          </p:cNvPr>
+          <p:cNvSpPr/>
+          <p:nvPr/>
+        </p:nvSpPr>
+        <p:spPr>
+          <a:xfrm>
+            <a:off x="3934065" y="5124929"/>
+            <a:ext cx="1304972" cy="790336"/>
+          </a:xfrm>
+          <a:prstGeom prst="ellipse">
+            <a:avLst/>
+          </a:prstGeom>
+        </p:spPr>
+        <p:style>
+          <a:lnRef idx="2">
+            <a:schemeClr val="accent6">
+              <a:shade val="50000"/>
+            </a:schemeClr>
+          </a:lnRef>
+          <a:fillRef idx="1">
+            <a:schemeClr val="accent6"/>
+          </a:fillRef>
+          <a:effectRef idx="0">
+            <a:schemeClr val="accent6"/>
+          </a:effectRef>
+          <a:fontRef idx="minor">
+            <a:schemeClr val="lt1"/>
+          </a:fontRef>
+        </p:style>
+        <p:txBody>
+          <a:bodyPr rtlCol="0" anchor="ctr"/>
+          <a:lstStyle/>
+          <a:p>
+            <a:pPr algn="ctr"/>
+            <a:r>
+              <a:rPr lang="fr-FR" dirty="0"/>
+              <a:t>Stock</a:t>
+            </a:r>
+          </a:p>
+        </p:txBody>
+      </p:sp>
+      <p:sp>
+        <p:nvSpPr>
+          <p:cNvPr id="21" name="Oval 20">
+            <a:extLst>
+              <a:ext uri="{FF2B5EF4-FFF2-40B4-BE49-F238E27FC236}">
+                <a16:creationId xmlns:a16="http://schemas.microsoft.com/office/drawing/2014/main" id="{718CB649-0408-4A92-832D-06BBACC33CAF}"/>
+              </a:ext>
+            </a:extLst>
+          </p:cNvPr>
+          <p:cNvSpPr/>
+          <p:nvPr/>
+        </p:nvSpPr>
+        <p:spPr>
+          <a:xfrm>
+            <a:off x="3934065" y="5992412"/>
+            <a:ext cx="1304972" cy="790336"/>
+          </a:xfrm>
+          <a:prstGeom prst="ellipse">
+            <a:avLst/>
+          </a:prstGeom>
+        </p:spPr>
+        <p:style>
+          <a:lnRef idx="2">
+            <a:schemeClr val="accent6">
+              <a:shade val="50000"/>
+            </a:schemeClr>
+          </a:lnRef>
+          <a:fillRef idx="1">
+            <a:schemeClr val="accent6"/>
+          </a:fillRef>
+          <a:effectRef idx="0">
+            <a:schemeClr val="accent6"/>
+          </a:effectRef>
+          <a:fontRef idx="minor">
+            <a:schemeClr val="lt1"/>
+          </a:fontRef>
+        </p:style>
+        <p:txBody>
+          <a:bodyPr rtlCol="0" anchor="ctr"/>
+          <a:lstStyle/>
+          <a:p>
+            <a:pPr algn="ctr"/>
+            <a:r>
+              <a:rPr lang="fr-FR" dirty="0" err="1"/>
+              <a:t>Add</a:t>
+            </a:r>
+            <a:endParaRPr lang="fr-FR" dirty="0"/>
+          </a:p>
+        </p:txBody>
+      </p:sp>
+      <p:sp>
+        <p:nvSpPr>
+          <p:cNvPr id="6" name="TextBox 5">
+            <a:extLst>
+              <a:ext uri="{FF2B5EF4-FFF2-40B4-BE49-F238E27FC236}">
+                <a16:creationId xmlns:a16="http://schemas.microsoft.com/office/drawing/2014/main" id="{04475DBC-048A-4514-931E-38FE406735DC}"/>
+              </a:ext>
+            </a:extLst>
+          </p:cNvPr>
+          <p:cNvSpPr txBox="1"/>
+          <p:nvPr/>
+        </p:nvSpPr>
+        <p:spPr>
+          <a:xfrm>
+            <a:off x="2938608" y="4867228"/>
+            <a:ext cx="1284326" cy="369332"/>
+          </a:xfrm>
+          <a:prstGeom prst="rect">
+            <a:avLst/>
+          </a:prstGeom>
+          <a:noFill/>
+        </p:spPr>
+        <p:txBody>
+          <a:bodyPr wrap="none" rtlCol="0">
+            <a:spAutoFit/>
+          </a:bodyPr>
+          <a:lstStyle/>
+          <a:p>
+            <a:r>
+              <a:rPr lang="fr-FR" dirty="0"/>
+              <a:t>stock/</a:t>
+            </a:r>
+            <a:r>
+              <a:rPr lang="fr-FR" dirty="0" err="1"/>
+              <a:t>views</a:t>
+            </a:r>
+            <a:endParaRPr lang="fr-FR" dirty="0"/>
+          </a:p>
+        </p:txBody>
+      </p:sp>
+      <p:sp>
+        <p:nvSpPr>
+          <p:cNvPr id="23" name="Rectangle 22">
+            <a:extLst>
+              <a:ext uri="{FF2B5EF4-FFF2-40B4-BE49-F238E27FC236}">
+                <a16:creationId xmlns:a16="http://schemas.microsoft.com/office/drawing/2014/main" id="{0166F7AF-F667-461F-942D-A11B624C849B}"/>
+              </a:ext>
+            </a:extLst>
+          </p:cNvPr>
+          <p:cNvSpPr/>
+          <p:nvPr/>
+        </p:nvSpPr>
+        <p:spPr>
+          <a:xfrm>
+            <a:off x="5785839" y="5441217"/>
+            <a:ext cx="1268213" cy="822500"/>
+          </a:xfrm>
+          <a:prstGeom prst="rect">
+            <a:avLst/>
+          </a:prstGeom>
+        </p:spPr>
+        <p:style>
+          <a:lnRef idx="2">
+            <a:schemeClr val="accent1"/>
+          </a:lnRef>
+          <a:fillRef idx="1">
+            <a:schemeClr val="lt1"/>
+          </a:fillRef>
+          <a:effectRef idx="0">
+            <a:schemeClr val="accent1"/>
+          </a:effectRef>
+          <a:fontRef idx="minor">
+            <a:schemeClr val="dk1"/>
+          </a:fontRef>
+        </p:style>
+        <p:txBody>
+          <a:bodyPr rtlCol="0" anchor="ctr"/>
+          <a:lstStyle/>
+          <a:p>
+            <a:pPr algn="ctr"/>
+            <a:r>
+              <a:rPr lang="fr-FR" dirty="0"/>
+              <a:t>config router stock</a:t>
+            </a:r>
+          </a:p>
+        </p:txBody>
+      </p:sp>
+      <p:cxnSp>
+        <p:nvCxnSpPr>
+          <p:cNvPr id="11" name="Straight Arrow Connector 10">
+            <a:extLst>
+              <a:ext uri="{FF2B5EF4-FFF2-40B4-BE49-F238E27FC236}">
+                <a16:creationId xmlns:a16="http://schemas.microsoft.com/office/drawing/2014/main" id="{2BACA15F-7646-4D46-B245-6B958046E493}"/>
+              </a:ext>
+            </a:extLst>
+          </p:cNvPr>
+          <p:cNvCxnSpPr>
+            <a:stCxn id="19" idx="6"/>
+            <a:endCxn id="23" idx="1"/>
+          </p:cNvCxnSpPr>
+          <p:nvPr/>
+        </p:nvCxnSpPr>
+        <p:spPr>
+          <a:xfrm>
+            <a:off x="5239037" y="5520097"/>
+            <a:ext cx="546802" cy="332370"/>
+          </a:xfrm>
+          <a:prstGeom prst="straightConnector1">
+            <a:avLst/>
+          </a:prstGeom>
+          <a:ln w="76200">
+            <a:tailEnd type="triangle"/>
+          </a:ln>
+        </p:spPr>
+        <p:style>
+          <a:lnRef idx="1">
+            <a:schemeClr val="accent1"/>
+          </a:lnRef>
+          <a:fillRef idx="0">
+            <a:schemeClr val="accent1"/>
+          </a:fillRef>
+          <a:effectRef idx="0">
+            <a:schemeClr val="accent1"/>
+          </a:effectRef>
+          <a:fontRef idx="minor">
+            <a:schemeClr val="tx1"/>
+          </a:fontRef>
+        </p:style>
+      </p:cxnSp>
+      <p:cxnSp>
+        <p:nvCxnSpPr>
+          <p:cNvPr id="25" name="Straight Arrow Connector 24">
+            <a:extLst>
+              <a:ext uri="{FF2B5EF4-FFF2-40B4-BE49-F238E27FC236}">
+                <a16:creationId xmlns:a16="http://schemas.microsoft.com/office/drawing/2014/main" id="{7E0D77F9-47D8-40A2-AA49-49328B068374}"/>
+              </a:ext>
+            </a:extLst>
+          </p:cNvPr>
+          <p:cNvCxnSpPr>
+            <a:stCxn id="21" idx="6"/>
+            <a:endCxn id="23" idx="1"/>
+          </p:cNvCxnSpPr>
+          <p:nvPr/>
+        </p:nvCxnSpPr>
+        <p:spPr>
+          <a:xfrm flipV="1">
+            <a:off x="5239037" y="5852467"/>
+            <a:ext cx="546802" cy="535113"/>
+          </a:xfrm>
+          <a:prstGeom prst="straightConnector1">
+            <a:avLst/>
+          </a:prstGeom>
+          <a:ln w="76200">
+            <a:tailEnd type="triangle"/>
+          </a:ln>
+        </p:spPr>
+        <p:style>
+          <a:lnRef idx="1">
+            <a:schemeClr val="accent1"/>
+          </a:lnRef>
+          <a:fillRef idx="0">
+            <a:schemeClr val="accent1"/>
+          </a:fillRef>
+          <a:effectRef idx="0">
+            <a:schemeClr val="accent1"/>
+          </a:effectRef>
+          <a:fontRef idx="minor">
+            <a:schemeClr val="tx1"/>
+          </a:fontRef>
+        </p:style>
+      </p:cxnSp>
+      <p:cxnSp>
+        <p:nvCxnSpPr>
+          <p:cNvPr id="28" name="Straight Arrow Connector 27">
+            <a:extLst>
+              <a:ext uri="{FF2B5EF4-FFF2-40B4-BE49-F238E27FC236}">
+                <a16:creationId xmlns:a16="http://schemas.microsoft.com/office/drawing/2014/main" id="{C7133B84-740F-4DCE-B729-92B5038F9C66}"/>
+              </a:ext>
+            </a:extLst>
+          </p:cNvPr>
+          <p:cNvCxnSpPr>
+            <a:stCxn id="23" idx="3"/>
+            <a:endCxn id="3" idx="2"/>
+          </p:cNvCxnSpPr>
+          <p:nvPr/>
+        </p:nvCxnSpPr>
+        <p:spPr>
+          <a:xfrm flipV="1">
+            <a:off x="7054052" y="3064848"/>
+            <a:ext cx="3128413" cy="2787619"/>
+          </a:xfrm>
+          <a:prstGeom prst="straightConnector1">
+            <a:avLst/>
+          </a:prstGeom>
+          <a:ln w="76200">
+            <a:tailEnd type="triangle"/>
+          </a:ln>
+        </p:spPr>
+        <p:style>
+          <a:lnRef idx="1">
+            <a:schemeClr val="accent1"/>
+          </a:lnRef>
+          <a:fillRef idx="0">
+            <a:schemeClr val="accent1"/>
+          </a:fillRef>
+          <a:effectRef idx="0">
+            <a:schemeClr val="accent1"/>
+          </a:effectRef>
+          <a:fontRef idx="minor">
+            <a:schemeClr val="tx1"/>
+          </a:fontRef>
+        </p:style>
+      </p:cxnSp>
+      <p:sp>
+        <p:nvSpPr>
+          <p:cNvPr id="32" name="TextBox 31">
+            <a:extLst>
+              <a:ext uri="{FF2B5EF4-FFF2-40B4-BE49-F238E27FC236}">
+                <a16:creationId xmlns:a16="http://schemas.microsoft.com/office/drawing/2014/main" id="{7D5DA66E-6BA4-41F3-BEEF-7486A37C0A27}"/>
+              </a:ext>
+            </a:extLst>
+          </p:cNvPr>
+          <p:cNvSpPr txBox="1"/>
+          <p:nvPr/>
+        </p:nvSpPr>
+        <p:spPr>
+          <a:xfrm>
+            <a:off x="8822352" y="505447"/>
+            <a:ext cx="873829" cy="369332"/>
+          </a:xfrm>
+          <a:prstGeom prst="rect">
+            <a:avLst/>
+          </a:prstGeom>
+          <a:noFill/>
+        </p:spPr>
+        <p:txBody>
+          <a:bodyPr wrap="none" rtlCol="0">
+            <a:spAutoFit/>
+          </a:bodyPr>
+          <a:lstStyle/>
+          <a:p>
+            <a:r>
+              <a:rPr lang="fr-FR" dirty="0" err="1"/>
+              <a:t>main.ts</a:t>
+            </a:r>
+            <a:endParaRPr lang="fr-FR" dirty="0"/>
+          </a:p>
+        </p:txBody>
+      </p:sp>
+      <p:cxnSp>
+        <p:nvCxnSpPr>
+          <p:cNvPr id="34" name="Straight Arrow Connector 33">
+            <a:extLst>
+              <a:ext uri="{FF2B5EF4-FFF2-40B4-BE49-F238E27FC236}">
+                <a16:creationId xmlns:a16="http://schemas.microsoft.com/office/drawing/2014/main" id="{F24FEDA1-83C9-42A2-BE0F-397FA229B4EA}"/>
+              </a:ext>
+            </a:extLst>
+          </p:cNvPr>
+          <p:cNvCxnSpPr>
+            <a:stCxn id="3" idx="0"/>
+            <a:endCxn id="32" idx="2"/>
+          </p:cNvCxnSpPr>
+          <p:nvPr/>
+        </p:nvCxnSpPr>
+        <p:spPr>
+          <a:xfrm flipH="1" flipV="1">
+            <a:off x="9259267" y="874779"/>
+            <a:ext cx="923198" cy="1367569"/>
+          </a:xfrm>
+          <a:prstGeom prst="straightConnector1">
+            <a:avLst/>
+          </a:prstGeom>
+          <a:ln w="76200">
+            <a:tailEnd type="triangle"/>
+          </a:ln>
+        </p:spPr>
+        <p:style>
+          <a:lnRef idx="1">
+            <a:schemeClr val="accent1"/>
+          </a:lnRef>
+          <a:fillRef idx="0">
+            <a:schemeClr val="accent1"/>
+          </a:fillRef>
+          <a:effectRef idx="0">
+            <a:schemeClr val="accent1"/>
+          </a:effectRef>
+          <a:fontRef idx="minor">
+            <a:schemeClr val="tx1"/>
+          </a:fontRef>
+        </p:style>
+      </p:cxnSp>
+      <p:cxnSp>
+        <p:nvCxnSpPr>
+          <p:cNvPr id="36" name="Straight Arrow Connector 35">
+            <a:extLst>
+              <a:ext uri="{FF2B5EF4-FFF2-40B4-BE49-F238E27FC236}">
+                <a16:creationId xmlns:a16="http://schemas.microsoft.com/office/drawing/2014/main" id="{C0B626AF-A82A-4E42-AA20-7B04C59AA9E0}"/>
+              </a:ext>
+            </a:extLst>
+          </p:cNvPr>
+          <p:cNvCxnSpPr>
+            <a:stCxn id="4" idx="6"/>
+          </p:cNvCxnSpPr>
+          <p:nvPr/>
+        </p:nvCxnSpPr>
+        <p:spPr>
+          <a:xfrm flipV="1">
+            <a:off x="5936707" y="690113"/>
+            <a:ext cx="2756985" cy="210502"/>
+          </a:xfrm>
+          <a:prstGeom prst="straightConnector1">
+            <a:avLst/>
+          </a:prstGeom>
+          <a:ln w="76200">
+            <a:tailEnd type="triangle"/>
+          </a:ln>
+        </p:spPr>
+        <p:style>
+          <a:lnRef idx="1">
+            <a:schemeClr val="accent1"/>
+          </a:lnRef>
+          <a:fillRef idx="0">
+            <a:schemeClr val="accent1"/>
+          </a:fillRef>
+          <a:effectRef idx="0">
+            <a:schemeClr val="accent1"/>
+          </a:effectRef>
+          <a:fontRef idx="minor">
+            <a:schemeClr val="tx1"/>
+          </a:fontRef>
+        </p:style>
+      </p:cxnSp>
+    </p:spTree>
+    <p:extLst>
+      <p:ext uri="{BB962C8B-B14F-4D97-AF65-F5344CB8AC3E}">
+        <p14:creationId xmlns:p14="http://schemas.microsoft.com/office/powerpoint/2010/main" val="53914287"/>
+      </p:ext>
+    </p:extLst>
+  </p:cSld>
+  <p:clrMapOvr>
+    <a:masterClrMapping/>
+  </p:clrMapOvr>
+</p:sld>
+</file>
+
+<file path=ppt/slides/slide33.xml><?xml version="1.0" encoding="utf-8"?>
+<p:sld xmlns:a="http://schemas.openxmlformats.org/drawingml/2006/main" xmlns:r="http://schemas.openxmlformats.org/officeDocument/2006/relationships" xmlns:p="http://schemas.openxmlformats.org/presentationml/2006/main">
+  <p:cSld>
+    <p:spTree>
+      <p:nvGrpSpPr>
+        <p:cNvPr id="1" name=""/>
+        <p:cNvGrpSpPr/>
+        <p:nvPr/>
+      </p:nvGrpSpPr>
+      <p:grpSpPr>
+        <a:xfrm>
+          <a:off x="0" y="0"/>
+          <a:ext cx="0" cy="0"/>
+          <a:chOff x="0" y="0"/>
+          <a:chExt cx="0" cy="0"/>
+        </a:xfrm>
+      </p:grpSpPr>
+      <p:sp>
+        <p:nvSpPr>
+          <p:cNvPr id="2" name="Title 1">
+            <a:extLst>
+              <a:ext uri="{FF2B5EF4-FFF2-40B4-BE49-F238E27FC236}">
+                <a16:creationId xmlns:a16="http://schemas.microsoft.com/office/drawing/2014/main" id="{524893E2-F1AA-42F4-9D7F-FD57F66456F8}"/>
+              </a:ext>
+            </a:extLst>
+          </p:cNvPr>
+          <p:cNvSpPr>
+            <a:spLocks noGrp="1"/>
+          </p:cNvSpPr>
+          <p:nvPr>
+            <p:ph type="title"/>
+          </p:nvPr>
+        </p:nvSpPr>
+        <p:spPr/>
+        <p:txBody>
+          <a:bodyPr/>
+          <a:lstStyle/>
+          <a:p>
+            <a:r>
+              <a:rPr lang="fr-FR" dirty="0"/>
+              <a:t>créer une librairie</a:t>
+            </a:r>
+          </a:p>
+        </p:txBody>
+      </p:sp>
+      <p:sp>
+        <p:nvSpPr>
+          <p:cNvPr id="3" name="Content Placeholder 2">
+            <a:extLst>
+              <a:ext uri="{FF2B5EF4-FFF2-40B4-BE49-F238E27FC236}">
+                <a16:creationId xmlns:a16="http://schemas.microsoft.com/office/drawing/2014/main" id="{85D5FE8F-CE45-4CAB-9901-1900BA737254}"/>
+              </a:ext>
+            </a:extLst>
+          </p:cNvPr>
+          <p:cNvSpPr>
+            <a:spLocks noGrp="1"/>
+          </p:cNvSpPr>
+          <p:nvPr>
+            <p:ph idx="1"/>
+          </p:nvPr>
+        </p:nvSpPr>
+        <p:spPr/>
+        <p:txBody>
+          <a:bodyPr/>
+          <a:lstStyle/>
+          <a:p>
+            <a:r>
+              <a:rPr lang="fr-FR" dirty="0" err="1"/>
+              <a:t>npm</a:t>
+            </a:r>
+            <a:r>
+              <a:rPr lang="fr-FR" dirty="0"/>
+              <a:t> i -g @</a:t>
+            </a:r>
+            <a:r>
+              <a:rPr lang="fr-FR" dirty="0" err="1"/>
+              <a:t>angular</a:t>
+            </a:r>
+            <a:r>
+              <a:rPr lang="fr-FR" dirty="0"/>
+              <a:t>/cli</a:t>
+            </a:r>
+          </a:p>
+          <a:p>
+            <a:r>
+              <a:rPr lang="fr-FR" dirty="0"/>
+              <a:t>cd agu-dec-2022</a:t>
+            </a:r>
+          </a:p>
+          <a:p>
+            <a:r>
+              <a:rPr lang="fr-FR" dirty="0" err="1"/>
+              <a:t>ng</a:t>
+            </a:r>
+            <a:r>
+              <a:rPr lang="fr-FR" dirty="0"/>
+              <a:t> new front-</a:t>
+            </a:r>
+            <a:r>
+              <a:rPr lang="fr-FR" dirty="0" err="1"/>
+              <a:t>common</a:t>
+            </a:r>
+            <a:r>
+              <a:rPr lang="fr-FR" dirty="0"/>
+              <a:t> --no-</a:t>
+            </a:r>
+            <a:r>
+              <a:rPr lang="fr-FR" dirty="0" err="1"/>
+              <a:t>create</a:t>
+            </a:r>
+            <a:r>
+              <a:rPr lang="fr-FR" dirty="0"/>
+              <a:t>-application</a:t>
+            </a:r>
+          </a:p>
+          <a:p>
+            <a:endParaRPr lang="fr-FR" dirty="0"/>
+          </a:p>
+          <a:p>
+            <a:r>
+              <a:rPr lang="fr-FR" dirty="0"/>
+              <a:t>cd front</a:t>
+            </a:r>
+          </a:p>
+          <a:p>
+            <a:r>
+              <a:rPr lang="fr-FR" dirty="0" err="1"/>
+              <a:t>angular.json</a:t>
+            </a:r>
+            <a:r>
+              <a:rPr lang="fr-FR" dirty="0"/>
+              <a:t> : ajouter </a:t>
+            </a:r>
+            <a:r>
+              <a:rPr lang="fr-FR" dirty="0" err="1"/>
+              <a:t>preserveSimlink</a:t>
+            </a:r>
+            <a:r>
+              <a:rPr lang="fr-FR" dirty="0"/>
+              <a:t>: </a:t>
+            </a:r>
+            <a:r>
+              <a:rPr lang="fr-FR" dirty="0" err="1"/>
+              <a:t>true</a:t>
+            </a:r>
+            <a:r>
+              <a:rPr lang="fr-FR" dirty="0"/>
+              <a:t> dans </a:t>
+            </a:r>
+            <a:r>
+              <a:rPr lang="fr-FR" dirty="0" err="1"/>
+              <a:t>architect</a:t>
+            </a:r>
+            <a:r>
+              <a:rPr lang="fr-FR" dirty="0"/>
+              <a:t>/</a:t>
+            </a:r>
+            <a:r>
+              <a:rPr lang="fr-FR" dirty="0" err="1"/>
+              <a:t>build</a:t>
+            </a:r>
+            <a:r>
+              <a:rPr lang="fr-FR" dirty="0"/>
+              <a:t>/options</a:t>
+            </a:r>
+          </a:p>
+        </p:txBody>
+      </p:sp>
+    </p:spTree>
+    <p:extLst>
+      <p:ext uri="{BB962C8B-B14F-4D97-AF65-F5344CB8AC3E}">
+        <p14:creationId xmlns:p14="http://schemas.microsoft.com/office/powerpoint/2010/main" val="2561908011"/>
+      </p:ext>
+    </p:extLst>
+  </p:cSld>
+  <p:clrMapOvr>
+    <a:masterClrMapping/>
+  </p:clrMapOvr>
+</p:sld>
+</file>
+
+<file path=ppt/slides/slide34.xml><?xml version="1.0" encoding="utf-8"?>
+<p:sld xmlns:a="http://schemas.openxmlformats.org/drawingml/2006/main" xmlns:r="http://schemas.openxmlformats.org/officeDocument/2006/relationships" xmlns:p="http://schemas.openxmlformats.org/presentationml/2006/main">
+  <p:cSld>
+    <p:spTree>
+      <p:nvGrpSpPr>
+        <p:cNvPr id="1" name=""/>
+        <p:cNvGrpSpPr/>
+        <p:nvPr/>
+      </p:nvGrpSpPr>
+      <p:grpSpPr>
+        <a:xfrm>
+          <a:off x="0" y="0"/>
+          <a:ext cx="0" cy="0"/>
+          <a:chOff x="0" y="0"/>
+          <a:chExt cx="0" cy="0"/>
+        </a:xfrm>
+      </p:grpSpPr>
+      <p:sp>
+        <p:nvSpPr>
+          <p:cNvPr id="2" name="Title 1">
+            <a:extLst>
+              <a:ext uri="{FF2B5EF4-FFF2-40B4-BE49-F238E27FC236}">
+                <a16:creationId xmlns:a16="http://schemas.microsoft.com/office/drawing/2014/main" id="{B55FD65B-5776-4270-8E3D-C30E4F714112}"/>
+              </a:ext>
+            </a:extLst>
+          </p:cNvPr>
+          <p:cNvSpPr>
+            <a:spLocks noGrp="1"/>
+          </p:cNvSpPr>
+          <p:nvPr>
+            <p:ph type="title"/>
+          </p:nvPr>
+        </p:nvSpPr>
+        <p:spPr/>
+        <p:txBody>
+          <a:bodyPr/>
+          <a:lstStyle/>
+          <a:p>
+            <a:r>
+              <a:rPr lang="fr-FR" dirty="0"/>
+              <a:t>utiliser une librairie</a:t>
+            </a:r>
+          </a:p>
+        </p:txBody>
+      </p:sp>
+      <p:sp>
+        <p:nvSpPr>
+          <p:cNvPr id="3" name="Content Placeholder 2">
+            <a:extLst>
+              <a:ext uri="{FF2B5EF4-FFF2-40B4-BE49-F238E27FC236}">
+                <a16:creationId xmlns:a16="http://schemas.microsoft.com/office/drawing/2014/main" id="{FBC256A0-527A-42C8-A1CD-4895BD704160}"/>
+              </a:ext>
+            </a:extLst>
+          </p:cNvPr>
+          <p:cNvSpPr>
+            <a:spLocks noGrp="1"/>
+          </p:cNvSpPr>
+          <p:nvPr>
+            <p:ph idx="1"/>
+          </p:nvPr>
+        </p:nvSpPr>
+        <p:spPr/>
+        <p:txBody>
+          <a:bodyPr>
+            <a:normAutofit fontScale="92500" lnSpcReduction="20000"/>
+          </a:bodyPr>
+          <a:lstStyle/>
+          <a:p>
+            <a:r>
+              <a:rPr lang="fr-FR" dirty="0"/>
+              <a:t>cd front-</a:t>
+            </a:r>
+            <a:r>
+              <a:rPr lang="fr-FR" dirty="0" err="1"/>
+              <a:t>common</a:t>
+            </a:r>
+            <a:r>
+              <a:rPr lang="fr-FR" dirty="0"/>
+              <a:t>/</a:t>
+            </a:r>
+            <a:r>
+              <a:rPr lang="fr-FR" dirty="0" err="1"/>
+              <a:t>dist</a:t>
+            </a:r>
+            <a:r>
+              <a:rPr lang="fr-FR" dirty="0"/>
+              <a:t>/</a:t>
+            </a:r>
+            <a:r>
+              <a:rPr lang="fr-FR" dirty="0" err="1"/>
+              <a:t>wdg</a:t>
+            </a:r>
+            <a:endParaRPr lang="fr-FR" dirty="0"/>
+          </a:p>
+          <a:p>
+            <a:r>
+              <a:rPr lang="fr-FR" dirty="0" err="1"/>
+              <a:t>npm</a:t>
+            </a:r>
+            <a:r>
+              <a:rPr lang="fr-FR" dirty="0"/>
+              <a:t> </a:t>
+            </a:r>
+            <a:r>
+              <a:rPr lang="fr-FR" dirty="0" err="1"/>
+              <a:t>link</a:t>
+            </a:r>
+            <a:endParaRPr lang="fr-FR" dirty="0"/>
+          </a:p>
+          <a:p>
+            <a:endParaRPr lang="fr-FR" dirty="0"/>
+          </a:p>
+          <a:p>
+            <a:r>
+              <a:rPr lang="fr-FR" dirty="0"/>
+              <a:t>cd front-</a:t>
+            </a:r>
+            <a:r>
+              <a:rPr lang="fr-FR" dirty="0" err="1"/>
+              <a:t>common</a:t>
+            </a:r>
+            <a:endParaRPr lang="fr-FR" dirty="0"/>
+          </a:p>
+          <a:p>
+            <a:r>
+              <a:rPr lang="fr-FR" dirty="0" err="1"/>
+              <a:t>npm</a:t>
+            </a:r>
+            <a:r>
+              <a:rPr lang="fr-FR" dirty="0"/>
+              <a:t> run </a:t>
+            </a:r>
+            <a:r>
+              <a:rPr lang="fr-FR" dirty="0" err="1"/>
+              <a:t>watch</a:t>
+            </a:r>
+            <a:endParaRPr lang="fr-FR" dirty="0"/>
+          </a:p>
+          <a:p>
+            <a:endParaRPr lang="fr-FR" dirty="0"/>
+          </a:p>
+          <a:p>
+            <a:r>
+              <a:rPr lang="fr-FR" dirty="0"/>
+              <a:t>cd front</a:t>
+            </a:r>
+          </a:p>
+          <a:p>
+            <a:r>
+              <a:rPr lang="fr-FR" b="1" dirty="0" err="1"/>
+              <a:t>npx</a:t>
+            </a:r>
+            <a:r>
+              <a:rPr lang="fr-FR" b="1" dirty="0"/>
+              <a:t> </a:t>
+            </a:r>
+            <a:r>
+              <a:rPr lang="fr-FR" b="1" dirty="0" err="1"/>
+              <a:t>ng</a:t>
+            </a:r>
+            <a:r>
+              <a:rPr lang="fr-FR" b="1" dirty="0"/>
+              <a:t> cache </a:t>
+            </a:r>
+            <a:r>
+              <a:rPr lang="fr-FR" b="1" dirty="0" err="1"/>
+              <a:t>disable</a:t>
+            </a:r>
+            <a:endParaRPr lang="fr-FR" b="1" dirty="0"/>
+          </a:p>
+          <a:p>
+            <a:r>
+              <a:rPr lang="fr-FR" dirty="0" err="1"/>
+              <a:t>npm</a:t>
+            </a:r>
+            <a:r>
+              <a:rPr lang="fr-FR" dirty="0"/>
+              <a:t> </a:t>
+            </a:r>
+            <a:r>
+              <a:rPr lang="fr-FR" dirty="0" err="1"/>
+              <a:t>link</a:t>
+            </a:r>
+            <a:r>
+              <a:rPr lang="fr-FR" dirty="0"/>
+              <a:t> @</a:t>
+            </a:r>
+            <a:r>
+              <a:rPr lang="fr-FR" dirty="0" err="1"/>
+              <a:t>monentreprise</a:t>
+            </a:r>
+            <a:r>
+              <a:rPr lang="fr-FR" dirty="0"/>
+              <a:t>/</a:t>
+            </a:r>
+            <a:r>
+              <a:rPr lang="fr-FR" dirty="0" err="1"/>
+              <a:t>wdg</a:t>
+            </a:r>
+            <a:endParaRPr lang="fr-FR" dirty="0"/>
+          </a:p>
+          <a:p>
+            <a:r>
+              <a:rPr lang="fr-FR" dirty="0" err="1"/>
+              <a:t>npm</a:t>
+            </a:r>
+            <a:r>
+              <a:rPr lang="fr-FR" dirty="0"/>
+              <a:t> start</a:t>
+            </a:r>
+          </a:p>
+          <a:p>
+            <a:endParaRPr lang="fr-FR" dirty="0"/>
+          </a:p>
+          <a:p>
+            <a:endParaRPr lang="fr-FR" dirty="0"/>
+          </a:p>
+        </p:txBody>
+      </p:sp>
+    </p:spTree>
+    <p:extLst>
+      <p:ext uri="{BB962C8B-B14F-4D97-AF65-F5344CB8AC3E}">
+        <p14:creationId xmlns:p14="http://schemas.microsoft.com/office/powerpoint/2010/main" val="3359748544"/>
+      </p:ext>
+    </p:extLst>
+  </p:cSld>
+  <p:clrMapOvr>
+    <a:masterClrMapping/>
+  </p:clrMapOvr>
+</p:sld>
+</file>
+
+<file path=ppt/slides/slide35.xml><?xml version="1.0" encoding="utf-8"?>
+<p:sld xmlns:a="http://schemas.openxmlformats.org/drawingml/2006/main" xmlns:r="http://schemas.openxmlformats.org/officeDocument/2006/relationships" xmlns:p="http://schemas.openxmlformats.org/presentationml/2006/main">
+  <p:cSld>
+    <p:spTree>
+      <p:nvGrpSpPr>
+        <p:cNvPr id="1" name=""/>
+        <p:cNvGrpSpPr/>
+        <p:nvPr/>
+      </p:nvGrpSpPr>
+      <p:grpSpPr>
+        <a:xfrm>
+          <a:off x="0" y="0"/>
+          <a:ext cx="0" cy="0"/>
+          <a:chOff x="0" y="0"/>
+          <a:chExt cx="0" cy="0"/>
+        </a:xfrm>
+      </p:grpSpPr>
+      <p:sp>
+        <p:nvSpPr>
+          <p:cNvPr id="4" name="Rectangle 3">
+            <a:extLst>
+              <a:ext uri="{FF2B5EF4-FFF2-40B4-BE49-F238E27FC236}">
+                <a16:creationId xmlns:a16="http://schemas.microsoft.com/office/drawing/2014/main" id="{FAD603A3-E90A-49EC-9E12-C21FA9C8CF42}"/>
+              </a:ext>
+            </a:extLst>
+          </p:cNvPr>
+          <p:cNvSpPr/>
+          <p:nvPr/>
+        </p:nvSpPr>
+        <p:spPr>
+          <a:xfrm>
+            <a:off x="8569628" y="1337138"/>
+            <a:ext cx="1066034" cy="441117"/>
+          </a:xfrm>
+          <a:prstGeom prst="rect">
+            <a:avLst/>
+          </a:prstGeom>
+        </p:spPr>
+        <p:style>
+          <a:lnRef idx="2">
+            <a:schemeClr val="accent1">
+              <a:shade val="50000"/>
+            </a:schemeClr>
+          </a:lnRef>
+          <a:fillRef idx="1">
+            <a:schemeClr val="accent1"/>
+          </a:fillRef>
+          <a:effectRef idx="0">
+            <a:schemeClr val="accent1"/>
+          </a:effectRef>
+          <a:fontRef idx="minor">
+            <a:schemeClr val="lt1"/>
+          </a:fontRef>
+        </p:style>
+        <p:txBody>
+          <a:bodyPr rtlCol="0" anchor="ctr"/>
+          <a:lstStyle/>
+          <a:p>
+            <a:pPr algn="ctr"/>
+            <a:endParaRPr lang="fr-FR"/>
+          </a:p>
+        </p:txBody>
+      </p:sp>
+      <p:sp>
+        <p:nvSpPr>
+          <p:cNvPr id="5" name="Rectangle 4">
+            <a:extLst>
+              <a:ext uri="{FF2B5EF4-FFF2-40B4-BE49-F238E27FC236}">
+                <a16:creationId xmlns:a16="http://schemas.microsoft.com/office/drawing/2014/main" id="{C6CB670A-768D-4FC8-B13C-0C9539462C46}"/>
+              </a:ext>
+            </a:extLst>
+          </p:cNvPr>
+          <p:cNvSpPr/>
+          <p:nvPr/>
+        </p:nvSpPr>
+        <p:spPr>
+          <a:xfrm>
+            <a:off x="7697348" y="2083055"/>
+            <a:ext cx="1066034" cy="441117"/>
+          </a:xfrm>
+          <a:prstGeom prst="rect">
+            <a:avLst/>
+          </a:prstGeom>
+        </p:spPr>
+        <p:style>
+          <a:lnRef idx="2">
+            <a:schemeClr val="accent1">
+              <a:shade val="50000"/>
+            </a:schemeClr>
+          </a:lnRef>
+          <a:fillRef idx="1">
+            <a:schemeClr val="accent1"/>
+          </a:fillRef>
+          <a:effectRef idx="0">
+            <a:schemeClr val="accent1"/>
+          </a:effectRef>
+          <a:fontRef idx="minor">
+            <a:schemeClr val="lt1"/>
+          </a:fontRef>
+        </p:style>
+        <p:txBody>
+          <a:bodyPr rtlCol="0" anchor="ctr"/>
+          <a:lstStyle/>
+          <a:p>
+            <a:pPr algn="ctr"/>
+            <a:endParaRPr lang="fr-FR"/>
+          </a:p>
+        </p:txBody>
+      </p:sp>
+      <p:sp>
+        <p:nvSpPr>
+          <p:cNvPr id="6" name="Rectangle 5">
+            <a:extLst>
+              <a:ext uri="{FF2B5EF4-FFF2-40B4-BE49-F238E27FC236}">
+                <a16:creationId xmlns:a16="http://schemas.microsoft.com/office/drawing/2014/main" id="{0701BC11-D7A8-429B-AF2B-714E13D54618}"/>
+              </a:ext>
+            </a:extLst>
+          </p:cNvPr>
+          <p:cNvSpPr/>
+          <p:nvPr/>
+        </p:nvSpPr>
+        <p:spPr>
+          <a:xfrm>
+            <a:off x="9801847" y="2132835"/>
+            <a:ext cx="1066034" cy="441117"/>
+          </a:xfrm>
+          <a:prstGeom prst="rect">
+            <a:avLst/>
+          </a:prstGeom>
+        </p:spPr>
+        <p:style>
+          <a:lnRef idx="2">
+            <a:schemeClr val="accent1">
+              <a:shade val="50000"/>
+            </a:schemeClr>
+          </a:lnRef>
+          <a:fillRef idx="1">
+            <a:schemeClr val="accent1"/>
+          </a:fillRef>
+          <a:effectRef idx="0">
+            <a:schemeClr val="accent1"/>
+          </a:effectRef>
+          <a:fontRef idx="minor">
+            <a:schemeClr val="lt1"/>
+          </a:fontRef>
+        </p:style>
+        <p:txBody>
+          <a:bodyPr rtlCol="0" anchor="ctr"/>
+          <a:lstStyle/>
+          <a:p>
+            <a:pPr algn="ctr"/>
+            <a:endParaRPr lang="fr-FR"/>
+          </a:p>
+        </p:txBody>
+      </p:sp>
+      <p:sp>
+        <p:nvSpPr>
+          <p:cNvPr id="7" name="Rectangle 6">
+            <a:extLst>
+              <a:ext uri="{FF2B5EF4-FFF2-40B4-BE49-F238E27FC236}">
+                <a16:creationId xmlns:a16="http://schemas.microsoft.com/office/drawing/2014/main" id="{033EF98F-5F6A-493F-B894-BDA3EA39A14A}"/>
+              </a:ext>
+            </a:extLst>
+          </p:cNvPr>
+          <p:cNvSpPr/>
+          <p:nvPr/>
+        </p:nvSpPr>
+        <p:spPr>
+          <a:xfrm>
+            <a:off x="597347" y="960350"/>
+            <a:ext cx="4181427" cy="3170532"/>
+          </a:xfrm>
+          <a:prstGeom prst="rect">
+            <a:avLst/>
+          </a:prstGeom>
+        </p:spPr>
+        <p:style>
+          <a:lnRef idx="2">
+            <a:schemeClr val="accent1"/>
+          </a:lnRef>
+          <a:fillRef idx="1">
+            <a:schemeClr val="lt1"/>
+          </a:fillRef>
+          <a:effectRef idx="0">
+            <a:schemeClr val="accent1"/>
+          </a:effectRef>
+          <a:fontRef idx="minor">
+            <a:schemeClr val="dk1"/>
+          </a:fontRef>
+        </p:style>
+        <p:txBody>
+          <a:bodyPr rtlCol="0" anchor="ctr"/>
+          <a:lstStyle/>
+          <a:p>
+            <a:pPr algn="ctr"/>
+            <a:endParaRPr lang="fr-FR"/>
+          </a:p>
+        </p:txBody>
+      </p:sp>
+      <p:cxnSp>
+        <p:nvCxnSpPr>
+          <p:cNvPr id="9" name="Straight Arrow Connector 8">
+            <a:extLst>
+              <a:ext uri="{FF2B5EF4-FFF2-40B4-BE49-F238E27FC236}">
+                <a16:creationId xmlns:a16="http://schemas.microsoft.com/office/drawing/2014/main" id="{5849C549-DDF6-44C1-8329-BCB54C3C5596}"/>
+              </a:ext>
+            </a:extLst>
+          </p:cNvPr>
+          <p:cNvCxnSpPr>
+            <a:cxnSpLocks/>
+            <a:stCxn id="5" idx="1"/>
+          </p:cNvCxnSpPr>
+          <p:nvPr/>
+        </p:nvCxnSpPr>
+        <p:spPr>
+          <a:xfrm flipH="1">
+            <a:off x="7351960" y="2303614"/>
+            <a:ext cx="345388" cy="857729"/>
+          </a:xfrm>
+          <a:prstGeom prst="straightConnector1">
+            <a:avLst/>
+          </a:prstGeom>
+          <a:ln w="76200">
+            <a:tailEnd type="triangle"/>
+          </a:ln>
+        </p:spPr>
+        <p:style>
+          <a:lnRef idx="1">
+            <a:schemeClr val="accent1"/>
+          </a:lnRef>
+          <a:fillRef idx="0">
+            <a:schemeClr val="accent1"/>
+          </a:fillRef>
+          <a:effectRef idx="0">
+            <a:schemeClr val="accent1"/>
+          </a:effectRef>
+          <a:fontRef idx="minor">
+            <a:schemeClr val="tx1"/>
+          </a:fontRef>
+        </p:style>
+      </p:cxnSp>
+      <p:sp>
+        <p:nvSpPr>
+          <p:cNvPr id="11" name="Rectangle 10">
+            <a:extLst>
+              <a:ext uri="{FF2B5EF4-FFF2-40B4-BE49-F238E27FC236}">
+                <a16:creationId xmlns:a16="http://schemas.microsoft.com/office/drawing/2014/main" id="{2FA58815-8D18-4393-97B9-A1A8749CF675}"/>
+              </a:ext>
+            </a:extLst>
+          </p:cNvPr>
+          <p:cNvSpPr/>
+          <p:nvPr/>
+        </p:nvSpPr>
+        <p:spPr>
+          <a:xfrm>
+            <a:off x="5909138" y="2752390"/>
+            <a:ext cx="1442822" cy="771956"/>
+          </a:xfrm>
+          <a:prstGeom prst="rect">
+            <a:avLst/>
+          </a:prstGeom>
+        </p:spPr>
+        <p:style>
+          <a:lnRef idx="2">
+            <a:schemeClr val="accent1">
+              <a:shade val="50000"/>
+            </a:schemeClr>
+          </a:lnRef>
+          <a:fillRef idx="1">
+            <a:schemeClr val="accent1"/>
+          </a:fillRef>
+          <a:effectRef idx="0">
+            <a:schemeClr val="accent1"/>
+          </a:effectRef>
+          <a:fontRef idx="minor">
+            <a:schemeClr val="lt1"/>
+          </a:fontRef>
+        </p:style>
+        <p:txBody>
+          <a:bodyPr rtlCol="0" anchor="ctr"/>
+          <a:lstStyle/>
+          <a:p>
+            <a:pPr algn="ctr"/>
+            <a:r>
+              <a:rPr lang="fr-FR" dirty="0"/>
+              <a:t>dispatch action</a:t>
+            </a:r>
+          </a:p>
+        </p:txBody>
+      </p:sp>
+      <p:cxnSp>
+        <p:nvCxnSpPr>
+          <p:cNvPr id="13" name="Straight Arrow Connector 12">
+            <a:extLst>
+              <a:ext uri="{FF2B5EF4-FFF2-40B4-BE49-F238E27FC236}">
+                <a16:creationId xmlns:a16="http://schemas.microsoft.com/office/drawing/2014/main" id="{12FEDBC3-4B8F-45B9-B525-29CA2BFCDEE2}"/>
+              </a:ext>
+            </a:extLst>
+          </p:cNvPr>
+          <p:cNvCxnSpPr>
+            <a:stCxn id="11" idx="1"/>
+          </p:cNvCxnSpPr>
+          <p:nvPr/>
+        </p:nvCxnSpPr>
+        <p:spPr>
+          <a:xfrm flipH="1" flipV="1">
+            <a:off x="3717335" y="2666617"/>
+            <a:ext cx="2191803" cy="471751"/>
+          </a:xfrm>
+          <a:prstGeom prst="straightConnector1">
+            <a:avLst/>
+          </a:prstGeom>
+          <a:ln w="76200">
+            <a:tailEnd type="triangle"/>
+          </a:ln>
+        </p:spPr>
+        <p:style>
+          <a:lnRef idx="1">
+            <a:schemeClr val="accent1"/>
+          </a:lnRef>
+          <a:fillRef idx="0">
+            <a:schemeClr val="accent1"/>
+          </a:fillRef>
+          <a:effectRef idx="0">
+            <a:schemeClr val="accent1"/>
+          </a:effectRef>
+          <a:fontRef idx="minor">
+            <a:schemeClr val="tx1"/>
+          </a:fontRef>
+        </p:style>
+      </p:cxnSp>
+      <p:sp>
+        <p:nvSpPr>
+          <p:cNvPr id="14" name="Rectangle 13">
+            <a:extLst>
+              <a:ext uri="{FF2B5EF4-FFF2-40B4-BE49-F238E27FC236}">
+                <a16:creationId xmlns:a16="http://schemas.microsoft.com/office/drawing/2014/main" id="{3DEED57F-6889-4B18-AB25-5A642CDDBDB6}"/>
+              </a:ext>
+            </a:extLst>
+          </p:cNvPr>
+          <p:cNvSpPr/>
+          <p:nvPr/>
+        </p:nvSpPr>
+        <p:spPr>
+          <a:xfrm>
+            <a:off x="2711035" y="2303614"/>
+            <a:ext cx="1006300" cy="678525"/>
+          </a:xfrm>
+          <a:prstGeom prst="rect">
+            <a:avLst/>
+          </a:prstGeom>
+        </p:spPr>
+        <p:style>
+          <a:lnRef idx="2">
+            <a:schemeClr val="accent1">
+              <a:shade val="50000"/>
+            </a:schemeClr>
+          </a:lnRef>
+          <a:fillRef idx="1">
+            <a:schemeClr val="accent1"/>
+          </a:fillRef>
+          <a:effectRef idx="0">
+            <a:schemeClr val="accent1"/>
+          </a:effectRef>
+          <a:fontRef idx="minor">
+            <a:schemeClr val="lt1"/>
+          </a:fontRef>
+        </p:style>
+        <p:txBody>
+          <a:bodyPr rtlCol="0" anchor="ctr"/>
+          <a:lstStyle/>
+          <a:p>
+            <a:pPr algn="ctr"/>
+            <a:r>
+              <a:rPr lang="fr-FR" dirty="0" err="1"/>
+              <a:t>reducer</a:t>
+            </a:r>
+            <a:endParaRPr lang="fr-FR" dirty="0"/>
+          </a:p>
+        </p:txBody>
+      </p:sp>
+      <p:sp>
+        <p:nvSpPr>
+          <p:cNvPr id="15" name="Rectangle 14">
+            <a:extLst>
+              <a:ext uri="{FF2B5EF4-FFF2-40B4-BE49-F238E27FC236}">
+                <a16:creationId xmlns:a16="http://schemas.microsoft.com/office/drawing/2014/main" id="{E47067C6-767E-4F55-A8CB-6FDE974C1303}"/>
+              </a:ext>
+            </a:extLst>
+          </p:cNvPr>
+          <p:cNvSpPr/>
+          <p:nvPr/>
+        </p:nvSpPr>
+        <p:spPr>
+          <a:xfrm>
+            <a:off x="1272808" y="1154871"/>
+            <a:ext cx="1134959" cy="425800"/>
+          </a:xfrm>
+          <a:prstGeom prst="rect">
+            <a:avLst/>
+          </a:prstGeom>
+        </p:spPr>
+        <p:style>
+          <a:lnRef idx="2">
+            <a:schemeClr val="accent1">
+              <a:shade val="50000"/>
+            </a:schemeClr>
+          </a:lnRef>
+          <a:fillRef idx="1">
+            <a:schemeClr val="accent1"/>
+          </a:fillRef>
+          <a:effectRef idx="0">
+            <a:schemeClr val="accent1"/>
+          </a:effectRef>
+          <a:fontRef idx="minor">
+            <a:schemeClr val="lt1"/>
+          </a:fontRef>
+        </p:style>
+        <p:txBody>
+          <a:bodyPr rtlCol="0" anchor="ctr"/>
+          <a:lstStyle/>
+          <a:p>
+            <a:pPr algn="ctr"/>
+            <a:r>
+              <a:rPr lang="fr-FR" dirty="0"/>
+              <a:t>state1</a:t>
+            </a:r>
+          </a:p>
+        </p:txBody>
+      </p:sp>
+      <p:sp>
+        <p:nvSpPr>
+          <p:cNvPr id="16" name="Rectangle 15">
+            <a:extLst>
+              <a:ext uri="{FF2B5EF4-FFF2-40B4-BE49-F238E27FC236}">
+                <a16:creationId xmlns:a16="http://schemas.microsoft.com/office/drawing/2014/main" id="{2C1F1E9F-AE47-4179-BAE7-A7169B50BA3E}"/>
+              </a:ext>
+            </a:extLst>
+          </p:cNvPr>
+          <p:cNvSpPr/>
+          <p:nvPr/>
+        </p:nvSpPr>
+        <p:spPr>
+          <a:xfrm>
+            <a:off x="1272807" y="1733071"/>
+            <a:ext cx="1134959" cy="425800"/>
+          </a:xfrm>
+          <a:prstGeom prst="rect">
+            <a:avLst/>
+          </a:prstGeom>
+        </p:spPr>
+        <p:style>
+          <a:lnRef idx="2">
+            <a:schemeClr val="accent1">
+              <a:shade val="50000"/>
+            </a:schemeClr>
+          </a:lnRef>
+          <a:fillRef idx="1">
+            <a:schemeClr val="accent1"/>
+          </a:fillRef>
+          <a:effectRef idx="0">
+            <a:schemeClr val="accent1"/>
+          </a:effectRef>
+          <a:fontRef idx="minor">
+            <a:schemeClr val="lt1"/>
+          </a:fontRef>
+        </p:style>
+        <p:txBody>
+          <a:bodyPr rtlCol="0" anchor="ctr"/>
+          <a:lstStyle/>
+          <a:p>
+            <a:pPr algn="ctr"/>
+            <a:r>
+              <a:rPr lang="fr-FR" dirty="0"/>
+              <a:t>state2</a:t>
+            </a:r>
+          </a:p>
+        </p:txBody>
+      </p:sp>
+      <p:cxnSp>
+        <p:nvCxnSpPr>
+          <p:cNvPr id="18" name="Straight Arrow Connector 17">
+            <a:extLst>
+              <a:ext uri="{FF2B5EF4-FFF2-40B4-BE49-F238E27FC236}">
+                <a16:creationId xmlns:a16="http://schemas.microsoft.com/office/drawing/2014/main" id="{0BAE890B-2121-4E36-9E19-141E1A590B4B}"/>
+              </a:ext>
+            </a:extLst>
+          </p:cNvPr>
+          <p:cNvCxnSpPr>
+            <a:stCxn id="15" idx="3"/>
+          </p:cNvCxnSpPr>
+          <p:nvPr/>
+        </p:nvCxnSpPr>
+        <p:spPr>
+          <a:xfrm flipV="1">
+            <a:off x="2407767" y="1337138"/>
+            <a:ext cx="3501371" cy="30633"/>
+          </a:xfrm>
+          <a:prstGeom prst="straightConnector1">
+            <a:avLst/>
+          </a:prstGeom>
+          <a:ln w="76200">
+            <a:tailEnd type="triangle"/>
+          </a:ln>
+        </p:spPr>
+        <p:style>
+          <a:lnRef idx="1">
+            <a:schemeClr val="accent1"/>
+          </a:lnRef>
+          <a:fillRef idx="0">
+            <a:schemeClr val="accent1"/>
+          </a:fillRef>
+          <a:effectRef idx="0">
+            <a:schemeClr val="accent1"/>
+          </a:effectRef>
+          <a:fontRef idx="minor">
+            <a:schemeClr val="tx1"/>
+          </a:fontRef>
+        </p:style>
+      </p:cxnSp>
+      <p:sp>
+        <p:nvSpPr>
+          <p:cNvPr id="19" name="Rectangle 18">
+            <a:extLst>
+              <a:ext uri="{FF2B5EF4-FFF2-40B4-BE49-F238E27FC236}">
+                <a16:creationId xmlns:a16="http://schemas.microsoft.com/office/drawing/2014/main" id="{E4D949C5-84E1-404B-90C5-3C8AEC4A1C63}"/>
+              </a:ext>
+            </a:extLst>
+          </p:cNvPr>
+          <p:cNvSpPr/>
+          <p:nvPr/>
+        </p:nvSpPr>
+        <p:spPr>
+          <a:xfrm>
+            <a:off x="5965810" y="1070629"/>
+            <a:ext cx="1442822" cy="707626"/>
+          </a:xfrm>
+          <a:prstGeom prst="rect">
+            <a:avLst/>
+          </a:prstGeom>
+        </p:spPr>
+        <p:style>
+          <a:lnRef idx="2">
+            <a:schemeClr val="accent1">
+              <a:shade val="50000"/>
+            </a:schemeClr>
+          </a:lnRef>
+          <a:fillRef idx="1">
+            <a:schemeClr val="accent1"/>
+          </a:fillRef>
+          <a:effectRef idx="0">
+            <a:schemeClr val="accent1"/>
+          </a:effectRef>
+          <a:fontRef idx="minor">
+            <a:schemeClr val="lt1"/>
+          </a:fontRef>
+        </p:style>
+        <p:txBody>
+          <a:bodyPr rtlCol="0" anchor="ctr"/>
+          <a:lstStyle/>
+          <a:p>
+            <a:pPr algn="ctr"/>
+            <a:r>
+              <a:rPr lang="fr-FR" dirty="0" err="1"/>
+              <a:t>selector</a:t>
+            </a:r>
+            <a:endParaRPr lang="fr-FR" dirty="0"/>
+          </a:p>
+        </p:txBody>
+      </p:sp>
+      <p:cxnSp>
+        <p:nvCxnSpPr>
+          <p:cNvPr id="21" name="Straight Arrow Connector 20">
+            <a:extLst>
+              <a:ext uri="{FF2B5EF4-FFF2-40B4-BE49-F238E27FC236}">
+                <a16:creationId xmlns:a16="http://schemas.microsoft.com/office/drawing/2014/main" id="{851D9EDE-4CC6-4ACC-88D3-3DAE42E29D4C}"/>
+              </a:ext>
+            </a:extLst>
+          </p:cNvPr>
+          <p:cNvCxnSpPr>
+            <a:stCxn id="19" idx="3"/>
+            <a:endCxn id="4" idx="1"/>
+          </p:cNvCxnSpPr>
+          <p:nvPr/>
+        </p:nvCxnSpPr>
+        <p:spPr>
+          <a:xfrm>
+            <a:off x="7408632" y="1424442"/>
+            <a:ext cx="1160996" cy="133255"/>
+          </a:xfrm>
+          <a:prstGeom prst="straightConnector1">
+            <a:avLst/>
+          </a:prstGeom>
+          <a:ln w="76200">
+            <a:tailEnd type="triangle"/>
+          </a:ln>
+        </p:spPr>
+        <p:style>
+          <a:lnRef idx="1">
+            <a:schemeClr val="accent1"/>
+          </a:lnRef>
+          <a:fillRef idx="0">
+            <a:schemeClr val="accent1"/>
+          </a:fillRef>
+          <a:effectRef idx="0">
+            <a:schemeClr val="accent1"/>
+          </a:effectRef>
+          <a:fontRef idx="minor">
+            <a:schemeClr val="tx1"/>
+          </a:fontRef>
+        </p:style>
+      </p:cxnSp>
+      <p:cxnSp>
+        <p:nvCxnSpPr>
+          <p:cNvPr id="25" name="Straight Arrow Connector 24">
+            <a:extLst>
+              <a:ext uri="{FF2B5EF4-FFF2-40B4-BE49-F238E27FC236}">
+                <a16:creationId xmlns:a16="http://schemas.microsoft.com/office/drawing/2014/main" id="{A325A869-C3B5-426C-B558-B8248A3369E1}"/>
+              </a:ext>
+            </a:extLst>
+          </p:cNvPr>
+          <p:cNvCxnSpPr/>
+          <p:nvPr/>
+        </p:nvCxnSpPr>
+        <p:spPr>
+          <a:xfrm flipH="1" flipV="1">
+            <a:off x="2407766" y="1557697"/>
+            <a:ext cx="799526" cy="745917"/>
+          </a:xfrm>
+          <a:prstGeom prst="straightConnector1">
+            <a:avLst/>
+          </a:prstGeom>
+          <a:ln w="76200">
+            <a:tailEnd type="triangle"/>
+          </a:ln>
+        </p:spPr>
+        <p:style>
+          <a:lnRef idx="1">
+            <a:schemeClr val="accent1"/>
+          </a:lnRef>
+          <a:fillRef idx="0">
+            <a:schemeClr val="accent1"/>
+          </a:fillRef>
+          <a:effectRef idx="0">
+            <a:schemeClr val="accent1"/>
+          </a:effectRef>
+          <a:fontRef idx="minor">
+            <a:schemeClr val="tx1"/>
+          </a:fontRef>
+        </p:style>
+      </p:cxnSp>
+    </p:spTree>
+    <p:extLst>
+      <p:ext uri="{BB962C8B-B14F-4D97-AF65-F5344CB8AC3E}">
+        <p14:creationId xmlns:p14="http://schemas.microsoft.com/office/powerpoint/2010/main" val="2382947219"/>
       </p:ext>
     </p:extLst>
   </p:cSld>
